--- a/articles/distributed_computing_big_data/spark.pptx
+++ b/articles/distributed_computing_big_data/spark.pptx
@@ -1672,7 +1672,7 @@
           <a:bodyPr lIns="0" rIns="0" tIns="0" bIns="0"/>
           <a:p>
             <a:pPr algn="r"/>
-            <a:fld id="{7251A0B7-26D6-4E5F-81C9-075C671AC6B4}" type="slidenum">
+            <a:fld id="{B331F378-93D7-4F15-9BBE-0D1BB3F376DD}" type="slidenum">
               <a:rPr b="0" lang="en-GB" sz="1400" spc="-1" strike="noStrike">
                 <a:latin typeface="Times New Roman"/>
               </a:rPr>

--- a/articles/distributed_computing_big_data/spark.pptx
+++ b/articles/distributed_computing_big_data/spark.pptx
@@ -3,18 +3,753 @@
 <p:presentation xmlns:a="http://schemas.openxmlformats.org/drawingml/2006/main" xmlns:p="http://schemas.openxmlformats.org/presentationml/2006/main" xmlns:r="http://schemas.openxmlformats.org/officeDocument/2006/relationships" xmlns:p14="http://schemas.microsoft.com/office/powerpoint/2010/main" xmlns:p15="http://schemas.microsoft.com/office/powerpoint/2012/main" xmlns:mc="http://schemas.openxmlformats.org/markup-compatibility/2006">
   <p:sldMasterIdLst>
     <p:sldMasterId id="2147483648" r:id="rId2"/>
+    <p:sldMasterId id="2147483661" r:id="rId3"/>
   </p:sldMasterIdLst>
+  <p:notesMasterIdLst>
+    <p:notesMasterId r:id="rId4"/>
+  </p:notesMasterIdLst>
   <p:sldIdLst>
-    <p:sldId id="256" r:id="rId3"/>
-    <p:sldId id="257" r:id="rId4"/>
-    <p:sldId id="258" r:id="rId5"/>
-    <p:sldId id="259" r:id="rId6"/>
-    <p:sldId id="260" r:id="rId7"/>
-    <p:sldId id="261" r:id="rId8"/>
+    <p:sldId id="256" r:id="rId5"/>
+    <p:sldId id="257" r:id="rId6"/>
+    <p:sldId id="258" r:id="rId7"/>
+    <p:sldId id="259" r:id="rId8"/>
+    <p:sldId id="260" r:id="rId9"/>
+    <p:sldId id="261" r:id="rId10"/>
+    <p:sldId id="262" r:id="rId11"/>
+    <p:sldId id="263" r:id="rId12"/>
+    <p:sldId id="264" r:id="rId13"/>
+    <p:sldId id="265" r:id="rId14"/>
+    <p:sldId id="266" r:id="rId15"/>
+    <p:sldId id="267" r:id="rId16"/>
+    <p:sldId id="268" r:id="rId17"/>
+    <p:sldId id="269" r:id="rId18"/>
+    <p:sldId id="270" r:id="rId19"/>
+    <p:sldId id="271" r:id="rId20"/>
+    <p:sldId id="272" r:id="rId21"/>
+    <p:sldId id="273" r:id="rId22"/>
   </p:sldIdLst>
   <p:sldSz cx="10080625" cy="5670550"/>
   <p:notesSz cx="7559675" cy="10691812"/>
 </p:presentation>
+</file>
+
+<file path=ppt/notesMasters/notesMaster1.xml><?xml version="1.0" encoding="utf-8"?>
+<p:notesMaster xmlns:a="http://schemas.openxmlformats.org/drawingml/2006/main" xmlns:p="http://schemas.openxmlformats.org/presentationml/2006/main" xmlns:r="http://schemas.openxmlformats.org/officeDocument/2006/relationships" xmlns:p14="http://schemas.microsoft.com/office/powerpoint/2010/main" xmlns:p15="http://schemas.microsoft.com/office/powerpoint/2012/main" xmlns:mc="http://schemas.openxmlformats.org/markup-compatibility/2006">
+  <p:cSld>
+    <p:spTree>
+      <p:nvGrpSpPr>
+        <p:cNvPr id="1" name=""/>
+        <p:cNvGrpSpPr/>
+        <p:nvPr/>
+      </p:nvGrpSpPr>
+      <p:grpSpPr>
+        <a:xfrm>
+          <a:off x="0" y="0"/>
+          <a:ext cx="0" cy="0"/>
+          <a:chOff x="0" y="0"/>
+          <a:chExt cx="0" cy="0"/>
+        </a:xfrm>
+      </p:grpSpPr>
+      <p:sp>
+        <p:nvSpPr>
+          <p:cNvPr id="76" name="PlaceHolder 1"/>
+          <p:cNvSpPr>
+            <a:spLocks noGrp="1"/>
+          </p:cNvSpPr>
+          <p:nvPr>
+            <p:ph type="sldImg"/>
+          </p:nvPr>
+        </p:nvSpPr>
+        <p:spPr>
+          <a:xfrm>
+            <a:off x="216000" y="812520"/>
+            <a:ext cx="7127280" cy="4008960"/>
+          </a:xfrm>
+          <a:prstGeom prst="rect">
+            <a:avLst/>
+          </a:prstGeom>
+        </p:spPr>
+        <p:txBody>
+          <a:bodyPr lIns="0" rIns="0" tIns="0" bIns="0" anchor="ctr"/>
+          <a:p>
+            <a:pPr algn="ctr"/>
+            <a:r>
+              <a:rPr b="0" lang="en-GB" sz="4400" spc="-1" strike="noStrike">
+                <a:latin typeface="Arial"/>
+              </a:rPr>
+              <a:t>Click to move the slide</a:t>
+            </a:r>
+            <a:endParaRPr b="0" lang="en-GB" sz="4400" spc="-1" strike="noStrike">
+              <a:latin typeface="Arial"/>
+            </a:endParaRPr>
+          </a:p>
+        </p:txBody>
+      </p:sp>
+      <p:sp>
+        <p:nvSpPr>
+          <p:cNvPr id="77" name="PlaceHolder 2"/>
+          <p:cNvSpPr>
+            <a:spLocks noGrp="1"/>
+          </p:cNvSpPr>
+          <p:nvPr>
+            <p:ph type="body"/>
+          </p:nvPr>
+        </p:nvSpPr>
+        <p:spPr>
+          <a:xfrm>
+            <a:off x="756000" y="5078520"/>
+            <a:ext cx="6047640" cy="4811040"/>
+          </a:xfrm>
+          <a:prstGeom prst="rect">
+            <a:avLst/>
+          </a:prstGeom>
+        </p:spPr>
+        <p:txBody>
+          <a:bodyPr lIns="0" rIns="0" tIns="0" bIns="0"/>
+          <a:p>
+            <a:r>
+              <a:rPr b="0" lang="en-GB" sz="2000" spc="-1" strike="noStrike">
+                <a:latin typeface="Arial"/>
+              </a:rPr>
+              <a:t>Click to edit the notes format</a:t>
+            </a:r>
+            <a:endParaRPr b="0" lang="en-GB" sz="2000" spc="-1" strike="noStrike">
+              <a:latin typeface="Arial"/>
+            </a:endParaRPr>
+          </a:p>
+        </p:txBody>
+      </p:sp>
+      <p:sp>
+        <p:nvSpPr>
+          <p:cNvPr id="78" name="PlaceHolder 3"/>
+          <p:cNvSpPr>
+            <a:spLocks noGrp="1"/>
+          </p:cNvSpPr>
+          <p:nvPr>
+            <p:ph type="hdr"/>
+          </p:nvPr>
+        </p:nvSpPr>
+        <p:spPr>
+          <a:xfrm>
+            <a:off x="0" y="0"/>
+            <a:ext cx="3280680" cy="534240"/>
+          </a:xfrm>
+          <a:prstGeom prst="rect">
+            <a:avLst/>
+          </a:prstGeom>
+        </p:spPr>
+        <p:txBody>
+          <a:bodyPr lIns="0" rIns="0" tIns="0" bIns="0"/>
+          <a:p>
+            <a:r>
+              <a:rPr b="0" lang="en-GB" sz="1400" spc="-1" strike="noStrike">
+                <a:latin typeface="Times New Roman"/>
+              </a:rPr>
+              <a:t>&lt;header&gt;</a:t>
+            </a:r>
+            <a:endParaRPr b="0" lang="en-GB" sz="1400" spc="-1" strike="noStrike">
+              <a:latin typeface="Times New Roman"/>
+            </a:endParaRPr>
+          </a:p>
+        </p:txBody>
+      </p:sp>
+      <p:sp>
+        <p:nvSpPr>
+          <p:cNvPr id="79" name="PlaceHolder 4"/>
+          <p:cNvSpPr>
+            <a:spLocks noGrp="1"/>
+          </p:cNvSpPr>
+          <p:nvPr>
+            <p:ph type="dt"/>
+          </p:nvPr>
+        </p:nvSpPr>
+        <p:spPr>
+          <a:xfrm>
+            <a:off x="4278960" y="0"/>
+            <a:ext cx="3280680" cy="534240"/>
+          </a:xfrm>
+          <a:prstGeom prst="rect">
+            <a:avLst/>
+          </a:prstGeom>
+        </p:spPr>
+        <p:txBody>
+          <a:bodyPr lIns="0" rIns="0" tIns="0" bIns="0"/>
+          <a:p>
+            <a:pPr algn="r"/>
+            <a:r>
+              <a:rPr b="0" lang="en-GB" sz="1400" spc="-1" strike="noStrike">
+                <a:latin typeface="Times New Roman"/>
+              </a:rPr>
+              <a:t>&lt;date/time&gt;</a:t>
+            </a:r>
+            <a:endParaRPr b="0" lang="en-GB" sz="1400" spc="-1" strike="noStrike">
+              <a:latin typeface="Times New Roman"/>
+            </a:endParaRPr>
+          </a:p>
+        </p:txBody>
+      </p:sp>
+      <p:sp>
+        <p:nvSpPr>
+          <p:cNvPr id="80" name="PlaceHolder 5"/>
+          <p:cNvSpPr>
+            <a:spLocks noGrp="1"/>
+          </p:cNvSpPr>
+          <p:nvPr>
+            <p:ph type="ftr"/>
+          </p:nvPr>
+        </p:nvSpPr>
+        <p:spPr>
+          <a:xfrm>
+            <a:off x="0" y="10157400"/>
+            <a:ext cx="3280680" cy="534240"/>
+          </a:xfrm>
+          <a:prstGeom prst="rect">
+            <a:avLst/>
+          </a:prstGeom>
+        </p:spPr>
+        <p:txBody>
+          <a:bodyPr lIns="0" rIns="0" tIns="0" bIns="0" anchor="b"/>
+          <a:p>
+            <a:r>
+              <a:rPr b="0" lang="en-GB" sz="1400" spc="-1" strike="noStrike">
+                <a:latin typeface="Times New Roman"/>
+              </a:rPr>
+              <a:t>&lt;footer&gt;</a:t>
+            </a:r>
+            <a:endParaRPr b="0" lang="en-GB" sz="1400" spc="-1" strike="noStrike">
+              <a:latin typeface="Times New Roman"/>
+            </a:endParaRPr>
+          </a:p>
+        </p:txBody>
+      </p:sp>
+      <p:sp>
+        <p:nvSpPr>
+          <p:cNvPr id="81" name="PlaceHolder 6"/>
+          <p:cNvSpPr>
+            <a:spLocks noGrp="1"/>
+          </p:cNvSpPr>
+          <p:nvPr>
+            <p:ph type="sldNum"/>
+          </p:nvPr>
+        </p:nvSpPr>
+        <p:spPr>
+          <a:xfrm>
+            <a:off x="4278960" y="10157400"/>
+            <a:ext cx="3280680" cy="534240"/>
+          </a:xfrm>
+          <a:prstGeom prst="rect">
+            <a:avLst/>
+          </a:prstGeom>
+        </p:spPr>
+        <p:txBody>
+          <a:bodyPr lIns="0" rIns="0" tIns="0" bIns="0" anchor="b"/>
+          <a:p>
+            <a:pPr algn="r"/>
+            <a:fld id="{630C7B2B-EAF3-4FD9-AAF9-EBD8FBBFBAFE}" type="slidenum">
+              <a:rPr b="0" lang="en-GB" sz="1400" spc="-1" strike="noStrike">
+                <a:latin typeface="Times New Roman"/>
+              </a:rPr>
+              <a:t>&lt;number&gt;</a:t>
+            </a:fld>
+            <a:endParaRPr b="0" lang="en-GB" sz="1400" spc="-1" strike="noStrike">
+              <a:latin typeface="Times New Roman"/>
+            </a:endParaRPr>
+          </a:p>
+        </p:txBody>
+      </p:sp>
+    </p:spTree>
+  </p:cSld>
+  <p:clrMap bg1="lt1" bg2="lt2" tx1="dk1" tx2="dk2" accent1="accent1" accent2="accent2" accent3="accent3" accent4="accent4" accent5="accent5" accent6="accent6" hlink="hlink" folHlink="folHlink"/>
+</p:notesMaster>
+</file>
+
+<file path=ppt/notesSlides/notesSlide10.xml><?xml version="1.0" encoding="utf-8"?>
+<p:notes xmlns:a="http://schemas.openxmlformats.org/drawingml/2006/main" xmlns:p="http://schemas.openxmlformats.org/presentationml/2006/main" xmlns:r="http://schemas.openxmlformats.org/officeDocument/2006/relationships" xmlns:p14="http://schemas.microsoft.com/office/powerpoint/2010/main" xmlns:p15="http://schemas.microsoft.com/office/powerpoint/2012/main" xmlns:mc="http://schemas.openxmlformats.org/markup-compatibility/2006">
+  <p:cSld>
+    <p:spTree>
+      <p:nvGrpSpPr>
+        <p:cNvPr id="1" name=""/>
+        <p:cNvGrpSpPr/>
+        <p:nvPr/>
+      </p:nvGrpSpPr>
+      <p:grpSpPr>
+        <a:xfrm>
+          <a:off x="0" y="0"/>
+          <a:ext cx="0" cy="0"/>
+          <a:chOff x="0" y="0"/>
+          <a:chExt cx="0" cy="0"/>
+        </a:xfrm>
+      </p:grpSpPr>
+      <p:sp>
+        <p:nvSpPr>
+          <p:cNvPr id="136" name="PlaceHolder 1"/>
+          <p:cNvSpPr>
+            <a:spLocks noGrp="1"/>
+          </p:cNvSpPr>
+          <p:nvPr>
+            <p:ph type="sldImg"/>
+          </p:nvPr>
+        </p:nvSpPr>
+        <p:spPr>
+          <a:xfrm>
+            <a:off x="216000" y="812520"/>
+            <a:ext cx="7127280" cy="4008960"/>
+          </a:xfrm>
+          <a:prstGeom prst="rect">
+            <a:avLst/>
+          </a:prstGeom>
+        </p:spPr>
+      </p:sp>
+      <p:sp>
+        <p:nvSpPr>
+          <p:cNvPr id="137" name="PlaceHolder 2"/>
+          <p:cNvSpPr>
+            <a:spLocks noGrp="1"/>
+          </p:cNvSpPr>
+          <p:nvPr>
+            <p:ph type="body"/>
+          </p:nvPr>
+        </p:nvSpPr>
+        <p:spPr>
+          <a:xfrm>
+            <a:off x="756000" y="5078520"/>
+            <a:ext cx="6047640" cy="9916560"/>
+          </a:xfrm>
+          <a:prstGeom prst="rect">
+            <a:avLst/>
+          </a:prstGeom>
+        </p:spPr>
+        <p:txBody>
+          <a:bodyPr lIns="0" rIns="0" tIns="0" bIns="0"/>
+          <a:p>
+            <a:r>
+              <a:rPr b="0" lang="en-GB" sz="2000" spc="-1" strike="noStrike">
+                <a:latin typeface="Arial"/>
+              </a:rPr>
+              <a:t>Before Spark, there was MapReduce, a resilient distributed processing framework, which enabled Google to index the exploding volume of content on the web, across large clusters of commodity servers.</a:t>
+            </a:r>
+            <a:endParaRPr b="0" lang="en-GB" sz="2000" spc="-1" strike="noStrike">
+              <a:latin typeface="Arial"/>
+            </a:endParaRPr>
+          </a:p>
+          <a:p>
+            <a:r>
+              <a:rPr b="0" lang="en-GB" sz="2000" spc="-1" strike="noStrike">
+                <a:latin typeface="Arial"/>
+              </a:rPr>
+              <a:t>3 core concepts to the Google strategy:</a:t>
+            </a:r>
+            <a:endParaRPr b="0" lang="en-GB" sz="2000" spc="-1" strike="noStrike">
+              <a:latin typeface="Arial"/>
+            </a:endParaRPr>
+          </a:p>
+          <a:p>
+            <a:endParaRPr b="0" lang="en-GB" sz="2000" spc="-1" strike="noStrike">
+              <a:latin typeface="Arial"/>
+            </a:endParaRPr>
+          </a:p>
+          <a:p>
+            <a:r>
+              <a:rPr b="0" lang="en-GB" sz="2000" spc="-1" strike="noStrike">
+                <a:latin typeface="Arial"/>
+              </a:rPr>
+              <a:t>Distribute data: when a data file is uploaded into the cluster, it is split into chunks, called data blocks, and distributed amongst the data nodes and replicated across the cluster.</a:t>
+            </a:r>
+            <a:endParaRPr b="0" lang="en-GB" sz="2000" spc="-1" strike="noStrike">
+              <a:latin typeface="Arial"/>
+            </a:endParaRPr>
+          </a:p>
+          <a:p>
+            <a:r>
+              <a:rPr b="0" lang="en-GB" sz="2000" spc="-1" strike="noStrike">
+                <a:latin typeface="Arial"/>
+              </a:rPr>
+              <a:t>Distribute computation: users specify a map function that processes a key/value pair to generate a set of intermediate key/value pairs and a reduce function that merges all intermediate values associated with the same intermediate key. Programs written in this functional style are automatically parallelized and executed on a large cluster of commodity machines in the following way:</a:t>
+            </a:r>
+            <a:endParaRPr b="0" lang="en-GB" sz="2000" spc="-1" strike="noStrike">
+              <a:latin typeface="Arial"/>
+            </a:endParaRPr>
+          </a:p>
+          <a:p>
+            <a:r>
+              <a:rPr b="0" lang="en-GB" sz="2000" spc="-1" strike="noStrike">
+                <a:latin typeface="Arial"/>
+              </a:rPr>
+              <a:t>The mapping process runs on each assigned data node, working only on its block of data from a distributed file.</a:t>
+            </a:r>
+            <a:endParaRPr b="0" lang="en-GB" sz="2000" spc="-1" strike="noStrike">
+              <a:latin typeface="Arial"/>
+            </a:endParaRPr>
+          </a:p>
+          <a:p>
+            <a:r>
+              <a:rPr b="0" lang="en-GB" sz="2000" spc="-1" strike="noStrike">
+                <a:latin typeface="Arial"/>
+              </a:rPr>
+              <a:t>The results from the mapping processes are sent to the reducers in a process called "shuffle and sort": key/value pairs from the mappers are sorted by key, partitioned by the number of reducers, and then sent across the network and written to key sorted "sequence files" on the reducer nodes.</a:t>
+            </a:r>
+            <a:endParaRPr b="0" lang="en-GB" sz="2000" spc="-1" strike="noStrike">
+              <a:latin typeface="Arial"/>
+            </a:endParaRPr>
+          </a:p>
+          <a:p>
+            <a:r>
+              <a:rPr b="0" lang="en-GB" sz="2000" spc="-1" strike="noStrike">
+                <a:latin typeface="Arial"/>
+              </a:rPr>
+              <a:t>The reducer process executes on its assigned node and works only on its subset of the data (its sequence file). The output from the reducer process is written to an output file.</a:t>
+            </a:r>
+            <a:endParaRPr b="0" lang="en-GB" sz="2000" spc="-1" strike="noStrike">
+              <a:latin typeface="Arial"/>
+            </a:endParaRPr>
+          </a:p>
+          <a:p>
+            <a:r>
+              <a:rPr b="0" lang="en-GB" sz="2000" spc="-1" strike="noStrike">
+                <a:latin typeface="Arial"/>
+              </a:rPr>
+              <a:t>Tolerate faults: both data and computation can tolerate failures by failing over to another node for data or processing.</a:t>
+            </a:r>
+            <a:endParaRPr b="0" lang="en-GB" sz="2000" spc="-1" strike="noStrike">
+              <a:latin typeface="Arial"/>
+            </a:endParaRPr>
+          </a:p>
+        </p:txBody>
+      </p:sp>
+    </p:spTree>
+  </p:cSld>
+</p:notes>
+</file>
+
+<file path=ppt/notesSlides/notesSlide3.xml><?xml version="1.0" encoding="utf-8"?>
+<p:notes xmlns:a="http://schemas.openxmlformats.org/drawingml/2006/main" xmlns:p="http://schemas.openxmlformats.org/presentationml/2006/main" xmlns:r="http://schemas.openxmlformats.org/officeDocument/2006/relationships" xmlns:p14="http://schemas.microsoft.com/office/powerpoint/2010/main" xmlns:p15="http://schemas.microsoft.com/office/powerpoint/2012/main" xmlns:mc="http://schemas.openxmlformats.org/markup-compatibility/2006">
+  <p:cSld>
+    <p:spTree>
+      <p:nvGrpSpPr>
+        <p:cNvPr id="1" name=""/>
+        <p:cNvGrpSpPr/>
+        <p:nvPr/>
+      </p:nvGrpSpPr>
+      <p:grpSpPr>
+        <a:xfrm>
+          <a:off x="0" y="0"/>
+          <a:ext cx="0" cy="0"/>
+          <a:chOff x="0" y="0"/>
+          <a:chExt cx="0" cy="0"/>
+        </a:xfrm>
+      </p:grpSpPr>
+      <p:sp>
+        <p:nvSpPr>
+          <p:cNvPr id="132" name="PlaceHolder 1"/>
+          <p:cNvSpPr>
+            <a:spLocks noGrp="1"/>
+          </p:cNvSpPr>
+          <p:nvPr>
+            <p:ph type="sldImg"/>
+          </p:nvPr>
+        </p:nvSpPr>
+        <p:spPr>
+          <a:xfrm>
+            <a:off x="216000" y="812520"/>
+            <a:ext cx="7126920" cy="4008600"/>
+          </a:xfrm>
+          <a:prstGeom prst="rect">
+            <a:avLst/>
+          </a:prstGeom>
+        </p:spPr>
+      </p:sp>
+      <p:sp>
+        <p:nvSpPr>
+          <p:cNvPr id="133" name="PlaceHolder 2"/>
+          <p:cNvSpPr>
+            <a:spLocks noGrp="1"/>
+          </p:cNvSpPr>
+          <p:nvPr>
+            <p:ph type="body"/>
+          </p:nvPr>
+        </p:nvSpPr>
+        <p:spPr>
+          <a:xfrm>
+            <a:off x="756000" y="5078520"/>
+            <a:ext cx="6047280" cy="5383080"/>
+          </a:xfrm>
+          <a:prstGeom prst="rect">
+            <a:avLst/>
+          </a:prstGeom>
+        </p:spPr>
+        <p:txBody>
+          <a:bodyPr lIns="0" rIns="0" tIns="0" bIns="0"/>
+          <a:p>
+            <a:pPr marL="216000" indent="-216000">
+              <a:lnSpc>
+                <a:spcPct val="100000"/>
+              </a:lnSpc>
+            </a:pPr>
+            <a:r>
+              <a:rPr b="0" lang="en-GB" sz="2000" spc="-1" strike="noStrike">
+                <a:latin typeface="Arial"/>
+              </a:rPr>
+              <a:t>Spark is a general-purpose distributed data processing engine that is suitable for use in a wide range of circumstances. </a:t>
+            </a:r>
+            <a:endParaRPr b="0" lang="en-GB" sz="2000" spc="-1" strike="noStrike">
+              <a:latin typeface="Arial"/>
+            </a:endParaRPr>
+          </a:p>
+          <a:p>
+            <a:pPr marL="216000" indent="-216000">
+              <a:lnSpc>
+                <a:spcPct val="100000"/>
+              </a:lnSpc>
+            </a:pPr>
+            <a:r>
+              <a:rPr b="0" lang="en-GB" sz="2000" spc="-1" strike="noStrike">
+                <a:latin typeface="Arial"/>
+              </a:rPr>
+              <a:t>On top of the Spark core data processing engine, there are libraries for </a:t>
+            </a:r>
+            <a:endParaRPr b="0" lang="en-GB" sz="2000" spc="-1" strike="noStrike">
+              <a:latin typeface="Arial"/>
+            </a:endParaRPr>
+          </a:p>
+          <a:p>
+            <a:pPr marL="216000" indent="-216000">
+              <a:lnSpc>
+                <a:spcPct val="100000"/>
+              </a:lnSpc>
+            </a:pPr>
+            <a:r>
+              <a:rPr b="0" lang="en-GB" sz="2000" spc="-1" strike="noStrike">
+                <a:latin typeface="Arial"/>
+              </a:rPr>
+              <a:t>SQL, </a:t>
+            </a:r>
+            <a:endParaRPr b="0" lang="en-GB" sz="2000" spc="-1" strike="noStrike">
+              <a:latin typeface="Arial"/>
+            </a:endParaRPr>
+          </a:p>
+          <a:p>
+            <a:pPr marL="216000" indent="-216000">
+              <a:lnSpc>
+                <a:spcPct val="100000"/>
+              </a:lnSpc>
+            </a:pPr>
+            <a:r>
+              <a:rPr b="0" lang="en-GB" sz="2000" spc="-1" strike="noStrike">
+                <a:latin typeface="Arial"/>
+              </a:rPr>
+              <a:t>machine learning, </a:t>
+            </a:r>
+            <a:endParaRPr b="0" lang="en-GB" sz="2000" spc="-1" strike="noStrike">
+              <a:latin typeface="Arial"/>
+            </a:endParaRPr>
+          </a:p>
+          <a:p>
+            <a:pPr marL="216000" indent="-216000">
+              <a:lnSpc>
+                <a:spcPct val="100000"/>
+              </a:lnSpc>
+            </a:pPr>
+            <a:r>
+              <a:rPr b="0" lang="en-GB" sz="2000" spc="-1" strike="noStrike">
+                <a:latin typeface="Arial"/>
+              </a:rPr>
+              <a:t>graph computation, </a:t>
+            </a:r>
+            <a:endParaRPr b="0" lang="en-GB" sz="2000" spc="-1" strike="noStrike">
+              <a:latin typeface="Arial"/>
+            </a:endParaRPr>
+          </a:p>
+          <a:p>
+            <a:pPr marL="216000" indent="-216000">
+              <a:lnSpc>
+                <a:spcPct val="100000"/>
+              </a:lnSpc>
+            </a:pPr>
+            <a:r>
+              <a:rPr b="0" lang="en-GB" sz="2000" spc="-1" strike="noStrike">
+                <a:latin typeface="Arial"/>
+              </a:rPr>
+              <a:t>and stream processing</a:t>
+            </a:r>
+            <a:endParaRPr b="0" lang="en-GB" sz="2000" spc="-1" strike="noStrike">
+              <a:latin typeface="Arial"/>
+            </a:endParaRPr>
+          </a:p>
+          <a:p>
+            <a:pPr marL="216000" indent="-216000">
+              <a:lnSpc>
+                <a:spcPct val="100000"/>
+              </a:lnSpc>
+            </a:pPr>
+            <a:r>
+              <a:rPr b="0" lang="en-GB" sz="2000" spc="-1" strike="noStrike">
+                <a:latin typeface="Arial"/>
+              </a:rPr>
+              <a:t>which can be used together in an application. </a:t>
+            </a:r>
+            <a:endParaRPr b="0" lang="en-GB" sz="2000" spc="-1" strike="noStrike">
+              <a:latin typeface="Arial"/>
+            </a:endParaRPr>
+          </a:p>
+          <a:p>
+            <a:pPr marL="216000" indent="-216000">
+              <a:lnSpc>
+                <a:spcPct val="100000"/>
+              </a:lnSpc>
+            </a:pPr>
+            <a:endParaRPr b="0" lang="en-GB" sz="2000" spc="-1" strike="noStrike">
+              <a:latin typeface="Arial"/>
+            </a:endParaRPr>
+          </a:p>
+          <a:p>
+            <a:pPr marL="216000" indent="-216000">
+              <a:lnSpc>
+                <a:spcPct val="100000"/>
+              </a:lnSpc>
+            </a:pPr>
+            <a:r>
+              <a:rPr b="0" lang="en-GB" sz="2000" spc="-1" strike="noStrike">
+                <a:latin typeface="Arial"/>
+              </a:rPr>
+              <a:t>Programming languages supported by Spark include: Java, Python, Scala, and R. Application developers and data scientists incorporate Spark into their applications to rapidly query, analyze, and transform data at scale.</a:t>
+            </a:r>
+            <a:endParaRPr b="0" lang="en-GB" sz="2000" spc="-1" strike="noStrike">
+              <a:latin typeface="Arial"/>
+            </a:endParaRPr>
+          </a:p>
+          <a:p>
+            <a:pPr marL="216000" indent="-216000">
+              <a:lnSpc>
+                <a:spcPct val="100000"/>
+              </a:lnSpc>
+            </a:pPr>
+            <a:endParaRPr b="0" lang="en-GB" sz="2000" spc="-1" strike="noStrike">
+              <a:latin typeface="Arial"/>
+            </a:endParaRPr>
+          </a:p>
+          <a:p>
+            <a:pPr marL="216000" indent="-216000">
+              <a:lnSpc>
+                <a:spcPct val="100000"/>
+              </a:lnSpc>
+            </a:pPr>
+            <a:r>
+              <a:rPr b="0" lang="en-GB" sz="2000" spc="-1" strike="noStrike">
+                <a:latin typeface="Arial"/>
+              </a:rPr>
+              <a:t>Tasks most frequently associated with Spark include ETL and SQL batch jobs across large data sets.</a:t>
+            </a:r>
+            <a:endParaRPr b="0" lang="en-GB" sz="2000" spc="-1" strike="noStrike">
+              <a:latin typeface="Arial"/>
+            </a:endParaRPr>
+          </a:p>
+        </p:txBody>
+      </p:sp>
+    </p:spTree>
+  </p:cSld>
+</p:notes>
+</file>
+
+<file path=ppt/notesSlides/notesSlide5.xml><?xml version="1.0" encoding="utf-8"?>
+<p:notes xmlns:a="http://schemas.openxmlformats.org/drawingml/2006/main" xmlns:p="http://schemas.openxmlformats.org/presentationml/2006/main" xmlns:r="http://schemas.openxmlformats.org/officeDocument/2006/relationships" xmlns:p14="http://schemas.microsoft.com/office/powerpoint/2010/main" xmlns:p15="http://schemas.microsoft.com/office/powerpoint/2012/main" xmlns:mc="http://schemas.openxmlformats.org/markup-compatibility/2006">
+  <p:cSld>
+    <p:spTree>
+      <p:nvGrpSpPr>
+        <p:cNvPr id="1" name=""/>
+        <p:cNvGrpSpPr/>
+        <p:nvPr/>
+      </p:nvGrpSpPr>
+      <p:grpSpPr>
+        <a:xfrm>
+          <a:off x="0" y="0"/>
+          <a:ext cx="0" cy="0"/>
+          <a:chOff x="0" y="0"/>
+          <a:chExt cx="0" cy="0"/>
+        </a:xfrm>
+      </p:grpSpPr>
+      <p:sp>
+        <p:nvSpPr>
+          <p:cNvPr id="134" name="PlaceHolder 1"/>
+          <p:cNvSpPr>
+            <a:spLocks noGrp="1"/>
+          </p:cNvSpPr>
+          <p:nvPr>
+            <p:ph type="sldImg"/>
+          </p:nvPr>
+        </p:nvSpPr>
+        <p:spPr>
+          <a:xfrm>
+            <a:off x="216000" y="812520"/>
+            <a:ext cx="7127280" cy="4008960"/>
+          </a:xfrm>
+          <a:prstGeom prst="rect">
+            <a:avLst/>
+          </a:prstGeom>
+        </p:spPr>
+      </p:sp>
+      <p:sp>
+        <p:nvSpPr>
+          <p:cNvPr id="135" name="PlaceHolder 2"/>
+          <p:cNvSpPr>
+            <a:spLocks noGrp="1"/>
+          </p:cNvSpPr>
+          <p:nvPr>
+            <p:ph type="body"/>
+          </p:nvPr>
+        </p:nvSpPr>
+        <p:spPr>
+          <a:xfrm>
+            <a:off x="756000" y="5078520"/>
+            <a:ext cx="6047640" cy="4811040"/>
+          </a:xfrm>
+          <a:prstGeom prst="rect">
+            <a:avLst/>
+          </a:prstGeom>
+        </p:spPr>
+        <p:txBody>
+          <a:bodyPr lIns="0" rIns="0" tIns="0" bIns="0"/>
+          <a:p>
+            <a:r>
+              <a:rPr b="0" lang="en-GB" sz="2000" spc="-1" strike="noStrike">
+                <a:latin typeface="Arial"/>
+              </a:rPr>
+              <a:t>open source (No vendor lock-in), scalable, massively parallel, in-memory execution environment for running analytics applications</a:t>
+            </a:r>
+            <a:endParaRPr b="0" lang="en-GB" sz="2000" spc="-1" strike="noStrike">
+              <a:latin typeface="Arial"/>
+            </a:endParaRPr>
+          </a:p>
+          <a:p>
+            <a:endParaRPr b="0" lang="en-GB" sz="2000" spc="-1" strike="noStrike">
+              <a:latin typeface="Arial"/>
+            </a:endParaRPr>
+          </a:p>
+          <a:p>
+            <a:r>
+              <a:rPr b="0" lang="en-GB" sz="2000" spc="-1" strike="noStrike">
+                <a:latin typeface="Arial"/>
+              </a:rPr>
+              <a:t>Similarly to DataSynapse it is really good at crunching numbers.</a:t>
+            </a:r>
+            <a:endParaRPr b="0" lang="en-GB" sz="2000" spc="-1" strike="noStrike">
+              <a:latin typeface="Arial"/>
+            </a:endParaRPr>
+          </a:p>
+          <a:p>
+            <a:endParaRPr b="0" lang="en-GB" sz="2000" spc="-1" strike="noStrike">
+              <a:latin typeface="Arial"/>
+            </a:endParaRPr>
+          </a:p>
+          <a:p>
+            <a:endParaRPr b="0" lang="en-GB" sz="2000" spc="-1" strike="noStrike">
+              <a:latin typeface="Arial"/>
+            </a:endParaRPr>
+          </a:p>
+        </p:txBody>
+      </p:sp>
+    </p:spTree>
+  </p:cSld>
+</p:notes>
 </file>
 
 <file path=ppt/slideLayouts/slideLayout1.xml><?xml version="1.0" encoding="utf-8"?>
@@ -58,7 +793,7 @@
       </p:grpSpPr>
       <p:sp>
         <p:nvSpPr>
-          <p:cNvPr id="26" name="PlaceHolder 1"/>
+          <p:cNvPr id="23" name="PlaceHolder 1"/>
           <p:cNvSpPr>
             <a:spLocks noGrp="1"/>
           </p:cNvSpPr>
@@ -69,7 +804,7 @@
         <p:spPr>
           <a:xfrm>
             <a:off x="504000" y="226080"/>
-            <a:ext cx="9071640" cy="946440"/>
+            <a:ext cx="9071280" cy="946080"/>
           </a:xfrm>
           <a:prstGeom prst="rect">
             <a:avLst/>
@@ -87,7 +822,7 @@
       </p:sp>
       <p:sp>
         <p:nvSpPr>
-          <p:cNvPr id="27" name="PlaceHolder 2"/>
+          <p:cNvPr id="24" name="PlaceHolder 2"/>
           <p:cNvSpPr>
             <a:spLocks noGrp="1"/>
           </p:cNvSpPr>
@@ -98,7 +833,7 @@
         <p:spPr>
           <a:xfrm>
             <a:off x="504000" y="1326600"/>
-            <a:ext cx="9071640" cy="1568160"/>
+            <a:ext cx="9071280" cy="1568160"/>
           </a:xfrm>
           <a:prstGeom prst="rect">
             <a:avLst/>
@@ -117,7 +852,7 @@
       </p:sp>
       <p:sp>
         <p:nvSpPr>
-          <p:cNvPr id="28" name="PlaceHolder 3"/>
+          <p:cNvPr id="25" name="PlaceHolder 3"/>
           <p:cNvSpPr>
             <a:spLocks noGrp="1"/>
           </p:cNvSpPr>
@@ -128,7 +863,7 @@
         <p:spPr>
           <a:xfrm>
             <a:off x="504000" y="3044160"/>
-            <a:ext cx="9071640" cy="1568160"/>
+            <a:ext cx="9071280" cy="1568160"/>
           </a:xfrm>
           <a:prstGeom prst="rect">
             <a:avLst/>
@@ -169,7 +904,7 @@
       </p:grpSpPr>
       <p:sp>
         <p:nvSpPr>
-          <p:cNvPr id="29" name="PlaceHolder 1"/>
+          <p:cNvPr id="26" name="PlaceHolder 1"/>
           <p:cNvSpPr>
             <a:spLocks noGrp="1"/>
           </p:cNvSpPr>
@@ -180,7 +915,7 @@
         <p:spPr>
           <a:xfrm>
             <a:off x="504000" y="226080"/>
-            <a:ext cx="9071640" cy="946440"/>
+            <a:ext cx="9071280" cy="946080"/>
           </a:xfrm>
           <a:prstGeom prst="rect">
             <a:avLst/>
@@ -198,7 +933,7 @@
       </p:sp>
       <p:sp>
         <p:nvSpPr>
-          <p:cNvPr id="30" name="PlaceHolder 2"/>
+          <p:cNvPr id="27" name="PlaceHolder 2"/>
           <p:cNvSpPr>
             <a:spLocks noGrp="1"/>
           </p:cNvSpPr>
@@ -209,7 +944,7 @@
         <p:spPr>
           <a:xfrm>
             <a:off x="504000" y="1326600"/>
-            <a:ext cx="4426920" cy="1568160"/>
+            <a:ext cx="4426560" cy="1568160"/>
           </a:xfrm>
           <a:prstGeom prst="rect">
             <a:avLst/>
@@ -228,7 +963,7 @@
       </p:sp>
       <p:sp>
         <p:nvSpPr>
-          <p:cNvPr id="31" name="PlaceHolder 3"/>
+          <p:cNvPr id="28" name="PlaceHolder 3"/>
           <p:cNvSpPr>
             <a:spLocks noGrp="1"/>
           </p:cNvSpPr>
@@ -238,8 +973,8 @@
         </p:nvSpPr>
         <p:spPr>
           <a:xfrm>
-            <a:off x="5152680" y="1326600"/>
-            <a:ext cx="4426920" cy="1568160"/>
+            <a:off x="5152320" y="1326600"/>
+            <a:ext cx="4426560" cy="1568160"/>
           </a:xfrm>
           <a:prstGeom prst="rect">
             <a:avLst/>
@@ -258,7 +993,7 @@
       </p:sp>
       <p:sp>
         <p:nvSpPr>
-          <p:cNvPr id="32" name="PlaceHolder 4"/>
+          <p:cNvPr id="29" name="PlaceHolder 4"/>
           <p:cNvSpPr>
             <a:spLocks noGrp="1"/>
           </p:cNvSpPr>
@@ -269,7 +1004,7 @@
         <p:spPr>
           <a:xfrm>
             <a:off x="504000" y="3044160"/>
-            <a:ext cx="4426920" cy="1568160"/>
+            <a:ext cx="4426560" cy="1568160"/>
           </a:xfrm>
           <a:prstGeom prst="rect">
             <a:avLst/>
@@ -288,7 +1023,7 @@
       </p:sp>
       <p:sp>
         <p:nvSpPr>
-          <p:cNvPr id="33" name="PlaceHolder 5"/>
+          <p:cNvPr id="30" name="PlaceHolder 5"/>
           <p:cNvSpPr>
             <a:spLocks noGrp="1"/>
           </p:cNvSpPr>
@@ -298,8 +1033,8 @@
         </p:nvSpPr>
         <p:spPr>
           <a:xfrm>
-            <a:off x="5152680" y="3044160"/>
-            <a:ext cx="4426920" cy="1568160"/>
+            <a:off x="5152320" y="3044160"/>
+            <a:ext cx="4426560" cy="1568160"/>
           </a:xfrm>
           <a:prstGeom prst="rect">
             <a:avLst/>
@@ -340,7 +1075,7 @@
       </p:grpSpPr>
       <p:sp>
         <p:nvSpPr>
-          <p:cNvPr id="34" name="PlaceHolder 1"/>
+          <p:cNvPr id="31" name="PlaceHolder 1"/>
           <p:cNvSpPr>
             <a:spLocks noGrp="1"/>
           </p:cNvSpPr>
@@ -351,7 +1086,7 @@
         <p:spPr>
           <a:xfrm>
             <a:off x="504000" y="226080"/>
-            <a:ext cx="9071640" cy="946440"/>
+            <a:ext cx="9071280" cy="946080"/>
           </a:xfrm>
           <a:prstGeom prst="rect">
             <a:avLst/>
@@ -369,7 +1104,7 @@
       </p:sp>
       <p:sp>
         <p:nvSpPr>
-          <p:cNvPr id="35" name="PlaceHolder 2"/>
+          <p:cNvPr id="32" name="PlaceHolder 2"/>
           <p:cNvSpPr>
             <a:spLocks noGrp="1"/>
           </p:cNvSpPr>
@@ -399,7 +1134,7 @@
       </p:sp>
       <p:sp>
         <p:nvSpPr>
-          <p:cNvPr id="36" name="PlaceHolder 3"/>
+          <p:cNvPr id="33" name="PlaceHolder 3"/>
           <p:cNvSpPr>
             <a:spLocks noGrp="1"/>
           </p:cNvSpPr>
@@ -429,7 +1164,7 @@
       </p:sp>
       <p:sp>
         <p:nvSpPr>
-          <p:cNvPr id="37" name="PlaceHolder 4"/>
+          <p:cNvPr id="34" name="PlaceHolder 4"/>
           <p:cNvSpPr>
             <a:spLocks noGrp="1"/>
           </p:cNvSpPr>
@@ -459,7 +1194,7 @@
       </p:sp>
       <p:sp>
         <p:nvSpPr>
-          <p:cNvPr id="38" name="PlaceHolder 5"/>
+          <p:cNvPr id="35" name="PlaceHolder 5"/>
           <p:cNvSpPr>
             <a:spLocks noGrp="1"/>
           </p:cNvSpPr>
@@ -489,7 +1224,7 @@
       </p:sp>
       <p:sp>
         <p:nvSpPr>
-          <p:cNvPr id="39" name="PlaceHolder 6"/>
+          <p:cNvPr id="36" name="PlaceHolder 6"/>
           <p:cNvSpPr>
             <a:spLocks noGrp="1"/>
           </p:cNvSpPr>
@@ -519,7 +1254,7 @@
       </p:sp>
       <p:sp>
         <p:nvSpPr>
-          <p:cNvPr id="40" name="PlaceHolder 7"/>
+          <p:cNvPr id="37" name="PlaceHolder 7"/>
           <p:cNvSpPr>
             <a:spLocks noGrp="1"/>
           </p:cNvSpPr>
@@ -531,6 +1266,543 @@
           <a:xfrm>
             <a:off x="6638040" y="3044160"/>
             <a:ext cx="2920680" cy="1568160"/>
+          </a:xfrm>
+          <a:prstGeom prst="rect">
+            <a:avLst/>
+          </a:prstGeom>
+        </p:spPr>
+        <p:txBody>
+          <a:bodyPr lIns="0" rIns="0" tIns="0" bIns="0">
+            <a:normAutofit/>
+          </a:bodyPr>
+          <a:p>
+            <a:endParaRPr b="0" lang="en-GB" sz="3200" spc="-1" strike="noStrike">
+              <a:latin typeface="Arial"/>
+            </a:endParaRPr>
+          </a:p>
+        </p:txBody>
+      </p:sp>
+    </p:spTree>
+  </p:cSld>
+</p:sldLayout>
+</file>
+
+<file path=ppt/slideLayouts/slideLayout13.xml><?xml version="1.0" encoding="utf-8"?>
+<p:sldLayout xmlns:a="http://schemas.openxmlformats.org/drawingml/2006/main" xmlns:p="http://schemas.openxmlformats.org/presentationml/2006/main" xmlns:r="http://schemas.openxmlformats.org/officeDocument/2006/relationships" xmlns:p14="http://schemas.microsoft.com/office/powerpoint/2010/main" xmlns:p15="http://schemas.microsoft.com/office/powerpoint/2012/main" xmlns:mc="http://schemas.openxmlformats.org/markup-compatibility/2006" type="blank" preserve="1">
+  <p:cSld name="Blank Slide">
+    <p:spTree>
+      <p:nvGrpSpPr>
+        <p:cNvPr id="1" name=""/>
+        <p:cNvGrpSpPr/>
+        <p:nvPr/>
+      </p:nvGrpSpPr>
+      <p:grpSpPr>
+        <a:xfrm>
+          <a:off x="0" y="0"/>
+          <a:ext cx="0" cy="0"/>
+          <a:chOff x="0" y="0"/>
+          <a:chExt cx="0" cy="0"/>
+        </a:xfrm>
+      </p:grpSpPr>
+    </p:spTree>
+  </p:cSld>
+</p:sldLayout>
+</file>
+
+<file path=ppt/slideLayouts/slideLayout14.xml><?xml version="1.0" encoding="utf-8"?>
+<p:sldLayout xmlns:a="http://schemas.openxmlformats.org/drawingml/2006/main" xmlns:p="http://schemas.openxmlformats.org/presentationml/2006/main" xmlns:r="http://schemas.openxmlformats.org/officeDocument/2006/relationships" xmlns:p14="http://schemas.microsoft.com/office/powerpoint/2010/main" xmlns:p15="http://schemas.microsoft.com/office/powerpoint/2012/main" xmlns:mc="http://schemas.openxmlformats.org/markup-compatibility/2006" type="tx" preserve="1">
+  <p:cSld name="Title Slide">
+    <p:spTree>
+      <p:nvGrpSpPr>
+        <p:cNvPr id="1" name=""/>
+        <p:cNvGrpSpPr/>
+        <p:nvPr/>
+      </p:nvGrpSpPr>
+      <p:grpSpPr>
+        <a:xfrm>
+          <a:off x="0" y="0"/>
+          <a:ext cx="0" cy="0"/>
+          <a:chOff x="0" y="0"/>
+          <a:chExt cx="0" cy="0"/>
+        </a:xfrm>
+      </p:grpSpPr>
+      <p:sp>
+        <p:nvSpPr>
+          <p:cNvPr id="40" name="PlaceHolder 1"/>
+          <p:cNvSpPr>
+            <a:spLocks noGrp="1"/>
+          </p:cNvSpPr>
+          <p:nvPr>
+            <p:ph type="title"/>
+          </p:nvPr>
+        </p:nvSpPr>
+        <p:spPr>
+          <a:xfrm>
+            <a:off x="504000" y="226080"/>
+            <a:ext cx="9071280" cy="946080"/>
+          </a:xfrm>
+          <a:prstGeom prst="rect">
+            <a:avLst/>
+          </a:prstGeom>
+        </p:spPr>
+        <p:txBody>
+          <a:bodyPr lIns="0" rIns="0" tIns="0" bIns="0" anchor="ctr"/>
+          <a:p>
+            <a:pPr algn="ctr"/>
+            <a:endParaRPr b="0" lang="en-GB" sz="4400" spc="-1" strike="noStrike">
+              <a:latin typeface="Arial"/>
+            </a:endParaRPr>
+          </a:p>
+        </p:txBody>
+      </p:sp>
+      <p:sp>
+        <p:nvSpPr>
+          <p:cNvPr id="41" name="PlaceHolder 2"/>
+          <p:cNvSpPr>
+            <a:spLocks noGrp="1"/>
+          </p:cNvSpPr>
+          <p:nvPr>
+            <p:ph type="subTitle"/>
+          </p:nvPr>
+        </p:nvSpPr>
+        <p:spPr>
+          <a:xfrm>
+            <a:off x="504000" y="1326600"/>
+            <a:ext cx="9071280" cy="3287880"/>
+          </a:xfrm>
+          <a:prstGeom prst="rect">
+            <a:avLst/>
+          </a:prstGeom>
+        </p:spPr>
+        <p:txBody>
+          <a:bodyPr lIns="0" rIns="0" tIns="0" bIns="0" anchor="ctr"/>
+          <a:p>
+            <a:pPr algn="ctr"/>
+            <a:endParaRPr b="0" lang="en-GB" sz="3200" spc="-1" strike="noStrike">
+              <a:latin typeface="Arial"/>
+            </a:endParaRPr>
+          </a:p>
+        </p:txBody>
+      </p:sp>
+    </p:spTree>
+  </p:cSld>
+</p:sldLayout>
+</file>
+
+<file path=ppt/slideLayouts/slideLayout15.xml><?xml version="1.0" encoding="utf-8"?>
+<p:sldLayout xmlns:a="http://schemas.openxmlformats.org/drawingml/2006/main" xmlns:p="http://schemas.openxmlformats.org/presentationml/2006/main" xmlns:r="http://schemas.openxmlformats.org/officeDocument/2006/relationships" xmlns:p14="http://schemas.microsoft.com/office/powerpoint/2010/main" xmlns:p15="http://schemas.microsoft.com/office/powerpoint/2012/main" xmlns:mc="http://schemas.openxmlformats.org/markup-compatibility/2006" type="obj" preserve="1">
+  <p:cSld name="Title, Content">
+    <p:spTree>
+      <p:nvGrpSpPr>
+        <p:cNvPr id="1" name=""/>
+        <p:cNvGrpSpPr/>
+        <p:nvPr/>
+      </p:nvGrpSpPr>
+      <p:grpSpPr>
+        <a:xfrm>
+          <a:off x="0" y="0"/>
+          <a:ext cx="0" cy="0"/>
+          <a:chOff x="0" y="0"/>
+          <a:chExt cx="0" cy="0"/>
+        </a:xfrm>
+      </p:grpSpPr>
+      <p:sp>
+        <p:nvSpPr>
+          <p:cNvPr id="42" name="PlaceHolder 1"/>
+          <p:cNvSpPr>
+            <a:spLocks noGrp="1"/>
+          </p:cNvSpPr>
+          <p:nvPr>
+            <p:ph type="title"/>
+          </p:nvPr>
+        </p:nvSpPr>
+        <p:spPr>
+          <a:xfrm>
+            <a:off x="504000" y="226080"/>
+            <a:ext cx="9071280" cy="946080"/>
+          </a:xfrm>
+          <a:prstGeom prst="rect">
+            <a:avLst/>
+          </a:prstGeom>
+        </p:spPr>
+        <p:txBody>
+          <a:bodyPr lIns="0" rIns="0" tIns="0" bIns="0" anchor="ctr"/>
+          <a:p>
+            <a:pPr algn="ctr"/>
+            <a:endParaRPr b="0" lang="en-GB" sz="4400" spc="-1" strike="noStrike">
+              <a:latin typeface="Arial"/>
+            </a:endParaRPr>
+          </a:p>
+        </p:txBody>
+      </p:sp>
+      <p:sp>
+        <p:nvSpPr>
+          <p:cNvPr id="43" name="PlaceHolder 2"/>
+          <p:cNvSpPr>
+            <a:spLocks noGrp="1"/>
+          </p:cNvSpPr>
+          <p:nvPr>
+            <p:ph type="body"/>
+          </p:nvPr>
+        </p:nvSpPr>
+        <p:spPr>
+          <a:xfrm>
+            <a:off x="504000" y="1326600"/>
+            <a:ext cx="9071280" cy="3287880"/>
+          </a:xfrm>
+          <a:prstGeom prst="rect">
+            <a:avLst/>
+          </a:prstGeom>
+        </p:spPr>
+        <p:txBody>
+          <a:bodyPr lIns="0" rIns="0" tIns="0" bIns="0">
+            <a:normAutofit/>
+          </a:bodyPr>
+          <a:p>
+            <a:endParaRPr b="0" lang="en-GB" sz="3200" spc="-1" strike="noStrike">
+              <a:latin typeface="Arial"/>
+            </a:endParaRPr>
+          </a:p>
+        </p:txBody>
+      </p:sp>
+    </p:spTree>
+  </p:cSld>
+</p:sldLayout>
+</file>
+
+<file path=ppt/slideLayouts/slideLayout16.xml><?xml version="1.0" encoding="utf-8"?>
+<p:sldLayout xmlns:a="http://schemas.openxmlformats.org/drawingml/2006/main" xmlns:p="http://schemas.openxmlformats.org/presentationml/2006/main" xmlns:r="http://schemas.openxmlformats.org/officeDocument/2006/relationships" xmlns:p14="http://schemas.microsoft.com/office/powerpoint/2010/main" xmlns:p15="http://schemas.microsoft.com/office/powerpoint/2012/main" xmlns:mc="http://schemas.openxmlformats.org/markup-compatibility/2006" type="twoObj" preserve="1">
+  <p:cSld name="Title, 2 Content">
+    <p:spTree>
+      <p:nvGrpSpPr>
+        <p:cNvPr id="1" name=""/>
+        <p:cNvGrpSpPr/>
+        <p:nvPr/>
+      </p:nvGrpSpPr>
+      <p:grpSpPr>
+        <a:xfrm>
+          <a:off x="0" y="0"/>
+          <a:ext cx="0" cy="0"/>
+          <a:chOff x="0" y="0"/>
+          <a:chExt cx="0" cy="0"/>
+        </a:xfrm>
+      </p:grpSpPr>
+      <p:sp>
+        <p:nvSpPr>
+          <p:cNvPr id="44" name="PlaceHolder 1"/>
+          <p:cNvSpPr>
+            <a:spLocks noGrp="1"/>
+          </p:cNvSpPr>
+          <p:nvPr>
+            <p:ph type="title"/>
+          </p:nvPr>
+        </p:nvSpPr>
+        <p:spPr>
+          <a:xfrm>
+            <a:off x="504000" y="226080"/>
+            <a:ext cx="9071280" cy="946080"/>
+          </a:xfrm>
+          <a:prstGeom prst="rect">
+            <a:avLst/>
+          </a:prstGeom>
+        </p:spPr>
+        <p:txBody>
+          <a:bodyPr lIns="0" rIns="0" tIns="0" bIns="0" anchor="ctr"/>
+          <a:p>
+            <a:pPr algn="ctr"/>
+            <a:endParaRPr b="0" lang="en-GB" sz="4400" spc="-1" strike="noStrike">
+              <a:latin typeface="Arial"/>
+            </a:endParaRPr>
+          </a:p>
+        </p:txBody>
+      </p:sp>
+      <p:sp>
+        <p:nvSpPr>
+          <p:cNvPr id="45" name="PlaceHolder 2"/>
+          <p:cNvSpPr>
+            <a:spLocks noGrp="1"/>
+          </p:cNvSpPr>
+          <p:nvPr>
+            <p:ph type="body"/>
+          </p:nvPr>
+        </p:nvSpPr>
+        <p:spPr>
+          <a:xfrm>
+            <a:off x="504000" y="1326600"/>
+            <a:ext cx="4426560" cy="3287880"/>
+          </a:xfrm>
+          <a:prstGeom prst="rect">
+            <a:avLst/>
+          </a:prstGeom>
+        </p:spPr>
+        <p:txBody>
+          <a:bodyPr lIns="0" rIns="0" tIns="0" bIns="0">
+            <a:normAutofit/>
+          </a:bodyPr>
+          <a:p>
+            <a:endParaRPr b="0" lang="en-GB" sz="3200" spc="-1" strike="noStrike">
+              <a:latin typeface="Arial"/>
+            </a:endParaRPr>
+          </a:p>
+        </p:txBody>
+      </p:sp>
+      <p:sp>
+        <p:nvSpPr>
+          <p:cNvPr id="46" name="PlaceHolder 3"/>
+          <p:cNvSpPr>
+            <a:spLocks noGrp="1"/>
+          </p:cNvSpPr>
+          <p:nvPr>
+            <p:ph type="body"/>
+          </p:nvPr>
+        </p:nvSpPr>
+        <p:spPr>
+          <a:xfrm>
+            <a:off x="5152320" y="1326600"/>
+            <a:ext cx="4426560" cy="3287880"/>
+          </a:xfrm>
+          <a:prstGeom prst="rect">
+            <a:avLst/>
+          </a:prstGeom>
+        </p:spPr>
+        <p:txBody>
+          <a:bodyPr lIns="0" rIns="0" tIns="0" bIns="0">
+            <a:normAutofit/>
+          </a:bodyPr>
+          <a:p>
+            <a:endParaRPr b="0" lang="en-GB" sz="3200" spc="-1" strike="noStrike">
+              <a:latin typeface="Arial"/>
+            </a:endParaRPr>
+          </a:p>
+        </p:txBody>
+      </p:sp>
+    </p:spTree>
+  </p:cSld>
+</p:sldLayout>
+</file>
+
+<file path=ppt/slideLayouts/slideLayout17.xml><?xml version="1.0" encoding="utf-8"?>
+<p:sldLayout xmlns:a="http://schemas.openxmlformats.org/drawingml/2006/main" xmlns:p="http://schemas.openxmlformats.org/presentationml/2006/main" xmlns:r="http://schemas.openxmlformats.org/officeDocument/2006/relationships" xmlns:p14="http://schemas.microsoft.com/office/powerpoint/2010/main" xmlns:p15="http://schemas.microsoft.com/office/powerpoint/2012/main" xmlns:mc="http://schemas.openxmlformats.org/markup-compatibility/2006" type="titleOnly" preserve="1">
+  <p:cSld name="Title Only">
+    <p:spTree>
+      <p:nvGrpSpPr>
+        <p:cNvPr id="1" name=""/>
+        <p:cNvGrpSpPr/>
+        <p:nvPr/>
+      </p:nvGrpSpPr>
+      <p:grpSpPr>
+        <a:xfrm>
+          <a:off x="0" y="0"/>
+          <a:ext cx="0" cy="0"/>
+          <a:chOff x="0" y="0"/>
+          <a:chExt cx="0" cy="0"/>
+        </a:xfrm>
+      </p:grpSpPr>
+      <p:sp>
+        <p:nvSpPr>
+          <p:cNvPr id="47" name="PlaceHolder 1"/>
+          <p:cNvSpPr>
+            <a:spLocks noGrp="1"/>
+          </p:cNvSpPr>
+          <p:nvPr>
+            <p:ph type="title"/>
+          </p:nvPr>
+        </p:nvSpPr>
+        <p:spPr>
+          <a:xfrm>
+            <a:off x="504000" y="226080"/>
+            <a:ext cx="9071280" cy="946080"/>
+          </a:xfrm>
+          <a:prstGeom prst="rect">
+            <a:avLst/>
+          </a:prstGeom>
+        </p:spPr>
+        <p:txBody>
+          <a:bodyPr lIns="0" rIns="0" tIns="0" bIns="0" anchor="ctr"/>
+          <a:p>
+            <a:pPr algn="ctr"/>
+            <a:endParaRPr b="0" lang="en-GB" sz="4400" spc="-1" strike="noStrike">
+              <a:latin typeface="Arial"/>
+            </a:endParaRPr>
+          </a:p>
+        </p:txBody>
+      </p:sp>
+    </p:spTree>
+  </p:cSld>
+</p:sldLayout>
+</file>
+
+<file path=ppt/slideLayouts/slideLayout18.xml><?xml version="1.0" encoding="utf-8"?>
+<p:sldLayout xmlns:a="http://schemas.openxmlformats.org/drawingml/2006/main" xmlns:p="http://schemas.openxmlformats.org/presentationml/2006/main" xmlns:r="http://schemas.openxmlformats.org/officeDocument/2006/relationships" xmlns:p14="http://schemas.microsoft.com/office/powerpoint/2010/main" xmlns:p15="http://schemas.microsoft.com/office/powerpoint/2012/main" xmlns:mc="http://schemas.openxmlformats.org/markup-compatibility/2006" type="objOnly" preserve="1">
+  <p:cSld name="Centered Text">
+    <p:spTree>
+      <p:nvGrpSpPr>
+        <p:cNvPr id="1" name=""/>
+        <p:cNvGrpSpPr/>
+        <p:nvPr/>
+      </p:nvGrpSpPr>
+      <p:grpSpPr>
+        <a:xfrm>
+          <a:off x="0" y="0"/>
+          <a:ext cx="0" cy="0"/>
+          <a:chOff x="0" y="0"/>
+          <a:chExt cx="0" cy="0"/>
+        </a:xfrm>
+      </p:grpSpPr>
+      <p:sp>
+        <p:nvSpPr>
+          <p:cNvPr id="48" name="PlaceHolder 1"/>
+          <p:cNvSpPr>
+            <a:spLocks noGrp="1"/>
+          </p:cNvSpPr>
+          <p:nvPr>
+            <p:ph type="subTitle"/>
+          </p:nvPr>
+        </p:nvSpPr>
+        <p:spPr>
+          <a:xfrm>
+            <a:off x="504000" y="226080"/>
+            <a:ext cx="9071280" cy="4386600"/>
+          </a:xfrm>
+          <a:prstGeom prst="rect">
+            <a:avLst/>
+          </a:prstGeom>
+        </p:spPr>
+        <p:txBody>
+          <a:bodyPr lIns="0" rIns="0" tIns="0" bIns="0" anchor="ctr"/>
+          <a:p>
+            <a:pPr algn="ctr"/>
+            <a:endParaRPr b="0" lang="en-GB" sz="3200" spc="-1" strike="noStrike">
+              <a:latin typeface="Arial"/>
+            </a:endParaRPr>
+          </a:p>
+        </p:txBody>
+      </p:sp>
+    </p:spTree>
+  </p:cSld>
+</p:sldLayout>
+</file>
+
+<file path=ppt/slideLayouts/slideLayout19.xml><?xml version="1.0" encoding="utf-8"?>
+<p:sldLayout xmlns:a="http://schemas.openxmlformats.org/drawingml/2006/main" xmlns:p="http://schemas.openxmlformats.org/presentationml/2006/main" xmlns:r="http://schemas.openxmlformats.org/officeDocument/2006/relationships" xmlns:p14="http://schemas.microsoft.com/office/powerpoint/2010/main" xmlns:p15="http://schemas.microsoft.com/office/powerpoint/2012/main" xmlns:mc="http://schemas.openxmlformats.org/markup-compatibility/2006" type="twoObjAndObj" preserve="1">
+  <p:cSld name="Title, 2 Content and Content">
+    <p:spTree>
+      <p:nvGrpSpPr>
+        <p:cNvPr id="1" name=""/>
+        <p:cNvGrpSpPr/>
+        <p:nvPr/>
+      </p:nvGrpSpPr>
+      <p:grpSpPr>
+        <a:xfrm>
+          <a:off x="0" y="0"/>
+          <a:ext cx="0" cy="0"/>
+          <a:chOff x="0" y="0"/>
+          <a:chExt cx="0" cy="0"/>
+        </a:xfrm>
+      </p:grpSpPr>
+      <p:sp>
+        <p:nvSpPr>
+          <p:cNvPr id="49" name="PlaceHolder 1"/>
+          <p:cNvSpPr>
+            <a:spLocks noGrp="1"/>
+          </p:cNvSpPr>
+          <p:nvPr>
+            <p:ph type="title"/>
+          </p:nvPr>
+        </p:nvSpPr>
+        <p:spPr>
+          <a:xfrm>
+            <a:off x="504000" y="226080"/>
+            <a:ext cx="9071280" cy="946080"/>
+          </a:xfrm>
+          <a:prstGeom prst="rect">
+            <a:avLst/>
+          </a:prstGeom>
+        </p:spPr>
+        <p:txBody>
+          <a:bodyPr lIns="0" rIns="0" tIns="0" bIns="0" anchor="ctr"/>
+          <a:p>
+            <a:pPr algn="ctr"/>
+            <a:endParaRPr b="0" lang="en-GB" sz="4400" spc="-1" strike="noStrike">
+              <a:latin typeface="Arial"/>
+            </a:endParaRPr>
+          </a:p>
+        </p:txBody>
+      </p:sp>
+      <p:sp>
+        <p:nvSpPr>
+          <p:cNvPr id="50" name="PlaceHolder 2"/>
+          <p:cNvSpPr>
+            <a:spLocks noGrp="1"/>
+          </p:cNvSpPr>
+          <p:nvPr>
+            <p:ph type="body"/>
+          </p:nvPr>
+        </p:nvSpPr>
+        <p:spPr>
+          <a:xfrm>
+            <a:off x="504000" y="1326600"/>
+            <a:ext cx="4426560" cy="1568160"/>
+          </a:xfrm>
+          <a:prstGeom prst="rect">
+            <a:avLst/>
+          </a:prstGeom>
+        </p:spPr>
+        <p:txBody>
+          <a:bodyPr lIns="0" rIns="0" tIns="0" bIns="0">
+            <a:normAutofit/>
+          </a:bodyPr>
+          <a:p>
+            <a:endParaRPr b="0" lang="en-GB" sz="3200" spc="-1" strike="noStrike">
+              <a:latin typeface="Arial"/>
+            </a:endParaRPr>
+          </a:p>
+        </p:txBody>
+      </p:sp>
+      <p:sp>
+        <p:nvSpPr>
+          <p:cNvPr id="51" name="PlaceHolder 3"/>
+          <p:cNvSpPr>
+            <a:spLocks noGrp="1"/>
+          </p:cNvSpPr>
+          <p:nvPr>
+            <p:ph type="body"/>
+          </p:nvPr>
+        </p:nvSpPr>
+        <p:spPr>
+          <a:xfrm>
+            <a:off x="5152320" y="1326600"/>
+            <a:ext cx="4426560" cy="3287880"/>
+          </a:xfrm>
+          <a:prstGeom prst="rect">
+            <a:avLst/>
+          </a:prstGeom>
+        </p:spPr>
+        <p:txBody>
+          <a:bodyPr lIns="0" rIns="0" tIns="0" bIns="0">
+            <a:normAutofit/>
+          </a:bodyPr>
+          <a:p>
+            <a:endParaRPr b="0" lang="en-GB" sz="3200" spc="-1" strike="noStrike">
+              <a:latin typeface="Arial"/>
+            </a:endParaRPr>
+          </a:p>
+        </p:txBody>
+      </p:sp>
+      <p:sp>
+        <p:nvSpPr>
+          <p:cNvPr id="52" name="PlaceHolder 4"/>
+          <p:cNvSpPr>
+            <a:spLocks noGrp="1"/>
+          </p:cNvSpPr>
+          <p:nvPr>
+            <p:ph type="body"/>
+          </p:nvPr>
+        </p:nvSpPr>
+        <p:spPr>
+          <a:xfrm>
+            <a:off x="504000" y="3044160"/>
+            <a:ext cx="4426560" cy="1568160"/>
           </a:xfrm>
           <a:prstGeom prst="rect">
             <a:avLst/>
@@ -571,7 +1843,7 @@
       </p:grpSpPr>
       <p:sp>
         <p:nvSpPr>
-          <p:cNvPr id="5" name="PlaceHolder 1"/>
+          <p:cNvPr id="2" name="PlaceHolder 1"/>
           <p:cNvSpPr>
             <a:spLocks noGrp="1"/>
           </p:cNvSpPr>
@@ -582,7 +1854,7 @@
         <p:spPr>
           <a:xfrm>
             <a:off x="504000" y="226080"/>
-            <a:ext cx="9071640" cy="946440"/>
+            <a:ext cx="9071280" cy="946080"/>
           </a:xfrm>
           <a:prstGeom prst="rect">
             <a:avLst/>
@@ -600,7 +1872,7 @@
       </p:sp>
       <p:sp>
         <p:nvSpPr>
-          <p:cNvPr id="6" name="PlaceHolder 2"/>
+          <p:cNvPr id="3" name="PlaceHolder 2"/>
           <p:cNvSpPr>
             <a:spLocks noGrp="1"/>
           </p:cNvSpPr>
@@ -611,7 +1883,7 @@
         <p:spPr>
           <a:xfrm>
             <a:off x="504000" y="1326600"/>
-            <a:ext cx="9071640" cy="3288240"/>
+            <a:ext cx="9071280" cy="3287880"/>
           </a:xfrm>
           <a:prstGeom prst="rect">
             <a:avLst/>
@@ -621,6 +1893,801 @@
           <a:bodyPr lIns="0" rIns="0" tIns="0" bIns="0" anchor="ctr"/>
           <a:p>
             <a:pPr algn="ctr"/>
+            <a:endParaRPr b="0" lang="en-GB" sz="3200" spc="-1" strike="noStrike">
+              <a:latin typeface="Arial"/>
+            </a:endParaRPr>
+          </a:p>
+        </p:txBody>
+      </p:sp>
+    </p:spTree>
+  </p:cSld>
+</p:sldLayout>
+</file>
+
+<file path=ppt/slideLayouts/slideLayout20.xml><?xml version="1.0" encoding="utf-8"?>
+<p:sldLayout xmlns:a="http://schemas.openxmlformats.org/drawingml/2006/main" xmlns:p="http://schemas.openxmlformats.org/presentationml/2006/main" xmlns:r="http://schemas.openxmlformats.org/officeDocument/2006/relationships" xmlns:p14="http://schemas.microsoft.com/office/powerpoint/2010/main" xmlns:p15="http://schemas.microsoft.com/office/powerpoint/2012/main" xmlns:mc="http://schemas.openxmlformats.org/markup-compatibility/2006" type="objAndTwoObj" preserve="1">
+  <p:cSld name="Title Content and 2 Content">
+    <p:spTree>
+      <p:nvGrpSpPr>
+        <p:cNvPr id="1" name=""/>
+        <p:cNvGrpSpPr/>
+        <p:nvPr/>
+      </p:nvGrpSpPr>
+      <p:grpSpPr>
+        <a:xfrm>
+          <a:off x="0" y="0"/>
+          <a:ext cx="0" cy="0"/>
+          <a:chOff x="0" y="0"/>
+          <a:chExt cx="0" cy="0"/>
+        </a:xfrm>
+      </p:grpSpPr>
+      <p:sp>
+        <p:nvSpPr>
+          <p:cNvPr id="53" name="PlaceHolder 1"/>
+          <p:cNvSpPr>
+            <a:spLocks noGrp="1"/>
+          </p:cNvSpPr>
+          <p:nvPr>
+            <p:ph type="title"/>
+          </p:nvPr>
+        </p:nvSpPr>
+        <p:spPr>
+          <a:xfrm>
+            <a:off x="504000" y="226080"/>
+            <a:ext cx="9071280" cy="946080"/>
+          </a:xfrm>
+          <a:prstGeom prst="rect">
+            <a:avLst/>
+          </a:prstGeom>
+        </p:spPr>
+        <p:txBody>
+          <a:bodyPr lIns="0" rIns="0" tIns="0" bIns="0" anchor="ctr"/>
+          <a:p>
+            <a:pPr algn="ctr"/>
+            <a:endParaRPr b="0" lang="en-GB" sz="4400" spc="-1" strike="noStrike">
+              <a:latin typeface="Arial"/>
+            </a:endParaRPr>
+          </a:p>
+        </p:txBody>
+      </p:sp>
+      <p:sp>
+        <p:nvSpPr>
+          <p:cNvPr id="54" name="PlaceHolder 2"/>
+          <p:cNvSpPr>
+            <a:spLocks noGrp="1"/>
+          </p:cNvSpPr>
+          <p:nvPr>
+            <p:ph type="body"/>
+          </p:nvPr>
+        </p:nvSpPr>
+        <p:spPr>
+          <a:xfrm>
+            <a:off x="504000" y="1326600"/>
+            <a:ext cx="4426560" cy="3287880"/>
+          </a:xfrm>
+          <a:prstGeom prst="rect">
+            <a:avLst/>
+          </a:prstGeom>
+        </p:spPr>
+        <p:txBody>
+          <a:bodyPr lIns="0" rIns="0" tIns="0" bIns="0">
+            <a:normAutofit/>
+          </a:bodyPr>
+          <a:p>
+            <a:endParaRPr b="0" lang="en-GB" sz="3200" spc="-1" strike="noStrike">
+              <a:latin typeface="Arial"/>
+            </a:endParaRPr>
+          </a:p>
+        </p:txBody>
+      </p:sp>
+      <p:sp>
+        <p:nvSpPr>
+          <p:cNvPr id="55" name="PlaceHolder 3"/>
+          <p:cNvSpPr>
+            <a:spLocks noGrp="1"/>
+          </p:cNvSpPr>
+          <p:nvPr>
+            <p:ph type="body"/>
+          </p:nvPr>
+        </p:nvSpPr>
+        <p:spPr>
+          <a:xfrm>
+            <a:off x="5152320" y="1326600"/>
+            <a:ext cx="4426560" cy="1568160"/>
+          </a:xfrm>
+          <a:prstGeom prst="rect">
+            <a:avLst/>
+          </a:prstGeom>
+        </p:spPr>
+        <p:txBody>
+          <a:bodyPr lIns="0" rIns="0" tIns="0" bIns="0">
+            <a:normAutofit/>
+          </a:bodyPr>
+          <a:p>
+            <a:endParaRPr b="0" lang="en-GB" sz="3200" spc="-1" strike="noStrike">
+              <a:latin typeface="Arial"/>
+            </a:endParaRPr>
+          </a:p>
+        </p:txBody>
+      </p:sp>
+      <p:sp>
+        <p:nvSpPr>
+          <p:cNvPr id="56" name="PlaceHolder 4"/>
+          <p:cNvSpPr>
+            <a:spLocks noGrp="1"/>
+          </p:cNvSpPr>
+          <p:nvPr>
+            <p:ph type="body"/>
+          </p:nvPr>
+        </p:nvSpPr>
+        <p:spPr>
+          <a:xfrm>
+            <a:off x="5152320" y="3044160"/>
+            <a:ext cx="4426560" cy="1568160"/>
+          </a:xfrm>
+          <a:prstGeom prst="rect">
+            <a:avLst/>
+          </a:prstGeom>
+        </p:spPr>
+        <p:txBody>
+          <a:bodyPr lIns="0" rIns="0" tIns="0" bIns="0">
+            <a:normAutofit/>
+          </a:bodyPr>
+          <a:p>
+            <a:endParaRPr b="0" lang="en-GB" sz="3200" spc="-1" strike="noStrike">
+              <a:latin typeface="Arial"/>
+            </a:endParaRPr>
+          </a:p>
+        </p:txBody>
+      </p:sp>
+    </p:spTree>
+  </p:cSld>
+</p:sldLayout>
+</file>
+
+<file path=ppt/slideLayouts/slideLayout21.xml><?xml version="1.0" encoding="utf-8"?>
+<p:sldLayout xmlns:a="http://schemas.openxmlformats.org/drawingml/2006/main" xmlns:p="http://schemas.openxmlformats.org/presentationml/2006/main" xmlns:r="http://schemas.openxmlformats.org/officeDocument/2006/relationships" xmlns:p14="http://schemas.microsoft.com/office/powerpoint/2010/main" xmlns:p15="http://schemas.microsoft.com/office/powerpoint/2012/main" xmlns:mc="http://schemas.openxmlformats.org/markup-compatibility/2006" type="twoObjOverTx" preserve="1">
+  <p:cSld name="Title, 2 Content over Content">
+    <p:spTree>
+      <p:nvGrpSpPr>
+        <p:cNvPr id="1" name=""/>
+        <p:cNvGrpSpPr/>
+        <p:nvPr/>
+      </p:nvGrpSpPr>
+      <p:grpSpPr>
+        <a:xfrm>
+          <a:off x="0" y="0"/>
+          <a:ext cx="0" cy="0"/>
+          <a:chOff x="0" y="0"/>
+          <a:chExt cx="0" cy="0"/>
+        </a:xfrm>
+      </p:grpSpPr>
+      <p:sp>
+        <p:nvSpPr>
+          <p:cNvPr id="57" name="PlaceHolder 1"/>
+          <p:cNvSpPr>
+            <a:spLocks noGrp="1"/>
+          </p:cNvSpPr>
+          <p:nvPr>
+            <p:ph type="title"/>
+          </p:nvPr>
+        </p:nvSpPr>
+        <p:spPr>
+          <a:xfrm>
+            <a:off x="504000" y="226080"/>
+            <a:ext cx="9071280" cy="946080"/>
+          </a:xfrm>
+          <a:prstGeom prst="rect">
+            <a:avLst/>
+          </a:prstGeom>
+        </p:spPr>
+        <p:txBody>
+          <a:bodyPr lIns="0" rIns="0" tIns="0" bIns="0" anchor="ctr"/>
+          <a:p>
+            <a:pPr algn="ctr"/>
+            <a:endParaRPr b="0" lang="en-GB" sz="4400" spc="-1" strike="noStrike">
+              <a:latin typeface="Arial"/>
+            </a:endParaRPr>
+          </a:p>
+        </p:txBody>
+      </p:sp>
+      <p:sp>
+        <p:nvSpPr>
+          <p:cNvPr id="58" name="PlaceHolder 2"/>
+          <p:cNvSpPr>
+            <a:spLocks noGrp="1"/>
+          </p:cNvSpPr>
+          <p:nvPr>
+            <p:ph type="body"/>
+          </p:nvPr>
+        </p:nvSpPr>
+        <p:spPr>
+          <a:xfrm>
+            <a:off x="504000" y="1326600"/>
+            <a:ext cx="4426560" cy="1568160"/>
+          </a:xfrm>
+          <a:prstGeom prst="rect">
+            <a:avLst/>
+          </a:prstGeom>
+        </p:spPr>
+        <p:txBody>
+          <a:bodyPr lIns="0" rIns="0" tIns="0" bIns="0">
+            <a:normAutofit/>
+          </a:bodyPr>
+          <a:p>
+            <a:endParaRPr b="0" lang="en-GB" sz="3200" spc="-1" strike="noStrike">
+              <a:latin typeface="Arial"/>
+            </a:endParaRPr>
+          </a:p>
+        </p:txBody>
+      </p:sp>
+      <p:sp>
+        <p:nvSpPr>
+          <p:cNvPr id="59" name="PlaceHolder 3"/>
+          <p:cNvSpPr>
+            <a:spLocks noGrp="1"/>
+          </p:cNvSpPr>
+          <p:nvPr>
+            <p:ph type="body"/>
+          </p:nvPr>
+        </p:nvSpPr>
+        <p:spPr>
+          <a:xfrm>
+            <a:off x="5152320" y="1326600"/>
+            <a:ext cx="4426560" cy="1568160"/>
+          </a:xfrm>
+          <a:prstGeom prst="rect">
+            <a:avLst/>
+          </a:prstGeom>
+        </p:spPr>
+        <p:txBody>
+          <a:bodyPr lIns="0" rIns="0" tIns="0" bIns="0">
+            <a:normAutofit/>
+          </a:bodyPr>
+          <a:p>
+            <a:endParaRPr b="0" lang="en-GB" sz="3200" spc="-1" strike="noStrike">
+              <a:latin typeface="Arial"/>
+            </a:endParaRPr>
+          </a:p>
+        </p:txBody>
+      </p:sp>
+      <p:sp>
+        <p:nvSpPr>
+          <p:cNvPr id="60" name="PlaceHolder 4"/>
+          <p:cNvSpPr>
+            <a:spLocks noGrp="1"/>
+          </p:cNvSpPr>
+          <p:nvPr>
+            <p:ph type="body"/>
+          </p:nvPr>
+        </p:nvSpPr>
+        <p:spPr>
+          <a:xfrm>
+            <a:off x="504000" y="3044160"/>
+            <a:ext cx="9071280" cy="1568160"/>
+          </a:xfrm>
+          <a:prstGeom prst="rect">
+            <a:avLst/>
+          </a:prstGeom>
+        </p:spPr>
+        <p:txBody>
+          <a:bodyPr lIns="0" rIns="0" tIns="0" bIns="0">
+            <a:normAutofit/>
+          </a:bodyPr>
+          <a:p>
+            <a:endParaRPr b="0" lang="en-GB" sz="3200" spc="-1" strike="noStrike">
+              <a:latin typeface="Arial"/>
+            </a:endParaRPr>
+          </a:p>
+        </p:txBody>
+      </p:sp>
+    </p:spTree>
+  </p:cSld>
+</p:sldLayout>
+</file>
+
+<file path=ppt/slideLayouts/slideLayout22.xml><?xml version="1.0" encoding="utf-8"?>
+<p:sldLayout xmlns:a="http://schemas.openxmlformats.org/drawingml/2006/main" xmlns:p="http://schemas.openxmlformats.org/presentationml/2006/main" xmlns:r="http://schemas.openxmlformats.org/officeDocument/2006/relationships" xmlns:p14="http://schemas.microsoft.com/office/powerpoint/2010/main" xmlns:p15="http://schemas.microsoft.com/office/powerpoint/2012/main" xmlns:mc="http://schemas.openxmlformats.org/markup-compatibility/2006" type="objOverTx" preserve="1">
+  <p:cSld name="Title, Content over Content">
+    <p:spTree>
+      <p:nvGrpSpPr>
+        <p:cNvPr id="1" name=""/>
+        <p:cNvGrpSpPr/>
+        <p:nvPr/>
+      </p:nvGrpSpPr>
+      <p:grpSpPr>
+        <a:xfrm>
+          <a:off x="0" y="0"/>
+          <a:ext cx="0" cy="0"/>
+          <a:chOff x="0" y="0"/>
+          <a:chExt cx="0" cy="0"/>
+        </a:xfrm>
+      </p:grpSpPr>
+      <p:sp>
+        <p:nvSpPr>
+          <p:cNvPr id="61" name="PlaceHolder 1"/>
+          <p:cNvSpPr>
+            <a:spLocks noGrp="1"/>
+          </p:cNvSpPr>
+          <p:nvPr>
+            <p:ph type="title"/>
+          </p:nvPr>
+        </p:nvSpPr>
+        <p:spPr>
+          <a:xfrm>
+            <a:off x="504000" y="226080"/>
+            <a:ext cx="9071280" cy="946080"/>
+          </a:xfrm>
+          <a:prstGeom prst="rect">
+            <a:avLst/>
+          </a:prstGeom>
+        </p:spPr>
+        <p:txBody>
+          <a:bodyPr lIns="0" rIns="0" tIns="0" bIns="0" anchor="ctr"/>
+          <a:p>
+            <a:pPr algn="ctr"/>
+            <a:endParaRPr b="0" lang="en-GB" sz="4400" spc="-1" strike="noStrike">
+              <a:latin typeface="Arial"/>
+            </a:endParaRPr>
+          </a:p>
+        </p:txBody>
+      </p:sp>
+      <p:sp>
+        <p:nvSpPr>
+          <p:cNvPr id="62" name="PlaceHolder 2"/>
+          <p:cNvSpPr>
+            <a:spLocks noGrp="1"/>
+          </p:cNvSpPr>
+          <p:nvPr>
+            <p:ph type="body"/>
+          </p:nvPr>
+        </p:nvSpPr>
+        <p:spPr>
+          <a:xfrm>
+            <a:off x="504000" y="1326600"/>
+            <a:ext cx="9071280" cy="1568160"/>
+          </a:xfrm>
+          <a:prstGeom prst="rect">
+            <a:avLst/>
+          </a:prstGeom>
+        </p:spPr>
+        <p:txBody>
+          <a:bodyPr lIns="0" rIns="0" tIns="0" bIns="0">
+            <a:normAutofit/>
+          </a:bodyPr>
+          <a:p>
+            <a:endParaRPr b="0" lang="en-GB" sz="3200" spc="-1" strike="noStrike">
+              <a:latin typeface="Arial"/>
+            </a:endParaRPr>
+          </a:p>
+        </p:txBody>
+      </p:sp>
+      <p:sp>
+        <p:nvSpPr>
+          <p:cNvPr id="63" name="PlaceHolder 3"/>
+          <p:cNvSpPr>
+            <a:spLocks noGrp="1"/>
+          </p:cNvSpPr>
+          <p:nvPr>
+            <p:ph type="body"/>
+          </p:nvPr>
+        </p:nvSpPr>
+        <p:spPr>
+          <a:xfrm>
+            <a:off x="504000" y="3044160"/>
+            <a:ext cx="9071280" cy="1568160"/>
+          </a:xfrm>
+          <a:prstGeom prst="rect">
+            <a:avLst/>
+          </a:prstGeom>
+        </p:spPr>
+        <p:txBody>
+          <a:bodyPr lIns="0" rIns="0" tIns="0" bIns="0">
+            <a:normAutofit/>
+          </a:bodyPr>
+          <a:p>
+            <a:endParaRPr b="0" lang="en-GB" sz="3200" spc="-1" strike="noStrike">
+              <a:latin typeface="Arial"/>
+            </a:endParaRPr>
+          </a:p>
+        </p:txBody>
+      </p:sp>
+    </p:spTree>
+  </p:cSld>
+</p:sldLayout>
+</file>
+
+<file path=ppt/slideLayouts/slideLayout23.xml><?xml version="1.0" encoding="utf-8"?>
+<p:sldLayout xmlns:a="http://schemas.openxmlformats.org/drawingml/2006/main" xmlns:p="http://schemas.openxmlformats.org/presentationml/2006/main" xmlns:r="http://schemas.openxmlformats.org/officeDocument/2006/relationships" xmlns:p14="http://schemas.microsoft.com/office/powerpoint/2010/main" xmlns:p15="http://schemas.microsoft.com/office/powerpoint/2012/main" xmlns:mc="http://schemas.openxmlformats.org/markup-compatibility/2006" type="fourObj" preserve="1">
+  <p:cSld name="Title, 4 Content">
+    <p:spTree>
+      <p:nvGrpSpPr>
+        <p:cNvPr id="1" name=""/>
+        <p:cNvGrpSpPr/>
+        <p:nvPr/>
+      </p:nvGrpSpPr>
+      <p:grpSpPr>
+        <a:xfrm>
+          <a:off x="0" y="0"/>
+          <a:ext cx="0" cy="0"/>
+          <a:chOff x="0" y="0"/>
+          <a:chExt cx="0" cy="0"/>
+        </a:xfrm>
+      </p:grpSpPr>
+      <p:sp>
+        <p:nvSpPr>
+          <p:cNvPr id="64" name="PlaceHolder 1"/>
+          <p:cNvSpPr>
+            <a:spLocks noGrp="1"/>
+          </p:cNvSpPr>
+          <p:nvPr>
+            <p:ph type="title"/>
+          </p:nvPr>
+        </p:nvSpPr>
+        <p:spPr>
+          <a:xfrm>
+            <a:off x="504000" y="226080"/>
+            <a:ext cx="9071280" cy="946080"/>
+          </a:xfrm>
+          <a:prstGeom prst="rect">
+            <a:avLst/>
+          </a:prstGeom>
+        </p:spPr>
+        <p:txBody>
+          <a:bodyPr lIns="0" rIns="0" tIns="0" bIns="0" anchor="ctr"/>
+          <a:p>
+            <a:pPr algn="ctr"/>
+            <a:endParaRPr b="0" lang="en-GB" sz="4400" spc="-1" strike="noStrike">
+              <a:latin typeface="Arial"/>
+            </a:endParaRPr>
+          </a:p>
+        </p:txBody>
+      </p:sp>
+      <p:sp>
+        <p:nvSpPr>
+          <p:cNvPr id="65" name="PlaceHolder 2"/>
+          <p:cNvSpPr>
+            <a:spLocks noGrp="1"/>
+          </p:cNvSpPr>
+          <p:nvPr>
+            <p:ph type="body"/>
+          </p:nvPr>
+        </p:nvSpPr>
+        <p:spPr>
+          <a:xfrm>
+            <a:off x="504000" y="1326600"/>
+            <a:ext cx="4426560" cy="1568160"/>
+          </a:xfrm>
+          <a:prstGeom prst="rect">
+            <a:avLst/>
+          </a:prstGeom>
+        </p:spPr>
+        <p:txBody>
+          <a:bodyPr lIns="0" rIns="0" tIns="0" bIns="0">
+            <a:normAutofit/>
+          </a:bodyPr>
+          <a:p>
+            <a:endParaRPr b="0" lang="en-GB" sz="3200" spc="-1" strike="noStrike">
+              <a:latin typeface="Arial"/>
+            </a:endParaRPr>
+          </a:p>
+        </p:txBody>
+      </p:sp>
+      <p:sp>
+        <p:nvSpPr>
+          <p:cNvPr id="66" name="PlaceHolder 3"/>
+          <p:cNvSpPr>
+            <a:spLocks noGrp="1"/>
+          </p:cNvSpPr>
+          <p:nvPr>
+            <p:ph type="body"/>
+          </p:nvPr>
+        </p:nvSpPr>
+        <p:spPr>
+          <a:xfrm>
+            <a:off x="5152320" y="1326600"/>
+            <a:ext cx="4426560" cy="1568160"/>
+          </a:xfrm>
+          <a:prstGeom prst="rect">
+            <a:avLst/>
+          </a:prstGeom>
+        </p:spPr>
+        <p:txBody>
+          <a:bodyPr lIns="0" rIns="0" tIns="0" bIns="0">
+            <a:normAutofit/>
+          </a:bodyPr>
+          <a:p>
+            <a:endParaRPr b="0" lang="en-GB" sz="3200" spc="-1" strike="noStrike">
+              <a:latin typeface="Arial"/>
+            </a:endParaRPr>
+          </a:p>
+        </p:txBody>
+      </p:sp>
+      <p:sp>
+        <p:nvSpPr>
+          <p:cNvPr id="67" name="PlaceHolder 4"/>
+          <p:cNvSpPr>
+            <a:spLocks noGrp="1"/>
+          </p:cNvSpPr>
+          <p:nvPr>
+            <p:ph type="body"/>
+          </p:nvPr>
+        </p:nvSpPr>
+        <p:spPr>
+          <a:xfrm>
+            <a:off x="504000" y="3044160"/>
+            <a:ext cx="4426560" cy="1568160"/>
+          </a:xfrm>
+          <a:prstGeom prst="rect">
+            <a:avLst/>
+          </a:prstGeom>
+        </p:spPr>
+        <p:txBody>
+          <a:bodyPr lIns="0" rIns="0" tIns="0" bIns="0">
+            <a:normAutofit/>
+          </a:bodyPr>
+          <a:p>
+            <a:endParaRPr b="0" lang="en-GB" sz="3200" spc="-1" strike="noStrike">
+              <a:latin typeface="Arial"/>
+            </a:endParaRPr>
+          </a:p>
+        </p:txBody>
+      </p:sp>
+      <p:sp>
+        <p:nvSpPr>
+          <p:cNvPr id="68" name="PlaceHolder 5"/>
+          <p:cNvSpPr>
+            <a:spLocks noGrp="1"/>
+          </p:cNvSpPr>
+          <p:nvPr>
+            <p:ph type="body"/>
+          </p:nvPr>
+        </p:nvSpPr>
+        <p:spPr>
+          <a:xfrm>
+            <a:off x="5152320" y="3044160"/>
+            <a:ext cx="4426560" cy="1568160"/>
+          </a:xfrm>
+          <a:prstGeom prst="rect">
+            <a:avLst/>
+          </a:prstGeom>
+        </p:spPr>
+        <p:txBody>
+          <a:bodyPr lIns="0" rIns="0" tIns="0" bIns="0">
+            <a:normAutofit/>
+          </a:bodyPr>
+          <a:p>
+            <a:endParaRPr b="0" lang="en-GB" sz="3200" spc="-1" strike="noStrike">
+              <a:latin typeface="Arial"/>
+            </a:endParaRPr>
+          </a:p>
+        </p:txBody>
+      </p:sp>
+    </p:spTree>
+  </p:cSld>
+</p:sldLayout>
+</file>
+
+<file path=ppt/slideLayouts/slideLayout24.xml><?xml version="1.0" encoding="utf-8"?>
+<p:sldLayout xmlns:a="http://schemas.openxmlformats.org/drawingml/2006/main" xmlns:p="http://schemas.openxmlformats.org/presentationml/2006/main" xmlns:r="http://schemas.openxmlformats.org/officeDocument/2006/relationships" xmlns:p14="http://schemas.microsoft.com/office/powerpoint/2010/main" xmlns:p15="http://schemas.microsoft.com/office/powerpoint/2012/main" xmlns:mc="http://schemas.openxmlformats.org/markup-compatibility/2006" type="blank" preserve="1">
+  <p:cSld name="Title, 6 Content">
+    <p:spTree>
+      <p:nvGrpSpPr>
+        <p:cNvPr id="1" name=""/>
+        <p:cNvGrpSpPr/>
+        <p:nvPr/>
+      </p:nvGrpSpPr>
+      <p:grpSpPr>
+        <a:xfrm>
+          <a:off x="0" y="0"/>
+          <a:ext cx="0" cy="0"/>
+          <a:chOff x="0" y="0"/>
+          <a:chExt cx="0" cy="0"/>
+        </a:xfrm>
+      </p:grpSpPr>
+      <p:sp>
+        <p:nvSpPr>
+          <p:cNvPr id="69" name="PlaceHolder 1"/>
+          <p:cNvSpPr>
+            <a:spLocks noGrp="1"/>
+          </p:cNvSpPr>
+          <p:nvPr>
+            <p:ph type="title"/>
+          </p:nvPr>
+        </p:nvSpPr>
+        <p:spPr>
+          <a:xfrm>
+            <a:off x="504000" y="226080"/>
+            <a:ext cx="9071280" cy="946080"/>
+          </a:xfrm>
+          <a:prstGeom prst="rect">
+            <a:avLst/>
+          </a:prstGeom>
+        </p:spPr>
+        <p:txBody>
+          <a:bodyPr lIns="0" rIns="0" tIns="0" bIns="0" anchor="ctr"/>
+          <a:p>
+            <a:pPr algn="ctr"/>
+            <a:endParaRPr b="0" lang="en-GB" sz="4400" spc="-1" strike="noStrike">
+              <a:latin typeface="Arial"/>
+            </a:endParaRPr>
+          </a:p>
+        </p:txBody>
+      </p:sp>
+      <p:sp>
+        <p:nvSpPr>
+          <p:cNvPr id="70" name="PlaceHolder 2"/>
+          <p:cNvSpPr>
+            <a:spLocks noGrp="1"/>
+          </p:cNvSpPr>
+          <p:nvPr>
+            <p:ph type="body"/>
+          </p:nvPr>
+        </p:nvSpPr>
+        <p:spPr>
+          <a:xfrm>
+            <a:off x="504000" y="1326600"/>
+            <a:ext cx="2920680" cy="1568160"/>
+          </a:xfrm>
+          <a:prstGeom prst="rect">
+            <a:avLst/>
+          </a:prstGeom>
+        </p:spPr>
+        <p:txBody>
+          <a:bodyPr lIns="0" rIns="0" tIns="0" bIns="0">
+            <a:normAutofit/>
+          </a:bodyPr>
+          <a:p>
+            <a:endParaRPr b="0" lang="en-GB" sz="3200" spc="-1" strike="noStrike">
+              <a:latin typeface="Arial"/>
+            </a:endParaRPr>
+          </a:p>
+        </p:txBody>
+      </p:sp>
+      <p:sp>
+        <p:nvSpPr>
+          <p:cNvPr id="71" name="PlaceHolder 3"/>
+          <p:cNvSpPr>
+            <a:spLocks noGrp="1"/>
+          </p:cNvSpPr>
+          <p:nvPr>
+            <p:ph type="body"/>
+          </p:nvPr>
+        </p:nvSpPr>
+        <p:spPr>
+          <a:xfrm>
+            <a:off x="3571200" y="1326600"/>
+            <a:ext cx="2920680" cy="1568160"/>
+          </a:xfrm>
+          <a:prstGeom prst="rect">
+            <a:avLst/>
+          </a:prstGeom>
+        </p:spPr>
+        <p:txBody>
+          <a:bodyPr lIns="0" rIns="0" tIns="0" bIns="0">
+            <a:normAutofit/>
+          </a:bodyPr>
+          <a:p>
+            <a:endParaRPr b="0" lang="en-GB" sz="3200" spc="-1" strike="noStrike">
+              <a:latin typeface="Arial"/>
+            </a:endParaRPr>
+          </a:p>
+        </p:txBody>
+      </p:sp>
+      <p:sp>
+        <p:nvSpPr>
+          <p:cNvPr id="72" name="PlaceHolder 4"/>
+          <p:cNvSpPr>
+            <a:spLocks noGrp="1"/>
+          </p:cNvSpPr>
+          <p:nvPr>
+            <p:ph type="body"/>
+          </p:nvPr>
+        </p:nvSpPr>
+        <p:spPr>
+          <a:xfrm>
+            <a:off x="6638040" y="1326600"/>
+            <a:ext cx="2920680" cy="1568160"/>
+          </a:xfrm>
+          <a:prstGeom prst="rect">
+            <a:avLst/>
+          </a:prstGeom>
+        </p:spPr>
+        <p:txBody>
+          <a:bodyPr lIns="0" rIns="0" tIns="0" bIns="0">
+            <a:normAutofit/>
+          </a:bodyPr>
+          <a:p>
+            <a:endParaRPr b="0" lang="en-GB" sz="3200" spc="-1" strike="noStrike">
+              <a:latin typeface="Arial"/>
+            </a:endParaRPr>
+          </a:p>
+        </p:txBody>
+      </p:sp>
+      <p:sp>
+        <p:nvSpPr>
+          <p:cNvPr id="73" name="PlaceHolder 5"/>
+          <p:cNvSpPr>
+            <a:spLocks noGrp="1"/>
+          </p:cNvSpPr>
+          <p:nvPr>
+            <p:ph type="body"/>
+          </p:nvPr>
+        </p:nvSpPr>
+        <p:spPr>
+          <a:xfrm>
+            <a:off x="504000" y="3044160"/>
+            <a:ext cx="2920680" cy="1568160"/>
+          </a:xfrm>
+          <a:prstGeom prst="rect">
+            <a:avLst/>
+          </a:prstGeom>
+        </p:spPr>
+        <p:txBody>
+          <a:bodyPr lIns="0" rIns="0" tIns="0" bIns="0">
+            <a:normAutofit/>
+          </a:bodyPr>
+          <a:p>
+            <a:endParaRPr b="0" lang="en-GB" sz="3200" spc="-1" strike="noStrike">
+              <a:latin typeface="Arial"/>
+            </a:endParaRPr>
+          </a:p>
+        </p:txBody>
+      </p:sp>
+      <p:sp>
+        <p:nvSpPr>
+          <p:cNvPr id="74" name="PlaceHolder 6"/>
+          <p:cNvSpPr>
+            <a:spLocks noGrp="1"/>
+          </p:cNvSpPr>
+          <p:nvPr>
+            <p:ph type="body"/>
+          </p:nvPr>
+        </p:nvSpPr>
+        <p:spPr>
+          <a:xfrm>
+            <a:off x="3571200" y="3044160"/>
+            <a:ext cx="2920680" cy="1568160"/>
+          </a:xfrm>
+          <a:prstGeom prst="rect">
+            <a:avLst/>
+          </a:prstGeom>
+        </p:spPr>
+        <p:txBody>
+          <a:bodyPr lIns="0" rIns="0" tIns="0" bIns="0">
+            <a:normAutofit/>
+          </a:bodyPr>
+          <a:p>
+            <a:endParaRPr b="0" lang="en-GB" sz="3200" spc="-1" strike="noStrike">
+              <a:latin typeface="Arial"/>
+            </a:endParaRPr>
+          </a:p>
+        </p:txBody>
+      </p:sp>
+      <p:sp>
+        <p:nvSpPr>
+          <p:cNvPr id="75" name="PlaceHolder 7"/>
+          <p:cNvSpPr>
+            <a:spLocks noGrp="1"/>
+          </p:cNvSpPr>
+          <p:nvPr>
+            <p:ph type="body"/>
+          </p:nvPr>
+        </p:nvSpPr>
+        <p:spPr>
+          <a:xfrm>
+            <a:off x="6638040" y="3044160"/>
+            <a:ext cx="2920680" cy="1568160"/>
+          </a:xfrm>
+          <a:prstGeom prst="rect">
+            <a:avLst/>
+          </a:prstGeom>
+        </p:spPr>
+        <p:txBody>
+          <a:bodyPr lIns="0" rIns="0" tIns="0" bIns="0">
+            <a:normAutofit/>
+          </a:bodyPr>
+          <a:p>
             <a:endParaRPr b="0" lang="en-GB" sz="3200" spc="-1" strike="noStrike">
               <a:latin typeface="Arial"/>
             </a:endParaRPr>
@@ -651,7 +2718,7 @@
       </p:grpSpPr>
       <p:sp>
         <p:nvSpPr>
-          <p:cNvPr id="7" name="PlaceHolder 1"/>
+          <p:cNvPr id="4" name="PlaceHolder 1"/>
           <p:cNvSpPr>
             <a:spLocks noGrp="1"/>
           </p:cNvSpPr>
@@ -662,7 +2729,7 @@
         <p:spPr>
           <a:xfrm>
             <a:off x="504000" y="226080"/>
-            <a:ext cx="9071640" cy="946440"/>
+            <a:ext cx="9071280" cy="946080"/>
           </a:xfrm>
           <a:prstGeom prst="rect">
             <a:avLst/>
@@ -680,7 +2747,7 @@
       </p:sp>
       <p:sp>
         <p:nvSpPr>
-          <p:cNvPr id="8" name="PlaceHolder 2"/>
+          <p:cNvPr id="5" name="PlaceHolder 2"/>
           <p:cNvSpPr>
             <a:spLocks noGrp="1"/>
           </p:cNvSpPr>
@@ -691,7 +2758,7 @@
         <p:spPr>
           <a:xfrm>
             <a:off x="504000" y="1326600"/>
-            <a:ext cx="9071640" cy="3288240"/>
+            <a:ext cx="9071280" cy="3287880"/>
           </a:xfrm>
           <a:prstGeom prst="rect">
             <a:avLst/>
@@ -732,7 +2799,7 @@
       </p:grpSpPr>
       <p:sp>
         <p:nvSpPr>
-          <p:cNvPr id="9" name="PlaceHolder 1"/>
+          <p:cNvPr id="6" name="PlaceHolder 1"/>
           <p:cNvSpPr>
             <a:spLocks noGrp="1"/>
           </p:cNvSpPr>
@@ -743,7 +2810,7 @@
         <p:spPr>
           <a:xfrm>
             <a:off x="504000" y="226080"/>
-            <a:ext cx="9071640" cy="946440"/>
+            <a:ext cx="9071280" cy="946080"/>
           </a:xfrm>
           <a:prstGeom prst="rect">
             <a:avLst/>
@@ -761,7 +2828,7 @@
       </p:sp>
       <p:sp>
         <p:nvSpPr>
-          <p:cNvPr id="10" name="PlaceHolder 2"/>
+          <p:cNvPr id="7" name="PlaceHolder 2"/>
           <p:cNvSpPr>
             <a:spLocks noGrp="1"/>
           </p:cNvSpPr>
@@ -772,7 +2839,7 @@
         <p:spPr>
           <a:xfrm>
             <a:off x="504000" y="1326600"/>
-            <a:ext cx="4426920" cy="3288240"/>
+            <a:ext cx="4426560" cy="3287880"/>
           </a:xfrm>
           <a:prstGeom prst="rect">
             <a:avLst/>
@@ -791,7 +2858,7 @@
       </p:sp>
       <p:sp>
         <p:nvSpPr>
-          <p:cNvPr id="11" name="PlaceHolder 3"/>
+          <p:cNvPr id="8" name="PlaceHolder 3"/>
           <p:cNvSpPr>
             <a:spLocks noGrp="1"/>
           </p:cNvSpPr>
@@ -801,8 +2868,8 @@
         </p:nvSpPr>
         <p:spPr>
           <a:xfrm>
-            <a:off x="5152680" y="1326600"/>
-            <a:ext cx="4426920" cy="3288240"/>
+            <a:off x="5152320" y="1326600"/>
+            <a:ext cx="4426560" cy="3287880"/>
           </a:xfrm>
           <a:prstGeom prst="rect">
             <a:avLst/>
@@ -843,7 +2910,7 @@
       </p:grpSpPr>
       <p:sp>
         <p:nvSpPr>
-          <p:cNvPr id="12" name="PlaceHolder 1"/>
+          <p:cNvPr id="9" name="PlaceHolder 1"/>
           <p:cNvSpPr>
             <a:spLocks noGrp="1"/>
           </p:cNvSpPr>
@@ -854,7 +2921,7 @@
         <p:spPr>
           <a:xfrm>
             <a:off x="504000" y="226080"/>
-            <a:ext cx="9071640" cy="946440"/>
+            <a:ext cx="9071280" cy="946080"/>
           </a:xfrm>
           <a:prstGeom prst="rect">
             <a:avLst/>
@@ -894,7 +2961,7 @@
       </p:grpSpPr>
       <p:sp>
         <p:nvSpPr>
-          <p:cNvPr id="13" name="PlaceHolder 1"/>
+          <p:cNvPr id="10" name="PlaceHolder 1"/>
           <p:cNvSpPr>
             <a:spLocks noGrp="1"/>
           </p:cNvSpPr>
@@ -905,7 +2972,7 @@
         <p:spPr>
           <a:xfrm>
             <a:off x="504000" y="226080"/>
-            <a:ext cx="9071640" cy="4388400"/>
+            <a:ext cx="9071280" cy="4386600"/>
           </a:xfrm>
           <a:prstGeom prst="rect">
             <a:avLst/>
@@ -945,7 +3012,7 @@
       </p:grpSpPr>
       <p:sp>
         <p:nvSpPr>
-          <p:cNvPr id="14" name="PlaceHolder 1"/>
+          <p:cNvPr id="11" name="PlaceHolder 1"/>
           <p:cNvSpPr>
             <a:spLocks noGrp="1"/>
           </p:cNvSpPr>
@@ -956,7 +3023,7 @@
         <p:spPr>
           <a:xfrm>
             <a:off x="504000" y="226080"/>
-            <a:ext cx="9071640" cy="946440"/>
+            <a:ext cx="9071280" cy="946080"/>
           </a:xfrm>
           <a:prstGeom prst="rect">
             <a:avLst/>
@@ -974,7 +3041,7 @@
       </p:sp>
       <p:sp>
         <p:nvSpPr>
-          <p:cNvPr id="15" name="PlaceHolder 2"/>
+          <p:cNvPr id="12" name="PlaceHolder 2"/>
           <p:cNvSpPr>
             <a:spLocks noGrp="1"/>
           </p:cNvSpPr>
@@ -985,7 +3052,7 @@
         <p:spPr>
           <a:xfrm>
             <a:off x="504000" y="1326600"/>
-            <a:ext cx="4426920" cy="1568160"/>
+            <a:ext cx="4426560" cy="1568160"/>
           </a:xfrm>
           <a:prstGeom prst="rect">
             <a:avLst/>
@@ -1004,7 +3071,7 @@
       </p:sp>
       <p:sp>
         <p:nvSpPr>
-          <p:cNvPr id="16" name="PlaceHolder 3"/>
+          <p:cNvPr id="13" name="PlaceHolder 3"/>
           <p:cNvSpPr>
             <a:spLocks noGrp="1"/>
           </p:cNvSpPr>
@@ -1014,8 +3081,8 @@
         </p:nvSpPr>
         <p:spPr>
           <a:xfrm>
-            <a:off x="5152680" y="1326600"/>
-            <a:ext cx="4426920" cy="3288240"/>
+            <a:off x="5152320" y="1326600"/>
+            <a:ext cx="4426560" cy="3287880"/>
           </a:xfrm>
           <a:prstGeom prst="rect">
             <a:avLst/>
@@ -1034,7 +3101,7 @@
       </p:sp>
       <p:sp>
         <p:nvSpPr>
-          <p:cNvPr id="17" name="PlaceHolder 4"/>
+          <p:cNvPr id="14" name="PlaceHolder 4"/>
           <p:cNvSpPr>
             <a:spLocks noGrp="1"/>
           </p:cNvSpPr>
@@ -1045,7 +3112,7 @@
         <p:spPr>
           <a:xfrm>
             <a:off x="504000" y="3044160"/>
-            <a:ext cx="4426920" cy="1568160"/>
+            <a:ext cx="4426560" cy="1568160"/>
           </a:xfrm>
           <a:prstGeom prst="rect">
             <a:avLst/>
@@ -1086,7 +3153,7 @@
       </p:grpSpPr>
       <p:sp>
         <p:nvSpPr>
-          <p:cNvPr id="18" name="PlaceHolder 1"/>
+          <p:cNvPr id="15" name="PlaceHolder 1"/>
           <p:cNvSpPr>
             <a:spLocks noGrp="1"/>
           </p:cNvSpPr>
@@ -1097,7 +3164,7 @@
         <p:spPr>
           <a:xfrm>
             <a:off x="504000" y="226080"/>
-            <a:ext cx="9071640" cy="946440"/>
+            <a:ext cx="9071280" cy="946080"/>
           </a:xfrm>
           <a:prstGeom prst="rect">
             <a:avLst/>
@@ -1115,7 +3182,7 @@
       </p:sp>
       <p:sp>
         <p:nvSpPr>
-          <p:cNvPr id="19" name="PlaceHolder 2"/>
+          <p:cNvPr id="16" name="PlaceHolder 2"/>
           <p:cNvSpPr>
             <a:spLocks noGrp="1"/>
           </p:cNvSpPr>
@@ -1126,7 +3193,7 @@
         <p:spPr>
           <a:xfrm>
             <a:off x="504000" y="1326600"/>
-            <a:ext cx="4426920" cy="3288240"/>
+            <a:ext cx="4426560" cy="3287880"/>
           </a:xfrm>
           <a:prstGeom prst="rect">
             <a:avLst/>
@@ -1145,7 +3212,7 @@
       </p:sp>
       <p:sp>
         <p:nvSpPr>
-          <p:cNvPr id="20" name="PlaceHolder 3"/>
+          <p:cNvPr id="17" name="PlaceHolder 3"/>
           <p:cNvSpPr>
             <a:spLocks noGrp="1"/>
           </p:cNvSpPr>
@@ -1155,8 +3222,8 @@
         </p:nvSpPr>
         <p:spPr>
           <a:xfrm>
-            <a:off x="5152680" y="1326600"/>
-            <a:ext cx="4426920" cy="1568160"/>
+            <a:off x="5152320" y="1326600"/>
+            <a:ext cx="4426560" cy="1568160"/>
           </a:xfrm>
           <a:prstGeom prst="rect">
             <a:avLst/>
@@ -1175,7 +3242,7 @@
       </p:sp>
       <p:sp>
         <p:nvSpPr>
-          <p:cNvPr id="21" name="PlaceHolder 4"/>
+          <p:cNvPr id="18" name="PlaceHolder 4"/>
           <p:cNvSpPr>
             <a:spLocks noGrp="1"/>
           </p:cNvSpPr>
@@ -1185,8 +3252,8 @@
         </p:nvSpPr>
         <p:spPr>
           <a:xfrm>
-            <a:off x="5152680" y="3044160"/>
-            <a:ext cx="4426920" cy="1568160"/>
+            <a:off x="5152320" y="3044160"/>
+            <a:ext cx="4426560" cy="1568160"/>
           </a:xfrm>
           <a:prstGeom prst="rect">
             <a:avLst/>
@@ -1227,7 +3294,7 @@
       </p:grpSpPr>
       <p:sp>
         <p:nvSpPr>
-          <p:cNvPr id="22" name="PlaceHolder 1"/>
+          <p:cNvPr id="19" name="PlaceHolder 1"/>
           <p:cNvSpPr>
             <a:spLocks noGrp="1"/>
           </p:cNvSpPr>
@@ -1238,7 +3305,7 @@
         <p:spPr>
           <a:xfrm>
             <a:off x="504000" y="226080"/>
-            <a:ext cx="9071640" cy="946440"/>
+            <a:ext cx="9071280" cy="946080"/>
           </a:xfrm>
           <a:prstGeom prst="rect">
             <a:avLst/>
@@ -1256,7 +3323,7 @@
       </p:sp>
       <p:sp>
         <p:nvSpPr>
-          <p:cNvPr id="23" name="PlaceHolder 2"/>
+          <p:cNvPr id="20" name="PlaceHolder 2"/>
           <p:cNvSpPr>
             <a:spLocks noGrp="1"/>
           </p:cNvSpPr>
@@ -1267,7 +3334,7 @@
         <p:spPr>
           <a:xfrm>
             <a:off x="504000" y="1326600"/>
-            <a:ext cx="4426920" cy="1568160"/>
+            <a:ext cx="4426560" cy="1568160"/>
           </a:xfrm>
           <a:prstGeom prst="rect">
             <a:avLst/>
@@ -1286,7 +3353,7 @@
       </p:sp>
       <p:sp>
         <p:nvSpPr>
-          <p:cNvPr id="24" name="PlaceHolder 3"/>
+          <p:cNvPr id="21" name="PlaceHolder 3"/>
           <p:cNvSpPr>
             <a:spLocks noGrp="1"/>
           </p:cNvSpPr>
@@ -1296,8 +3363,8 @@
         </p:nvSpPr>
         <p:spPr>
           <a:xfrm>
-            <a:off x="5152680" y="1326600"/>
-            <a:ext cx="4426920" cy="1568160"/>
+            <a:off x="5152320" y="1326600"/>
+            <a:ext cx="4426560" cy="1568160"/>
           </a:xfrm>
           <a:prstGeom prst="rect">
             <a:avLst/>
@@ -1316,7 +3383,7 @@
       </p:sp>
       <p:sp>
         <p:nvSpPr>
-          <p:cNvPr id="25" name="PlaceHolder 4"/>
+          <p:cNvPr id="22" name="PlaceHolder 4"/>
           <p:cNvSpPr>
             <a:spLocks noGrp="1"/>
           </p:cNvSpPr>
@@ -1327,7 +3394,7 @@
         <p:spPr>
           <a:xfrm>
             <a:off x="504000" y="3044160"/>
-            <a:ext cx="9071640" cy="1568160"/>
+            <a:ext cx="9071280" cy="1568160"/>
           </a:xfrm>
           <a:prstGeom prst="rect">
             <a:avLst/>
@@ -1379,7 +3446,7 @@
         <p:spPr>
           <a:xfrm>
             <a:off x="504000" y="226080"/>
-            <a:ext cx="9071640" cy="946440"/>
+            <a:ext cx="9071280" cy="946080"/>
           </a:xfrm>
           <a:prstGeom prst="rect">
             <a:avLst/>
@@ -1388,14 +3455,13 @@
         <p:txBody>
           <a:bodyPr lIns="0" rIns="0" tIns="0" bIns="0" anchor="ctr"/>
           <a:p>
-            <a:pPr algn="ctr"/>
             <a:r>
-              <a:rPr b="0" lang="en-GB" sz="4400" spc="-1" strike="noStrike">
+              <a:rPr b="0" lang="en-GB" sz="1800" spc="-1" strike="noStrike">
                 <a:latin typeface="Arial"/>
               </a:rPr>
               <a:t>Click to edit the title text format</a:t>
             </a:r>
-            <a:endParaRPr b="0" lang="en-GB" sz="4400" spc="-1" strike="noStrike">
+            <a:endParaRPr b="0" lang="en-GB" sz="1800" spc="-1" strike="noStrike">
               <a:latin typeface="Arial"/>
             </a:endParaRPr>
           </a:p>
@@ -1414,7 +3480,257 @@
         <p:spPr>
           <a:xfrm>
             <a:off x="504000" y="1326600"/>
-            <a:ext cx="9071640" cy="3288240"/>
+            <a:ext cx="9071280" cy="3287880"/>
+          </a:xfrm>
+          <a:prstGeom prst="rect">
+            <a:avLst/>
+          </a:prstGeom>
+        </p:spPr>
+        <p:txBody>
+          <a:bodyPr lIns="0" rIns="0" tIns="0" bIns="0">
+            <a:normAutofit/>
+          </a:bodyPr>
+          <a:p>
+            <a:pPr marL="432000" indent="-324000">
+              <a:spcBef>
+                <a:spcPts val="1417"/>
+              </a:spcBef>
+              <a:buClr>
+                <a:srgbClr val="000000"/>
+              </a:buClr>
+              <a:buSzPct val="45000"/>
+              <a:buFont typeface="Wingdings" charset="2"/>
+              <a:buChar char=""/>
+            </a:pPr>
+            <a:r>
+              <a:rPr b="0" lang="en-GB" sz="1800" spc="-1" strike="noStrike">
+                <a:latin typeface="Arial"/>
+              </a:rPr>
+              <a:t>Click to edit the outline text format</a:t>
+            </a:r>
+            <a:endParaRPr b="0" lang="en-GB" sz="1800" spc="-1" strike="noStrike">
+              <a:latin typeface="Arial"/>
+            </a:endParaRPr>
+          </a:p>
+          <a:p>
+            <a:pPr lvl="1" marL="864000" indent="-324000">
+              <a:spcBef>
+                <a:spcPts val="1134"/>
+              </a:spcBef>
+              <a:buClr>
+                <a:srgbClr val="000000"/>
+              </a:buClr>
+              <a:buSzPct val="75000"/>
+              <a:buFont typeface="Symbol" charset="2"/>
+              <a:buChar char=""/>
+            </a:pPr>
+            <a:r>
+              <a:rPr b="0" lang="en-GB" sz="1800" spc="-1" strike="noStrike">
+                <a:latin typeface="Arial"/>
+              </a:rPr>
+              <a:t>Second Outline Level</a:t>
+            </a:r>
+            <a:endParaRPr b="0" lang="en-GB" sz="1800" spc="-1" strike="noStrike">
+              <a:latin typeface="Arial"/>
+            </a:endParaRPr>
+          </a:p>
+          <a:p>
+            <a:pPr lvl="2" marL="1296000" indent="-288000">
+              <a:spcBef>
+                <a:spcPts val="850"/>
+              </a:spcBef>
+              <a:buClr>
+                <a:srgbClr val="000000"/>
+              </a:buClr>
+              <a:buSzPct val="45000"/>
+              <a:buFont typeface="Wingdings" charset="2"/>
+              <a:buChar char=""/>
+            </a:pPr>
+            <a:r>
+              <a:rPr b="0" lang="en-GB" sz="1800" spc="-1" strike="noStrike">
+                <a:latin typeface="Arial"/>
+              </a:rPr>
+              <a:t>Third Outline Level</a:t>
+            </a:r>
+            <a:endParaRPr b="0" lang="en-GB" sz="1800" spc="-1" strike="noStrike">
+              <a:latin typeface="Arial"/>
+            </a:endParaRPr>
+          </a:p>
+          <a:p>
+            <a:pPr lvl="3" marL="1728000" indent="-216000">
+              <a:spcBef>
+                <a:spcPts val="567"/>
+              </a:spcBef>
+              <a:buClr>
+                <a:srgbClr val="000000"/>
+              </a:buClr>
+              <a:buSzPct val="75000"/>
+              <a:buFont typeface="Symbol" charset="2"/>
+              <a:buChar char=""/>
+            </a:pPr>
+            <a:r>
+              <a:rPr b="0" lang="en-GB" sz="1800" spc="-1" strike="noStrike">
+                <a:latin typeface="Arial"/>
+              </a:rPr>
+              <a:t>Fourth Outline Level</a:t>
+            </a:r>
+            <a:endParaRPr b="0" lang="en-GB" sz="1800" spc="-1" strike="noStrike">
+              <a:latin typeface="Arial"/>
+            </a:endParaRPr>
+          </a:p>
+          <a:p>
+            <a:pPr lvl="4" marL="2160000" indent="-216000">
+              <a:spcBef>
+                <a:spcPts val="283"/>
+              </a:spcBef>
+              <a:buClr>
+                <a:srgbClr val="000000"/>
+              </a:buClr>
+              <a:buSzPct val="45000"/>
+              <a:buFont typeface="Wingdings" charset="2"/>
+              <a:buChar char=""/>
+            </a:pPr>
+            <a:r>
+              <a:rPr b="0" lang="en-GB" sz="1800" spc="-1" strike="noStrike">
+                <a:latin typeface="Arial"/>
+              </a:rPr>
+              <a:t>Fifth Outline Level</a:t>
+            </a:r>
+            <a:endParaRPr b="0" lang="en-GB" sz="1800" spc="-1" strike="noStrike">
+              <a:latin typeface="Arial"/>
+            </a:endParaRPr>
+          </a:p>
+          <a:p>
+            <a:pPr lvl="5" marL="2592000" indent="-216000">
+              <a:spcBef>
+                <a:spcPts val="283"/>
+              </a:spcBef>
+              <a:buClr>
+                <a:srgbClr val="000000"/>
+              </a:buClr>
+              <a:buSzPct val="45000"/>
+              <a:buFont typeface="Wingdings" charset="2"/>
+              <a:buChar char=""/>
+            </a:pPr>
+            <a:r>
+              <a:rPr b="0" lang="en-GB" sz="1800" spc="-1" strike="noStrike">
+                <a:latin typeface="Arial"/>
+              </a:rPr>
+              <a:t>Sixth Outline Level</a:t>
+            </a:r>
+            <a:endParaRPr b="0" lang="en-GB" sz="1800" spc="-1" strike="noStrike">
+              <a:latin typeface="Arial"/>
+            </a:endParaRPr>
+          </a:p>
+          <a:p>
+            <a:pPr lvl="6" marL="3024000" indent="-216000">
+              <a:spcBef>
+                <a:spcPts val="283"/>
+              </a:spcBef>
+              <a:buClr>
+                <a:srgbClr val="000000"/>
+              </a:buClr>
+              <a:buSzPct val="45000"/>
+              <a:buFont typeface="Wingdings" charset="2"/>
+              <a:buChar char=""/>
+            </a:pPr>
+            <a:r>
+              <a:rPr b="0" lang="en-GB" sz="1800" spc="-1" strike="noStrike">
+                <a:latin typeface="Arial"/>
+              </a:rPr>
+              <a:t>Seventh Outline Level</a:t>
+            </a:r>
+            <a:endParaRPr b="0" lang="en-GB" sz="1800" spc="-1" strike="noStrike">
+              <a:latin typeface="Arial"/>
+            </a:endParaRPr>
+          </a:p>
+        </p:txBody>
+      </p:sp>
+    </p:spTree>
+  </p:cSld>
+  <p:clrMap bg1="lt1" bg2="lt2" tx1="dk1" tx2="dk2" accent1="accent1" accent2="accent2" accent3="accent3" accent4="accent4" accent5="accent5" accent6="accent6" hlink="hlink" folHlink="folHlink"/>
+  <p:sldLayoutIdLst>
+    <p:sldLayoutId id="2147483649" r:id="rId2"/>
+    <p:sldLayoutId id="2147483650" r:id="rId3"/>
+    <p:sldLayoutId id="2147483651" r:id="rId4"/>
+    <p:sldLayoutId id="2147483652" r:id="rId5"/>
+    <p:sldLayoutId id="2147483653" r:id="rId6"/>
+    <p:sldLayoutId id="2147483654" r:id="rId7"/>
+    <p:sldLayoutId id="2147483655" r:id="rId8"/>
+    <p:sldLayoutId id="2147483656" r:id="rId9"/>
+    <p:sldLayoutId id="2147483657" r:id="rId10"/>
+    <p:sldLayoutId id="2147483658" r:id="rId11"/>
+    <p:sldLayoutId id="2147483659" r:id="rId12"/>
+    <p:sldLayoutId id="2147483660" r:id="rId13"/>
+  </p:sldLayoutIdLst>
+</p:sldMaster>
+</file>
+
+<file path=ppt/slideMasters/slideMaster2.xml><?xml version="1.0" encoding="utf-8"?>
+<p:sldMaster xmlns:a="http://schemas.openxmlformats.org/drawingml/2006/main" xmlns:p="http://schemas.openxmlformats.org/presentationml/2006/main" xmlns:r="http://schemas.openxmlformats.org/officeDocument/2006/relationships" xmlns:p14="http://schemas.microsoft.com/office/powerpoint/2010/main" xmlns:p15="http://schemas.microsoft.com/office/powerpoint/2012/main" xmlns:mc="http://schemas.openxmlformats.org/markup-compatibility/2006">
+  <p:cSld>
+    <p:spTree>
+      <p:nvGrpSpPr>
+        <p:cNvPr id="1" name=""/>
+        <p:cNvGrpSpPr/>
+        <p:nvPr/>
+      </p:nvGrpSpPr>
+      <p:grpSpPr>
+        <a:xfrm>
+          <a:off x="0" y="0"/>
+          <a:ext cx="0" cy="0"/>
+          <a:chOff x="0" y="0"/>
+          <a:chExt cx="0" cy="0"/>
+        </a:xfrm>
+      </p:grpSpPr>
+      <p:sp>
+        <p:nvSpPr>
+          <p:cNvPr id="38" name="PlaceHolder 1"/>
+          <p:cNvSpPr>
+            <a:spLocks noGrp="1"/>
+          </p:cNvSpPr>
+          <p:nvPr>
+            <p:ph type="title"/>
+          </p:nvPr>
+        </p:nvSpPr>
+        <p:spPr>
+          <a:xfrm>
+            <a:off x="504000" y="226080"/>
+            <a:ext cx="9071280" cy="946080"/>
+          </a:xfrm>
+          <a:prstGeom prst="rect">
+            <a:avLst/>
+          </a:prstGeom>
+        </p:spPr>
+        <p:txBody>
+          <a:bodyPr lIns="0" rIns="0" tIns="0" bIns="0" anchor="ctr"/>
+          <a:p>
+            <a:r>
+              <a:rPr b="0" lang="en-GB" sz="1800" spc="-1" strike="noStrike">
+                <a:latin typeface="Arial"/>
+              </a:rPr>
+              <a:t>Click to edit the title text format</a:t>
+            </a:r>
+            <a:endParaRPr b="0" lang="en-GB" sz="1800" spc="-1" strike="noStrike">
+              <a:latin typeface="Arial"/>
+            </a:endParaRPr>
+          </a:p>
+        </p:txBody>
+      </p:sp>
+      <p:sp>
+        <p:nvSpPr>
+          <p:cNvPr id="39" name="PlaceHolder 2"/>
+          <p:cNvSpPr>
+            <a:spLocks noGrp="1"/>
+          </p:cNvSpPr>
+          <p:nvPr>
+            <p:ph type="body"/>
+          </p:nvPr>
+        </p:nvSpPr>
+        <p:spPr>
+          <a:xfrm>
+            <a:off x="504000" y="1326600"/>
+            <a:ext cx="9072000" cy="3288600"/>
           </a:xfrm>
           <a:prstGeom prst="rect">
             <a:avLst/>
@@ -1580,126 +3896,22 @@
           </a:p>
         </p:txBody>
       </p:sp>
-      <p:sp>
-        <p:nvSpPr>
-          <p:cNvPr id="2" name="PlaceHolder 3"/>
-          <p:cNvSpPr>
-            <a:spLocks noGrp="1"/>
-          </p:cNvSpPr>
-          <p:nvPr>
-            <p:ph type="dt"/>
-          </p:nvPr>
-        </p:nvSpPr>
-        <p:spPr>
-          <a:xfrm>
-            <a:off x="504000" y="5165280"/>
-            <a:ext cx="2348280" cy="390600"/>
-          </a:xfrm>
-          <a:prstGeom prst="rect">
-            <a:avLst/>
-          </a:prstGeom>
-        </p:spPr>
-        <p:txBody>
-          <a:bodyPr lIns="0" rIns="0" tIns="0" bIns="0"/>
-          <a:p>
-            <a:r>
-              <a:rPr b="0" lang="en-GB" sz="1400" spc="-1" strike="noStrike">
-                <a:latin typeface="Times New Roman"/>
-              </a:rPr>
-              <a:t>&lt;date/time&gt;</a:t>
-            </a:r>
-            <a:endParaRPr b="0" lang="en-GB" sz="1400" spc="-1" strike="noStrike">
-              <a:latin typeface="Times New Roman"/>
-            </a:endParaRPr>
-          </a:p>
-        </p:txBody>
-      </p:sp>
-      <p:sp>
-        <p:nvSpPr>
-          <p:cNvPr id="3" name="PlaceHolder 4"/>
-          <p:cNvSpPr>
-            <a:spLocks noGrp="1"/>
-          </p:cNvSpPr>
-          <p:nvPr>
-            <p:ph type="ftr"/>
-          </p:nvPr>
-        </p:nvSpPr>
-        <p:spPr>
-          <a:xfrm>
-            <a:off x="3447360" y="5165280"/>
-            <a:ext cx="3195000" cy="390600"/>
-          </a:xfrm>
-          <a:prstGeom prst="rect">
-            <a:avLst/>
-          </a:prstGeom>
-        </p:spPr>
-        <p:txBody>
-          <a:bodyPr lIns="0" rIns="0" tIns="0" bIns="0"/>
-          <a:p>
-            <a:pPr algn="ctr"/>
-            <a:r>
-              <a:rPr b="0" lang="en-GB" sz="1400" spc="-1" strike="noStrike">
-                <a:latin typeface="Times New Roman"/>
-              </a:rPr>
-              <a:t>&lt;footer&gt;</a:t>
-            </a:r>
-            <a:endParaRPr b="0" lang="en-GB" sz="1400" spc="-1" strike="noStrike">
-              <a:latin typeface="Times New Roman"/>
-            </a:endParaRPr>
-          </a:p>
-        </p:txBody>
-      </p:sp>
-      <p:sp>
-        <p:nvSpPr>
-          <p:cNvPr id="4" name="PlaceHolder 5"/>
-          <p:cNvSpPr>
-            <a:spLocks noGrp="1"/>
-          </p:cNvSpPr>
-          <p:nvPr>
-            <p:ph type="sldNum"/>
-          </p:nvPr>
-        </p:nvSpPr>
-        <p:spPr>
-          <a:xfrm>
-            <a:off x="7227360" y="5165280"/>
-            <a:ext cx="2348280" cy="390600"/>
-          </a:xfrm>
-          <a:prstGeom prst="rect">
-            <a:avLst/>
-          </a:prstGeom>
-        </p:spPr>
-        <p:txBody>
-          <a:bodyPr lIns="0" rIns="0" tIns="0" bIns="0"/>
-          <a:p>
-            <a:pPr algn="r"/>
-            <a:fld id="{B331F378-93D7-4F15-9BBE-0D1BB3F376DD}" type="slidenum">
-              <a:rPr b="0" lang="en-GB" sz="1400" spc="-1" strike="noStrike">
-                <a:latin typeface="Times New Roman"/>
-              </a:rPr>
-              <a:t>&lt;number&gt;</a:t>
-            </a:fld>
-            <a:endParaRPr b="0" lang="en-GB" sz="1400" spc="-1" strike="noStrike">
-              <a:latin typeface="Times New Roman"/>
-            </a:endParaRPr>
-          </a:p>
-        </p:txBody>
-      </p:sp>
     </p:spTree>
   </p:cSld>
   <p:clrMap bg1="lt1" bg2="lt2" tx1="dk1" tx2="dk2" accent1="accent1" accent2="accent2" accent3="accent3" accent4="accent4" accent5="accent5" accent6="accent6" hlink="hlink" folHlink="folHlink"/>
   <p:sldLayoutIdLst>
-    <p:sldLayoutId id="2147483649" r:id="rId2"/>
-    <p:sldLayoutId id="2147483650" r:id="rId3"/>
-    <p:sldLayoutId id="2147483651" r:id="rId4"/>
-    <p:sldLayoutId id="2147483652" r:id="rId5"/>
-    <p:sldLayoutId id="2147483653" r:id="rId6"/>
-    <p:sldLayoutId id="2147483654" r:id="rId7"/>
-    <p:sldLayoutId id="2147483655" r:id="rId8"/>
-    <p:sldLayoutId id="2147483656" r:id="rId9"/>
-    <p:sldLayoutId id="2147483657" r:id="rId10"/>
-    <p:sldLayoutId id="2147483658" r:id="rId11"/>
-    <p:sldLayoutId id="2147483659" r:id="rId12"/>
-    <p:sldLayoutId id="2147483660" r:id="rId13"/>
+    <p:sldLayoutId id="2147483662" r:id="rId2"/>
+    <p:sldLayoutId id="2147483663" r:id="rId3"/>
+    <p:sldLayoutId id="2147483664" r:id="rId4"/>
+    <p:sldLayoutId id="2147483665" r:id="rId5"/>
+    <p:sldLayoutId id="2147483666" r:id="rId6"/>
+    <p:sldLayoutId id="2147483667" r:id="rId7"/>
+    <p:sldLayoutId id="2147483668" r:id="rId8"/>
+    <p:sldLayoutId id="2147483669" r:id="rId9"/>
+    <p:sldLayoutId id="2147483670" r:id="rId10"/>
+    <p:sldLayoutId id="2147483671" r:id="rId11"/>
+    <p:sldLayoutId id="2147483672" r:id="rId12"/>
+    <p:sldLayoutId id="2147483673" r:id="rId13"/>
   </p:sldLayoutIdLst>
 </p:sldMaster>
 </file>
@@ -1723,14 +3935,14 @@
       </p:grpSpPr>
       <p:sp>
         <p:nvSpPr>
-          <p:cNvPr id="41" name="TextShape 1"/>
-          <p:cNvSpPr txBox="1"/>
+          <p:cNvPr id="82" name="CustomShape 1"/>
+          <p:cNvSpPr/>
           <p:nvPr/>
         </p:nvSpPr>
         <p:spPr>
           <a:xfrm>
-            <a:off x="504000" y="226080"/>
-            <a:ext cx="9071640" cy="946440"/>
+            <a:off x="720000" y="3960000"/>
+            <a:ext cx="9071280" cy="3287880"/>
           </a:xfrm>
           <a:prstGeom prst="rect">
             <a:avLst/>
@@ -1740,39 +3952,37 @@
             <a:noFill/>
           </a:ln>
         </p:spPr>
-        <p:txBody>
-          <a:bodyPr lIns="0" rIns="0" tIns="0" bIns="0" anchor="ctr"/>
-          <a:p>
-            <a:pPr algn="ctr"/>
-            <a:endParaRPr b="0" lang="en-GB" sz="4400" spc="-1" strike="noStrike">
-              <a:latin typeface="Arial"/>
-            </a:endParaRPr>
-          </a:p>
-        </p:txBody>
-      </p:sp>
-      <p:sp>
-        <p:nvSpPr>
-          <p:cNvPr id="42" name="TextShape 2"/>
-          <p:cNvSpPr txBox="1"/>
-          <p:nvPr/>
-        </p:nvSpPr>
-        <p:spPr>
-          <a:xfrm>
-            <a:off x="504000" y="1326600"/>
-            <a:ext cx="9071640" cy="3288240"/>
-          </a:xfrm>
-          <a:prstGeom prst="rect">
-            <a:avLst/>
-          </a:prstGeom>
-          <a:noFill/>
-          <a:ln>
-            <a:noFill/>
-          </a:ln>
-        </p:spPr>
-        <p:txBody>
-          <a:bodyPr lIns="0" rIns="0" tIns="0" bIns="0" anchor="ctr"/>
-          <a:p>
-            <a:pPr algn="ctr"/>
+        <p:style>
+          <a:lnRef idx="0"/>
+          <a:fillRef idx="0"/>
+          <a:effectRef idx="0"/>
+          <a:fontRef idx="minor"/>
+        </p:style>
+        <p:txBody>
+          <a:bodyPr lIns="0" rIns="0" tIns="0" bIns="0">
+            <a:normAutofit/>
+          </a:bodyPr>
+          <a:p>
+            <a:pPr marL="432000" indent="-323640">
+              <a:lnSpc>
+                <a:spcPct val="100000"/>
+              </a:lnSpc>
+              <a:spcBef>
+                <a:spcPts val="1417"/>
+              </a:spcBef>
+              <a:buClr>
+                <a:srgbClr val="000000"/>
+              </a:buClr>
+              <a:buSzPct val="45000"/>
+              <a:buFont typeface="Wingdings" charset="2"/>
+              <a:buChar char=""/>
+            </a:pPr>
+            <a:r>
+              <a:rPr b="0" lang="en-GB" sz="3200" spc="-1" strike="noStrike">
+                <a:latin typeface="Arial"/>
+              </a:rPr>
+              <a:t>In a world of Distributed Computing</a:t>
+            </a:r>
             <a:endParaRPr b="0" lang="en-GB" sz="3200" spc="-1" strike="noStrike">
               <a:latin typeface="Arial"/>
             </a:endParaRPr>
@@ -1781,7 +3991,7 @@
       </p:sp>
       <p:pic>
         <p:nvPicPr>
-          <p:cNvPr id="43" name="" descr=""/>
+          <p:cNvPr id="83" name="" descr=""/>
           <p:cNvPicPr/>
           <p:nvPr/>
         </p:nvPicPr>
@@ -1791,8 +4001,8 @@
         </p:blipFill>
         <p:spPr>
           <a:xfrm>
-            <a:off x="1830600" y="1081080"/>
-            <a:ext cx="6476760" cy="3552480"/>
+            <a:off x="2007720" y="196200"/>
+            <a:ext cx="6127920" cy="3259440"/>
           </a:xfrm>
           <a:prstGeom prst="rect">
             <a:avLst/>
@@ -1811,6 +4021,1235 @@
           <p:childTnLst>
             <p:seq>
               <p:cTn id="2" dur="indefinite" nodeType="mainSeq"/>
+              <p:prevCondLst>
+                <p:cond delay="0" evt="onPrev">
+                  <p:tgtEl>
+                    <p:sldTgt/>
+                  </p:tgtEl>
+                </p:cond>
+              </p:prevCondLst>
+              <p:nextCondLst>
+                <p:cond delay="0" evt="onNext">
+                  <p:tgtEl>
+                    <p:sldTgt/>
+                  </p:tgtEl>
+                </p:cond>
+              </p:nextCondLst>
+            </p:seq>
+          </p:childTnLst>
+        </p:cTn>
+      </p:par>
+    </p:tnLst>
+  </p:timing>
+</p:sld>
+</file>
+
+<file path=ppt/slides/slide10.xml><?xml version="1.0" encoding="utf-8"?>
+<p:sld xmlns:a="http://schemas.openxmlformats.org/drawingml/2006/main" xmlns:p="http://schemas.openxmlformats.org/presentationml/2006/main" xmlns:r="http://schemas.openxmlformats.org/officeDocument/2006/relationships" xmlns:p14="http://schemas.microsoft.com/office/powerpoint/2010/main" xmlns:p15="http://schemas.microsoft.com/office/powerpoint/2012/main" xmlns:mc="http://schemas.openxmlformats.org/markup-compatibility/2006">
+  <p:cSld>
+    <p:spTree>
+      <p:nvGrpSpPr>
+        <p:cNvPr id="1" name=""/>
+        <p:cNvGrpSpPr/>
+        <p:nvPr/>
+      </p:nvGrpSpPr>
+      <p:grpSpPr>
+        <a:xfrm>
+          <a:off x="0" y="0"/>
+          <a:ext cx="0" cy="0"/>
+          <a:chOff x="0" y="0"/>
+          <a:chExt cx="0" cy="0"/>
+        </a:xfrm>
+      </p:grpSpPr>
+      <p:sp>
+        <p:nvSpPr>
+          <p:cNvPr id="109" name="CustomShape 1"/>
+          <p:cNvSpPr/>
+          <p:nvPr/>
+        </p:nvSpPr>
+        <p:spPr>
+          <a:xfrm>
+            <a:off x="504000" y="74160"/>
+            <a:ext cx="9071280" cy="1249920"/>
+          </a:xfrm>
+          <a:prstGeom prst="rect">
+            <a:avLst/>
+          </a:prstGeom>
+          <a:noFill/>
+          <a:ln>
+            <a:noFill/>
+          </a:ln>
+        </p:spPr>
+        <p:style>
+          <a:lnRef idx="0"/>
+          <a:fillRef idx="0"/>
+          <a:effectRef idx="0"/>
+          <a:fontRef idx="minor"/>
+        </p:style>
+        <p:txBody>
+          <a:bodyPr lIns="0" rIns="0" tIns="0" bIns="0" anchor="ctr"/>
+          <a:p>
+            <a:pPr algn="ctr">
+              <a:lnSpc>
+                <a:spcPct val="100000"/>
+              </a:lnSpc>
+            </a:pPr>
+            <a:r>
+              <a:rPr b="0" lang="en-GB" sz="4400" spc="-1" strike="noStrike">
+                <a:latin typeface="Arial"/>
+              </a:rPr>
+              <a:t>Let there be the light: MapReduce</a:t>
+            </a:r>
+            <a:endParaRPr b="0" lang="en-GB" sz="4400" spc="-1" strike="noStrike">
+              <a:latin typeface="Arial"/>
+            </a:endParaRPr>
+          </a:p>
+        </p:txBody>
+      </p:sp>
+      <p:sp>
+        <p:nvSpPr>
+          <p:cNvPr id="110" name="CustomShape 2"/>
+          <p:cNvSpPr/>
+          <p:nvPr/>
+        </p:nvSpPr>
+        <p:spPr>
+          <a:xfrm>
+            <a:off x="504000" y="1326600"/>
+            <a:ext cx="9071280" cy="3287880"/>
+          </a:xfrm>
+          <a:prstGeom prst="rect">
+            <a:avLst/>
+          </a:prstGeom>
+          <a:noFill/>
+          <a:ln>
+            <a:noFill/>
+          </a:ln>
+        </p:spPr>
+        <p:style>
+          <a:lnRef idx="0"/>
+          <a:fillRef idx="0"/>
+          <a:effectRef idx="0"/>
+          <a:fontRef idx="minor"/>
+        </p:style>
+      </p:sp>
+      <p:pic>
+        <p:nvPicPr>
+          <p:cNvPr id="111" name="" descr=""/>
+          <p:cNvPicPr/>
+          <p:nvPr/>
+        </p:nvPicPr>
+        <p:blipFill>
+          <a:blip r:embed="rId1"/>
+          <a:stretch/>
+        </p:blipFill>
+        <p:spPr>
+          <a:xfrm>
+            <a:off x="1803600" y="1224000"/>
+            <a:ext cx="6476400" cy="4533120"/>
+          </a:xfrm>
+          <a:prstGeom prst="rect">
+            <a:avLst/>
+          </a:prstGeom>
+          <a:ln>
+            <a:noFill/>
+          </a:ln>
+        </p:spPr>
+      </p:pic>
+    </p:spTree>
+  </p:cSld>
+  <p:timing>
+    <p:tnLst>
+      <p:par>
+        <p:cTn id="19" dur="indefinite" restart="never" nodeType="tmRoot">
+          <p:childTnLst>
+            <p:seq>
+              <p:cTn id="20" dur="indefinite" nodeType="mainSeq"/>
+              <p:prevCondLst>
+                <p:cond delay="0" evt="onPrev">
+                  <p:tgtEl>
+                    <p:sldTgt/>
+                  </p:tgtEl>
+                </p:cond>
+              </p:prevCondLst>
+              <p:nextCondLst>
+                <p:cond delay="0" evt="onNext">
+                  <p:tgtEl>
+                    <p:sldTgt/>
+                  </p:tgtEl>
+                </p:cond>
+              </p:nextCondLst>
+            </p:seq>
+          </p:childTnLst>
+        </p:cTn>
+      </p:par>
+    </p:tnLst>
+  </p:timing>
+</p:sld>
+</file>
+
+<file path=ppt/slides/slide11.xml><?xml version="1.0" encoding="utf-8"?>
+<p:sld xmlns:a="http://schemas.openxmlformats.org/drawingml/2006/main" xmlns:p="http://schemas.openxmlformats.org/presentationml/2006/main" xmlns:r="http://schemas.openxmlformats.org/officeDocument/2006/relationships" xmlns:p14="http://schemas.microsoft.com/office/powerpoint/2010/main" xmlns:p15="http://schemas.microsoft.com/office/powerpoint/2012/main" xmlns:mc="http://schemas.openxmlformats.org/markup-compatibility/2006">
+  <p:cSld>
+    <p:spTree>
+      <p:nvGrpSpPr>
+        <p:cNvPr id="1" name=""/>
+        <p:cNvGrpSpPr/>
+        <p:nvPr/>
+      </p:nvGrpSpPr>
+      <p:grpSpPr>
+        <a:xfrm>
+          <a:off x="0" y="0"/>
+          <a:ext cx="0" cy="0"/>
+          <a:chOff x="0" y="0"/>
+          <a:chExt cx="0" cy="0"/>
+        </a:xfrm>
+      </p:grpSpPr>
+      <p:sp>
+        <p:nvSpPr>
+          <p:cNvPr id="112" name="CustomShape 1"/>
+          <p:cNvSpPr/>
+          <p:nvPr/>
+        </p:nvSpPr>
+        <p:spPr>
+          <a:xfrm>
+            <a:off x="504000" y="226080"/>
+            <a:ext cx="9071280" cy="946080"/>
+          </a:xfrm>
+          <a:prstGeom prst="rect">
+            <a:avLst/>
+          </a:prstGeom>
+          <a:noFill/>
+          <a:ln>
+            <a:noFill/>
+          </a:ln>
+        </p:spPr>
+        <p:style>
+          <a:lnRef idx="0"/>
+          <a:fillRef idx="0"/>
+          <a:effectRef idx="0"/>
+          <a:fontRef idx="minor"/>
+        </p:style>
+      </p:sp>
+      <p:sp>
+        <p:nvSpPr>
+          <p:cNvPr id="113" name="CustomShape 2"/>
+          <p:cNvSpPr/>
+          <p:nvPr/>
+        </p:nvSpPr>
+        <p:spPr>
+          <a:xfrm>
+            <a:off x="504000" y="1326600"/>
+            <a:ext cx="9071280" cy="3287880"/>
+          </a:xfrm>
+          <a:prstGeom prst="rect">
+            <a:avLst/>
+          </a:prstGeom>
+          <a:noFill/>
+          <a:ln>
+            <a:noFill/>
+          </a:ln>
+        </p:spPr>
+        <p:style>
+          <a:lnRef idx="0"/>
+          <a:fillRef idx="0"/>
+          <a:effectRef idx="0"/>
+          <a:fontRef idx="minor"/>
+        </p:style>
+      </p:sp>
+      <p:pic>
+        <p:nvPicPr>
+          <p:cNvPr id="114" name="" descr=""/>
+          <p:cNvPicPr/>
+          <p:nvPr/>
+        </p:nvPicPr>
+        <p:blipFill>
+          <a:blip r:embed="rId1"/>
+          <a:stretch/>
+        </p:blipFill>
+        <p:spPr>
+          <a:xfrm>
+            <a:off x="1830600" y="748440"/>
+            <a:ext cx="6476400" cy="4895280"/>
+          </a:xfrm>
+          <a:prstGeom prst="rect">
+            <a:avLst/>
+          </a:prstGeom>
+          <a:ln>
+            <a:noFill/>
+          </a:ln>
+        </p:spPr>
+      </p:pic>
+      <p:sp>
+        <p:nvSpPr>
+          <p:cNvPr id="115" name="CustomShape 3"/>
+          <p:cNvSpPr/>
+          <p:nvPr/>
+        </p:nvSpPr>
+        <p:spPr>
+          <a:xfrm>
+            <a:off x="504000" y="226080"/>
+            <a:ext cx="9071280" cy="946080"/>
+          </a:xfrm>
+          <a:prstGeom prst="rect">
+            <a:avLst/>
+          </a:prstGeom>
+          <a:noFill/>
+          <a:ln>
+            <a:noFill/>
+          </a:ln>
+        </p:spPr>
+        <p:style>
+          <a:lnRef idx="0"/>
+          <a:fillRef idx="0"/>
+          <a:effectRef idx="0"/>
+          <a:fontRef idx="minor"/>
+        </p:style>
+        <p:txBody>
+          <a:bodyPr lIns="0" rIns="0" tIns="0" bIns="0" anchor="ctr"/>
+          <a:p>
+            <a:pPr algn="ctr">
+              <a:lnSpc>
+                <a:spcPct val="100000"/>
+              </a:lnSpc>
+            </a:pPr>
+            <a:r>
+              <a:rPr b="0" lang="en-GB" sz="4400" spc="-1" strike="noStrike">
+                <a:latin typeface="Arial"/>
+              </a:rPr>
+              <a:t>MapReduce word count</a:t>
+            </a:r>
+            <a:endParaRPr b="0" lang="en-GB" sz="4400" spc="-1" strike="noStrike">
+              <a:latin typeface="Arial"/>
+            </a:endParaRPr>
+          </a:p>
+        </p:txBody>
+      </p:sp>
+    </p:spTree>
+  </p:cSld>
+  <p:timing>
+    <p:tnLst>
+      <p:par>
+        <p:cTn id="21" dur="indefinite" restart="never" nodeType="tmRoot">
+          <p:childTnLst>
+            <p:seq>
+              <p:cTn id="22" dur="indefinite" nodeType="mainSeq"/>
+              <p:prevCondLst>
+                <p:cond delay="0" evt="onPrev">
+                  <p:tgtEl>
+                    <p:sldTgt/>
+                  </p:tgtEl>
+                </p:cond>
+              </p:prevCondLst>
+              <p:nextCondLst>
+                <p:cond delay="0" evt="onNext">
+                  <p:tgtEl>
+                    <p:sldTgt/>
+                  </p:tgtEl>
+                </p:cond>
+              </p:nextCondLst>
+            </p:seq>
+          </p:childTnLst>
+        </p:cTn>
+      </p:par>
+    </p:tnLst>
+  </p:timing>
+</p:sld>
+</file>
+
+<file path=ppt/slides/slide12.xml><?xml version="1.0" encoding="utf-8"?>
+<p:sld xmlns:a="http://schemas.openxmlformats.org/drawingml/2006/main" xmlns:p="http://schemas.openxmlformats.org/presentationml/2006/main" xmlns:r="http://schemas.openxmlformats.org/officeDocument/2006/relationships" xmlns:p14="http://schemas.microsoft.com/office/powerpoint/2010/main" xmlns:p15="http://schemas.microsoft.com/office/powerpoint/2012/main" xmlns:mc="http://schemas.openxmlformats.org/markup-compatibility/2006">
+  <p:cSld>
+    <p:spTree>
+      <p:nvGrpSpPr>
+        <p:cNvPr id="1" name=""/>
+        <p:cNvGrpSpPr/>
+        <p:nvPr/>
+      </p:nvGrpSpPr>
+      <p:grpSpPr>
+        <a:xfrm>
+          <a:off x="0" y="0"/>
+          <a:ext cx="0" cy="0"/>
+          <a:chOff x="0" y="0"/>
+          <a:chExt cx="0" cy="0"/>
+        </a:xfrm>
+      </p:grpSpPr>
+      <p:sp>
+        <p:nvSpPr>
+          <p:cNvPr id="116" name="CustomShape 1"/>
+          <p:cNvSpPr/>
+          <p:nvPr/>
+        </p:nvSpPr>
+        <p:spPr>
+          <a:xfrm>
+            <a:off x="504000" y="226080"/>
+            <a:ext cx="9071280" cy="946080"/>
+          </a:xfrm>
+          <a:prstGeom prst="rect">
+            <a:avLst/>
+          </a:prstGeom>
+          <a:noFill/>
+          <a:ln>
+            <a:noFill/>
+          </a:ln>
+        </p:spPr>
+        <p:style>
+          <a:lnRef idx="0"/>
+          <a:fillRef idx="0"/>
+          <a:effectRef idx="0"/>
+          <a:fontRef idx="minor"/>
+        </p:style>
+      </p:sp>
+      <p:sp>
+        <p:nvSpPr>
+          <p:cNvPr id="117" name="CustomShape 2"/>
+          <p:cNvSpPr/>
+          <p:nvPr/>
+        </p:nvSpPr>
+        <p:spPr>
+          <a:xfrm>
+            <a:off x="504000" y="1326600"/>
+            <a:ext cx="9071280" cy="3287880"/>
+          </a:xfrm>
+          <a:prstGeom prst="rect">
+            <a:avLst/>
+          </a:prstGeom>
+          <a:noFill/>
+          <a:ln>
+            <a:noFill/>
+          </a:ln>
+        </p:spPr>
+        <p:style>
+          <a:lnRef idx="0"/>
+          <a:fillRef idx="0"/>
+          <a:effectRef idx="0"/>
+          <a:fontRef idx="minor"/>
+        </p:style>
+      </p:sp>
+      <p:pic>
+        <p:nvPicPr>
+          <p:cNvPr id="118" name="" descr=""/>
+          <p:cNvPicPr/>
+          <p:nvPr/>
+        </p:nvPicPr>
+        <p:blipFill>
+          <a:blip r:embed="rId1"/>
+          <a:stretch/>
+        </p:blipFill>
+        <p:spPr>
+          <a:xfrm>
+            <a:off x="1830600" y="1372320"/>
+            <a:ext cx="6476400" cy="3647520"/>
+          </a:xfrm>
+          <a:prstGeom prst="rect">
+            <a:avLst/>
+          </a:prstGeom>
+          <a:ln>
+            <a:noFill/>
+          </a:ln>
+        </p:spPr>
+      </p:pic>
+      <p:sp>
+        <p:nvSpPr>
+          <p:cNvPr id="119" name="CustomShape 3"/>
+          <p:cNvSpPr/>
+          <p:nvPr/>
+        </p:nvSpPr>
+        <p:spPr>
+          <a:xfrm>
+            <a:off x="504000" y="226080"/>
+            <a:ext cx="9071280" cy="946080"/>
+          </a:xfrm>
+          <a:prstGeom prst="rect">
+            <a:avLst/>
+          </a:prstGeom>
+          <a:noFill/>
+          <a:ln>
+            <a:noFill/>
+          </a:ln>
+        </p:spPr>
+        <p:style>
+          <a:lnRef idx="0"/>
+          <a:fillRef idx="0"/>
+          <a:effectRef idx="0"/>
+          <a:fontRef idx="minor"/>
+        </p:style>
+        <p:txBody>
+          <a:bodyPr lIns="0" rIns="0" tIns="0" bIns="0" anchor="ctr"/>
+          <a:p>
+            <a:pPr algn="ctr">
+              <a:lnSpc>
+                <a:spcPct val="100000"/>
+              </a:lnSpc>
+            </a:pPr>
+            <a:r>
+              <a:rPr b="0" lang="en-GB" sz="4400" spc="-1" strike="noStrike">
+                <a:latin typeface="Arial"/>
+              </a:rPr>
+              <a:t>MapReduce word count</a:t>
+            </a:r>
+            <a:endParaRPr b="0" lang="en-GB" sz="4400" spc="-1" strike="noStrike">
+              <a:latin typeface="Arial"/>
+            </a:endParaRPr>
+          </a:p>
+        </p:txBody>
+      </p:sp>
+    </p:spTree>
+  </p:cSld>
+  <p:timing>
+    <p:tnLst>
+      <p:par>
+        <p:cTn id="23" dur="indefinite" restart="never" nodeType="tmRoot">
+          <p:childTnLst>
+            <p:seq>
+              <p:cTn id="24" dur="indefinite" nodeType="mainSeq"/>
+              <p:prevCondLst>
+                <p:cond delay="0" evt="onPrev">
+                  <p:tgtEl>
+                    <p:sldTgt/>
+                  </p:tgtEl>
+                </p:cond>
+              </p:prevCondLst>
+              <p:nextCondLst>
+                <p:cond delay="0" evt="onNext">
+                  <p:tgtEl>
+                    <p:sldTgt/>
+                  </p:tgtEl>
+                </p:cond>
+              </p:nextCondLst>
+            </p:seq>
+          </p:childTnLst>
+        </p:cTn>
+      </p:par>
+    </p:tnLst>
+  </p:timing>
+</p:sld>
+</file>
+
+<file path=ppt/slides/slide13.xml><?xml version="1.0" encoding="utf-8"?>
+<p:sld xmlns:a="http://schemas.openxmlformats.org/drawingml/2006/main" xmlns:p="http://schemas.openxmlformats.org/presentationml/2006/main" xmlns:r="http://schemas.openxmlformats.org/officeDocument/2006/relationships" xmlns:p14="http://schemas.microsoft.com/office/powerpoint/2010/main" xmlns:p15="http://schemas.microsoft.com/office/powerpoint/2012/main" xmlns:mc="http://schemas.openxmlformats.org/markup-compatibility/2006">
+  <p:cSld>
+    <p:spTree>
+      <p:nvGrpSpPr>
+        <p:cNvPr id="1" name=""/>
+        <p:cNvGrpSpPr/>
+        <p:nvPr/>
+      </p:nvGrpSpPr>
+      <p:grpSpPr>
+        <a:xfrm>
+          <a:off x="0" y="0"/>
+          <a:ext cx="0" cy="0"/>
+          <a:chOff x="0" y="0"/>
+          <a:chExt cx="0" cy="0"/>
+        </a:xfrm>
+      </p:grpSpPr>
+      <p:sp>
+        <p:nvSpPr>
+          <p:cNvPr id="120" name="TextShape 1"/>
+          <p:cNvSpPr txBox="1"/>
+          <p:nvPr/>
+        </p:nvSpPr>
+        <p:spPr>
+          <a:xfrm>
+            <a:off x="504000" y="74160"/>
+            <a:ext cx="9071280" cy="1250280"/>
+          </a:xfrm>
+          <a:prstGeom prst="rect">
+            <a:avLst/>
+          </a:prstGeom>
+          <a:noFill/>
+          <a:ln>
+            <a:noFill/>
+          </a:ln>
+        </p:spPr>
+        <p:txBody>
+          <a:bodyPr lIns="0" rIns="0" tIns="0" bIns="0" anchor="ctr"/>
+          <a:p>
+            <a:pPr algn="ctr"/>
+            <a:r>
+              <a:rPr b="0" lang="en-GB" sz="4400" spc="-1" strike="noStrike">
+                <a:latin typeface="Arial"/>
+              </a:rPr>
+              <a:t>How it Runs on a Cluster</a:t>
+            </a:r>
+            <a:endParaRPr b="0" lang="en-GB" sz="4400" spc="-1" strike="noStrike">
+              <a:latin typeface="Arial"/>
+            </a:endParaRPr>
+          </a:p>
+          <a:p>
+            <a:pPr algn="ctr"/>
+            <a:endParaRPr b="0" lang="en-GB" sz="4400" spc="-1" strike="noStrike">
+              <a:latin typeface="Arial"/>
+            </a:endParaRPr>
+          </a:p>
+        </p:txBody>
+      </p:sp>
+      <p:pic>
+        <p:nvPicPr>
+          <p:cNvPr id="121" name="" descr=""/>
+          <p:cNvPicPr/>
+          <p:nvPr/>
+        </p:nvPicPr>
+        <p:blipFill>
+          <a:blip r:embed="rId1"/>
+          <a:stretch/>
+        </p:blipFill>
+        <p:spPr>
+          <a:xfrm>
+            <a:off x="2880000" y="1194120"/>
+            <a:ext cx="5109120" cy="4349880"/>
+          </a:xfrm>
+          <a:prstGeom prst="rect">
+            <a:avLst/>
+          </a:prstGeom>
+          <a:ln>
+            <a:noFill/>
+          </a:ln>
+        </p:spPr>
+      </p:pic>
+    </p:spTree>
+  </p:cSld>
+  <p:timing>
+    <p:tnLst>
+      <p:par>
+        <p:cTn id="25" dur="indefinite" restart="never" nodeType="tmRoot">
+          <p:childTnLst>
+            <p:seq>
+              <p:cTn id="26" dur="indefinite" nodeType="mainSeq"/>
+              <p:prevCondLst>
+                <p:cond delay="0" evt="onPrev">
+                  <p:tgtEl>
+                    <p:sldTgt/>
+                  </p:tgtEl>
+                </p:cond>
+              </p:prevCondLst>
+              <p:nextCondLst>
+                <p:cond delay="0" evt="onNext">
+                  <p:tgtEl>
+                    <p:sldTgt/>
+                  </p:tgtEl>
+                </p:cond>
+              </p:nextCondLst>
+            </p:seq>
+          </p:childTnLst>
+        </p:cTn>
+      </p:par>
+    </p:tnLst>
+  </p:timing>
+</p:sld>
+</file>
+
+<file path=ppt/slides/slide14.xml><?xml version="1.0" encoding="utf-8"?>
+<p:sld xmlns:a="http://schemas.openxmlformats.org/drawingml/2006/main" xmlns:p="http://schemas.openxmlformats.org/presentationml/2006/main" xmlns:r="http://schemas.openxmlformats.org/officeDocument/2006/relationships" xmlns:p14="http://schemas.microsoft.com/office/powerpoint/2010/main" xmlns:p15="http://schemas.microsoft.com/office/powerpoint/2012/main" xmlns:mc="http://schemas.openxmlformats.org/markup-compatibility/2006">
+  <p:cSld>
+    <p:spTree>
+      <p:nvGrpSpPr>
+        <p:cNvPr id="1" name=""/>
+        <p:cNvGrpSpPr/>
+        <p:nvPr/>
+      </p:nvGrpSpPr>
+      <p:grpSpPr>
+        <a:xfrm>
+          <a:off x="0" y="0"/>
+          <a:ext cx="0" cy="0"/>
+          <a:chOff x="0" y="0"/>
+          <a:chExt cx="0" cy="0"/>
+        </a:xfrm>
+      </p:grpSpPr>
+      <p:sp>
+        <p:nvSpPr>
+          <p:cNvPr id="122" name="TextShape 1"/>
+          <p:cNvSpPr txBox="1"/>
+          <p:nvPr/>
+        </p:nvSpPr>
+        <p:spPr>
+          <a:xfrm>
+            <a:off x="504000" y="74160"/>
+            <a:ext cx="9071280" cy="1250280"/>
+          </a:xfrm>
+          <a:prstGeom prst="rect">
+            <a:avLst/>
+          </a:prstGeom>
+          <a:noFill/>
+          <a:ln>
+            <a:noFill/>
+          </a:ln>
+        </p:spPr>
+        <p:txBody>
+          <a:bodyPr lIns="0" rIns="0" tIns="0" bIns="0" anchor="ctr"/>
+          <a:p>
+            <a:pPr algn="ctr"/>
+            <a:r>
+              <a:rPr b="0" lang="en-GB" sz="4400" spc="-1" strike="noStrike">
+                <a:latin typeface="Arial"/>
+              </a:rPr>
+              <a:t>Spark supports the following resource/cluster managers</a:t>
+            </a:r>
+            <a:endParaRPr b="0" lang="en-GB" sz="4400" spc="-1" strike="noStrike">
+              <a:latin typeface="Arial"/>
+            </a:endParaRPr>
+          </a:p>
+        </p:txBody>
+      </p:sp>
+      <p:sp>
+        <p:nvSpPr>
+          <p:cNvPr id="123" name="TextShape 2"/>
+          <p:cNvSpPr txBox="1"/>
+          <p:nvPr/>
+        </p:nvSpPr>
+        <p:spPr>
+          <a:xfrm>
+            <a:off x="843480" y="1872000"/>
+            <a:ext cx="4772520" cy="2166840"/>
+          </a:xfrm>
+          <a:prstGeom prst="rect">
+            <a:avLst/>
+          </a:prstGeom>
+          <a:noFill/>
+          <a:ln>
+            <a:noFill/>
+          </a:ln>
+        </p:spPr>
+        <p:txBody>
+          <a:bodyPr lIns="90000" rIns="90000" tIns="45000" bIns="45000"/>
+          <a:p>
+            <a:pPr marL="216000" indent="-216000">
+              <a:spcBef>
+                <a:spcPts val="1191"/>
+              </a:spcBef>
+              <a:spcAft>
+                <a:spcPts val="992"/>
+              </a:spcAft>
+              <a:buClr>
+                <a:srgbClr val="000000"/>
+              </a:buClr>
+              <a:buSzPct val="45000"/>
+              <a:buFont typeface="Wingdings" charset="2"/>
+              <a:buChar char=""/>
+            </a:pPr>
+            <a:r>
+              <a:rPr b="0" lang="en-GB" sz="3200" spc="-1" strike="noStrike">
+                <a:latin typeface="Abyssinica SIL"/>
+              </a:rPr>
+              <a:t>Spark Standalone</a:t>
+            </a:r>
+            <a:endParaRPr b="0" lang="en-GB" sz="3200" spc="-1" strike="noStrike">
+              <a:latin typeface="Abyssinica SIL"/>
+            </a:endParaRPr>
+          </a:p>
+          <a:p>
+            <a:pPr marL="216000" indent="-216000">
+              <a:spcBef>
+                <a:spcPts val="1191"/>
+              </a:spcBef>
+              <a:spcAft>
+                <a:spcPts val="992"/>
+              </a:spcAft>
+              <a:buClr>
+                <a:srgbClr val="000000"/>
+              </a:buClr>
+              <a:buSzPct val="45000"/>
+              <a:buFont typeface="Wingdings" charset="2"/>
+              <a:buChar char=""/>
+            </a:pPr>
+            <a:r>
+              <a:rPr b="0" lang="en-GB" sz="3200" spc="-1" strike="noStrike">
+                <a:latin typeface="Abyssinica SIL"/>
+              </a:rPr>
+              <a:t>Apache Mesos</a:t>
+            </a:r>
+            <a:endParaRPr b="0" lang="en-GB" sz="3200" spc="-1" strike="noStrike">
+              <a:latin typeface="Abyssinica SIL"/>
+            </a:endParaRPr>
+          </a:p>
+          <a:p>
+            <a:pPr marL="216000" indent="-216000">
+              <a:spcBef>
+                <a:spcPts val="1191"/>
+              </a:spcBef>
+              <a:spcAft>
+                <a:spcPts val="992"/>
+              </a:spcAft>
+              <a:buClr>
+                <a:srgbClr val="000000"/>
+              </a:buClr>
+              <a:buSzPct val="45000"/>
+              <a:buFont typeface="Wingdings" charset="2"/>
+              <a:buChar char=""/>
+            </a:pPr>
+            <a:r>
+              <a:rPr b="0" lang="en-GB" sz="3200" spc="-1" strike="noStrike">
+                <a:latin typeface="Abyssinica SIL"/>
+              </a:rPr>
+              <a:t>Apache Hadoop YARN</a:t>
+            </a:r>
+            <a:endParaRPr b="0" lang="en-GB" sz="3200" spc="-1" strike="noStrike">
+              <a:latin typeface="Abyssinica SIL"/>
+            </a:endParaRPr>
+          </a:p>
+          <a:p>
+            <a:pPr marL="216000" indent="-216000">
+              <a:spcBef>
+                <a:spcPts val="1191"/>
+              </a:spcBef>
+              <a:spcAft>
+                <a:spcPts val="992"/>
+              </a:spcAft>
+              <a:buClr>
+                <a:srgbClr val="000000"/>
+              </a:buClr>
+              <a:buSzPct val="45000"/>
+              <a:buFont typeface="Wingdings" charset="2"/>
+              <a:buChar char=""/>
+            </a:pPr>
+            <a:r>
+              <a:rPr b="0" lang="en-GB" sz="3200" spc="-1" strike="noStrike">
+                <a:latin typeface="Abyssinica SIL"/>
+              </a:rPr>
+              <a:t>Kubernetes</a:t>
+            </a:r>
+            <a:endParaRPr b="0" lang="en-GB" sz="3200" spc="-1" strike="noStrike">
+              <a:latin typeface="Abyssinica SIL"/>
+            </a:endParaRPr>
+          </a:p>
+        </p:txBody>
+      </p:sp>
+    </p:spTree>
+  </p:cSld>
+  <p:timing>
+    <p:tnLst>
+      <p:par>
+        <p:cTn id="27" dur="indefinite" restart="never" nodeType="tmRoot">
+          <p:childTnLst>
+            <p:seq>
+              <p:cTn id="28" dur="indefinite" nodeType="mainSeq"/>
+              <p:prevCondLst>
+                <p:cond delay="0" evt="onPrev">
+                  <p:tgtEl>
+                    <p:sldTgt/>
+                  </p:tgtEl>
+                </p:cond>
+              </p:prevCondLst>
+              <p:nextCondLst>
+                <p:cond delay="0" evt="onNext">
+                  <p:tgtEl>
+                    <p:sldTgt/>
+                  </p:tgtEl>
+                </p:cond>
+              </p:nextCondLst>
+            </p:seq>
+          </p:childTnLst>
+        </p:cTn>
+      </p:par>
+    </p:tnLst>
+  </p:timing>
+</p:sld>
+</file>
+
+<file path=ppt/slides/slide15.xml><?xml version="1.0" encoding="utf-8"?>
+<p:sld xmlns:a="http://schemas.openxmlformats.org/drawingml/2006/main" xmlns:p="http://schemas.openxmlformats.org/presentationml/2006/main" xmlns:r="http://schemas.openxmlformats.org/officeDocument/2006/relationships" xmlns:p14="http://schemas.microsoft.com/office/powerpoint/2010/main" xmlns:p15="http://schemas.microsoft.com/office/powerpoint/2012/main" xmlns:mc="http://schemas.openxmlformats.org/markup-compatibility/2006">
+  <p:cSld>
+    <p:spTree>
+      <p:nvGrpSpPr>
+        <p:cNvPr id="1" name=""/>
+        <p:cNvGrpSpPr/>
+        <p:nvPr/>
+      </p:nvGrpSpPr>
+      <p:grpSpPr>
+        <a:xfrm>
+          <a:off x="0" y="0"/>
+          <a:ext cx="0" cy="0"/>
+          <a:chOff x="0" y="0"/>
+          <a:chExt cx="0" cy="0"/>
+        </a:xfrm>
+      </p:grpSpPr>
+      <p:sp>
+        <p:nvSpPr>
+          <p:cNvPr id="124" name="TextShape 1"/>
+          <p:cNvSpPr txBox="1"/>
+          <p:nvPr/>
+        </p:nvSpPr>
+        <p:spPr>
+          <a:xfrm>
+            <a:off x="504000" y="226080"/>
+            <a:ext cx="9071280" cy="946080"/>
+          </a:xfrm>
+          <a:prstGeom prst="rect">
+            <a:avLst/>
+          </a:prstGeom>
+          <a:noFill/>
+          <a:ln>
+            <a:noFill/>
+          </a:ln>
+        </p:spPr>
+        <p:txBody>
+          <a:bodyPr lIns="0" rIns="0" tIns="0" bIns="0" anchor="ctr"/>
+          <a:p>
+            <a:pPr algn="ctr"/>
+            <a:r>
+              <a:rPr b="0" lang="en-GB" sz="4400" spc="-1" strike="noStrike">
+                <a:latin typeface="Arial"/>
+              </a:rPr>
+              <a:t>Spark vs DataSynapse</a:t>
+            </a:r>
+            <a:endParaRPr b="0" lang="en-GB" sz="4400" spc="-1" strike="noStrike">
+              <a:latin typeface="Arial"/>
+            </a:endParaRPr>
+          </a:p>
+        </p:txBody>
+      </p:sp>
+      <p:pic>
+        <p:nvPicPr>
+          <p:cNvPr id="125" name="" descr=""/>
+          <p:cNvPicPr/>
+          <p:nvPr/>
+        </p:nvPicPr>
+        <p:blipFill>
+          <a:blip r:embed="rId1"/>
+          <a:stretch/>
+        </p:blipFill>
+        <p:spPr>
+          <a:xfrm>
+            <a:off x="1047960" y="1255680"/>
+            <a:ext cx="8096040" cy="4000320"/>
+          </a:xfrm>
+          <a:prstGeom prst="rect">
+            <a:avLst/>
+          </a:prstGeom>
+          <a:ln>
+            <a:noFill/>
+          </a:ln>
+        </p:spPr>
+      </p:pic>
+    </p:spTree>
+  </p:cSld>
+  <p:timing>
+    <p:tnLst>
+      <p:par>
+        <p:cTn id="29" dur="indefinite" restart="never" nodeType="tmRoot">
+          <p:childTnLst>
+            <p:seq>
+              <p:cTn id="30" dur="indefinite" nodeType="mainSeq"/>
+              <p:prevCondLst>
+                <p:cond delay="0" evt="onPrev">
+                  <p:tgtEl>
+                    <p:sldTgt/>
+                  </p:tgtEl>
+                </p:cond>
+              </p:prevCondLst>
+              <p:nextCondLst>
+                <p:cond delay="0" evt="onNext">
+                  <p:tgtEl>
+                    <p:sldTgt/>
+                  </p:tgtEl>
+                </p:cond>
+              </p:nextCondLst>
+            </p:seq>
+          </p:childTnLst>
+        </p:cTn>
+      </p:par>
+    </p:tnLst>
+  </p:timing>
+</p:sld>
+</file>
+
+<file path=ppt/slides/slide16.xml><?xml version="1.0" encoding="utf-8"?>
+<p:sld xmlns:a="http://schemas.openxmlformats.org/drawingml/2006/main" xmlns:p="http://schemas.openxmlformats.org/presentationml/2006/main" xmlns:r="http://schemas.openxmlformats.org/officeDocument/2006/relationships" xmlns:p14="http://schemas.microsoft.com/office/powerpoint/2010/main" xmlns:p15="http://schemas.microsoft.com/office/powerpoint/2012/main" xmlns:mc="http://schemas.openxmlformats.org/markup-compatibility/2006">
+  <p:cSld>
+    <p:spTree>
+      <p:nvGrpSpPr>
+        <p:cNvPr id="1" name=""/>
+        <p:cNvGrpSpPr/>
+        <p:nvPr/>
+      </p:nvGrpSpPr>
+      <p:grpSpPr>
+        <a:xfrm>
+          <a:off x="0" y="0"/>
+          <a:ext cx="0" cy="0"/>
+          <a:chOff x="0" y="0"/>
+          <a:chExt cx="0" cy="0"/>
+        </a:xfrm>
+      </p:grpSpPr>
+      <p:sp>
+        <p:nvSpPr>
+          <p:cNvPr id="126" name="TextShape 1"/>
+          <p:cNvSpPr txBox="1"/>
+          <p:nvPr/>
+        </p:nvSpPr>
+        <p:spPr>
+          <a:xfrm>
+            <a:off x="504000" y="226080"/>
+            <a:ext cx="9071280" cy="946080"/>
+          </a:xfrm>
+          <a:prstGeom prst="rect">
+            <a:avLst/>
+          </a:prstGeom>
+          <a:noFill/>
+          <a:ln>
+            <a:noFill/>
+          </a:ln>
+        </p:spPr>
+        <p:txBody>
+          <a:bodyPr lIns="0" rIns="0" tIns="0" bIns="0" anchor="ctr"/>
+          <a:p>
+            <a:pPr algn="ctr"/>
+            <a:r>
+              <a:rPr b="0" lang="en-GB" sz="4400" spc="-1" strike="noStrike">
+                <a:latin typeface="Arial"/>
+              </a:rPr>
+              <a:t>DataSynapse Task Lifecycle</a:t>
+            </a:r>
+            <a:endParaRPr b="0" lang="en-GB" sz="4400" spc="-1" strike="noStrike">
+              <a:latin typeface="Arial"/>
+            </a:endParaRPr>
+          </a:p>
+        </p:txBody>
+      </p:sp>
+      <p:pic>
+        <p:nvPicPr>
+          <p:cNvPr id="127" name="" descr=""/>
+          <p:cNvPicPr/>
+          <p:nvPr/>
+        </p:nvPicPr>
+        <p:blipFill>
+          <a:blip r:embed="rId1"/>
+          <a:stretch/>
+        </p:blipFill>
+        <p:spPr>
+          <a:xfrm>
+            <a:off x="1428840" y="1172160"/>
+            <a:ext cx="7067160" cy="3971520"/>
+          </a:xfrm>
+          <a:prstGeom prst="rect">
+            <a:avLst/>
+          </a:prstGeom>
+          <a:ln>
+            <a:noFill/>
+          </a:ln>
+        </p:spPr>
+      </p:pic>
+    </p:spTree>
+  </p:cSld>
+  <p:timing>
+    <p:tnLst>
+      <p:par>
+        <p:cTn id="31" dur="indefinite" restart="never" nodeType="tmRoot">
+          <p:childTnLst>
+            <p:seq>
+              <p:cTn id="32" dur="indefinite" nodeType="mainSeq"/>
+              <p:prevCondLst>
+                <p:cond delay="0" evt="onPrev">
+                  <p:tgtEl>
+                    <p:sldTgt/>
+                  </p:tgtEl>
+                </p:cond>
+              </p:prevCondLst>
+              <p:nextCondLst>
+                <p:cond delay="0" evt="onNext">
+                  <p:tgtEl>
+                    <p:sldTgt/>
+                  </p:tgtEl>
+                </p:cond>
+              </p:nextCondLst>
+            </p:seq>
+          </p:childTnLst>
+        </p:cTn>
+      </p:par>
+    </p:tnLst>
+  </p:timing>
+</p:sld>
+</file>
+
+<file path=ppt/slides/slide17.xml><?xml version="1.0" encoding="utf-8"?>
+<p:sld xmlns:a="http://schemas.openxmlformats.org/drawingml/2006/main" xmlns:p="http://schemas.openxmlformats.org/presentationml/2006/main" xmlns:r="http://schemas.openxmlformats.org/officeDocument/2006/relationships" xmlns:p14="http://schemas.microsoft.com/office/powerpoint/2010/main" xmlns:p15="http://schemas.microsoft.com/office/powerpoint/2012/main" xmlns:mc="http://schemas.openxmlformats.org/markup-compatibility/2006">
+  <p:cSld>
+    <p:spTree>
+      <p:nvGrpSpPr>
+        <p:cNvPr id="1" name=""/>
+        <p:cNvGrpSpPr/>
+        <p:nvPr/>
+      </p:nvGrpSpPr>
+      <p:grpSpPr>
+        <a:xfrm>
+          <a:off x="0" y="0"/>
+          <a:ext cx="0" cy="0"/>
+          <a:chOff x="0" y="0"/>
+          <a:chExt cx="0" cy="0"/>
+        </a:xfrm>
+      </p:grpSpPr>
+      <p:sp>
+        <p:nvSpPr>
+          <p:cNvPr id="128" name="TextShape 1"/>
+          <p:cNvSpPr txBox="1"/>
+          <p:nvPr/>
+        </p:nvSpPr>
+        <p:spPr>
+          <a:xfrm>
+            <a:off x="504000" y="226080"/>
+            <a:ext cx="9071280" cy="946080"/>
+          </a:xfrm>
+          <a:prstGeom prst="rect">
+            <a:avLst/>
+          </a:prstGeom>
+          <a:noFill/>
+          <a:ln>
+            <a:noFill/>
+          </a:ln>
+        </p:spPr>
+        <p:txBody>
+          <a:bodyPr lIns="0" rIns="0" tIns="0" bIns="0" anchor="ctr"/>
+          <a:p>
+            <a:pPr algn="ctr"/>
+            <a:r>
+              <a:rPr b="0" lang="en-GB" sz="4400" spc="-1" strike="noStrike">
+                <a:latin typeface="Arial"/>
+              </a:rPr>
+              <a:t>Spark Task Lifecycle</a:t>
+            </a:r>
+            <a:endParaRPr b="0" lang="en-GB" sz="4400" spc="-1" strike="noStrike">
+              <a:latin typeface="Arial"/>
+            </a:endParaRPr>
+          </a:p>
+        </p:txBody>
+      </p:sp>
+      <p:pic>
+        <p:nvPicPr>
+          <p:cNvPr id="129" name="" descr=""/>
+          <p:cNvPicPr/>
+          <p:nvPr/>
+        </p:nvPicPr>
+        <p:blipFill>
+          <a:blip r:embed="rId1"/>
+          <a:stretch/>
+        </p:blipFill>
+        <p:spPr>
+          <a:xfrm>
+            <a:off x="360000" y="1103400"/>
+            <a:ext cx="9360000" cy="4567320"/>
+          </a:xfrm>
+          <a:prstGeom prst="rect">
+            <a:avLst/>
+          </a:prstGeom>
+          <a:ln>
+            <a:noFill/>
+          </a:ln>
+        </p:spPr>
+      </p:pic>
+    </p:spTree>
+  </p:cSld>
+  <p:timing>
+    <p:tnLst>
+      <p:par>
+        <p:cTn id="33" dur="indefinite" restart="never" nodeType="tmRoot">
+          <p:childTnLst>
+            <p:seq>
+              <p:cTn id="34" dur="indefinite" nodeType="mainSeq"/>
+              <p:prevCondLst>
+                <p:cond delay="0" evt="onPrev">
+                  <p:tgtEl>
+                    <p:sldTgt/>
+                  </p:tgtEl>
+                </p:cond>
+              </p:prevCondLst>
+              <p:nextCondLst>
+                <p:cond delay="0" evt="onNext">
+                  <p:tgtEl>
+                    <p:sldTgt/>
+                  </p:tgtEl>
+                </p:cond>
+              </p:nextCondLst>
+            </p:seq>
+          </p:childTnLst>
+        </p:cTn>
+      </p:par>
+    </p:tnLst>
+  </p:timing>
+</p:sld>
+</file>
+
+<file path=ppt/slides/slide18.xml><?xml version="1.0" encoding="utf-8"?>
+<p:sld xmlns:a="http://schemas.openxmlformats.org/drawingml/2006/main" xmlns:p="http://schemas.openxmlformats.org/presentationml/2006/main" xmlns:r="http://schemas.openxmlformats.org/officeDocument/2006/relationships" xmlns:p14="http://schemas.microsoft.com/office/powerpoint/2010/main" xmlns:p15="http://schemas.microsoft.com/office/powerpoint/2012/main" xmlns:mc="http://schemas.openxmlformats.org/markup-compatibility/2006">
+  <p:cSld>
+    <p:spTree>
+      <p:nvGrpSpPr>
+        <p:cNvPr id="1" name=""/>
+        <p:cNvGrpSpPr/>
+        <p:nvPr/>
+      </p:nvGrpSpPr>
+      <p:grpSpPr>
+        <a:xfrm>
+          <a:off x="0" y="0"/>
+          <a:ext cx="0" cy="0"/>
+          <a:chOff x="0" y="0"/>
+          <a:chExt cx="0" cy="0"/>
+        </a:xfrm>
+      </p:grpSpPr>
+      <p:sp>
+        <p:nvSpPr>
+          <p:cNvPr id="130" name="TextShape 1"/>
+          <p:cNvSpPr txBox="1"/>
+          <p:nvPr/>
+        </p:nvSpPr>
+        <p:spPr>
+          <a:xfrm>
+            <a:off x="504000" y="226080"/>
+            <a:ext cx="9071280" cy="946080"/>
+          </a:xfrm>
+          <a:prstGeom prst="rect">
+            <a:avLst/>
+          </a:prstGeom>
+          <a:noFill/>
+          <a:ln>
+            <a:noFill/>
+          </a:ln>
+        </p:spPr>
+        <p:txBody>
+          <a:bodyPr lIns="0" rIns="0" tIns="0" bIns="0" anchor="ctr"/>
+          <a:p>
+            <a:pPr algn="ctr"/>
+            <a:r>
+              <a:rPr b="0" lang="en-GB" sz="4400" spc="-1" strike="noStrike">
+                <a:latin typeface="Arial"/>
+              </a:rPr>
+              <a:t>Any Questions?</a:t>
+            </a:r>
+            <a:endParaRPr b="0" lang="en-GB" sz="4400" spc="-1" strike="noStrike">
+              <a:latin typeface="Arial"/>
+            </a:endParaRPr>
+          </a:p>
+        </p:txBody>
+      </p:sp>
+      <p:pic>
+        <p:nvPicPr>
+          <p:cNvPr id="131" name="" descr=""/>
+          <p:cNvPicPr/>
+          <p:nvPr/>
+        </p:nvPicPr>
+        <p:blipFill>
+          <a:blip r:embed="rId1"/>
+          <a:stretch/>
+        </p:blipFill>
+        <p:spPr>
+          <a:xfrm>
+            <a:off x="2520000" y="1172160"/>
+            <a:ext cx="5439960" cy="3868920"/>
+          </a:xfrm>
+          <a:prstGeom prst="rect">
+            <a:avLst/>
+          </a:prstGeom>
+          <a:ln>
+            <a:noFill/>
+          </a:ln>
+        </p:spPr>
+      </p:pic>
+    </p:spTree>
+  </p:cSld>
+  <p:timing>
+    <p:tnLst>
+      <p:par>
+        <p:cTn id="35" dur="indefinite" restart="never" nodeType="tmRoot">
+          <p:childTnLst>
+            <p:seq>
+              <p:cTn id="36" dur="indefinite" nodeType="mainSeq"/>
               <p:prevCondLst>
                 <p:cond delay="0" evt="onPrev">
                   <p:tgtEl>
@@ -1853,14 +5292,14 @@
       </p:grpSpPr>
       <p:sp>
         <p:nvSpPr>
-          <p:cNvPr id="44" name="TextShape 1"/>
-          <p:cNvSpPr txBox="1"/>
+          <p:cNvPr id="84" name="CustomShape 1"/>
+          <p:cNvSpPr/>
           <p:nvPr/>
         </p:nvSpPr>
         <p:spPr>
           <a:xfrm>
             <a:off x="504000" y="226080"/>
-            <a:ext cx="9071640" cy="946440"/>
+            <a:ext cx="9071280" cy="946080"/>
           </a:xfrm>
           <a:prstGeom prst="rect">
             <a:avLst/>
@@ -1870,10 +5309,26 @@
             <a:noFill/>
           </a:ln>
         </p:spPr>
+        <p:style>
+          <a:lnRef idx="0"/>
+          <a:fillRef idx="0"/>
+          <a:effectRef idx="0"/>
+          <a:fontRef idx="minor"/>
+        </p:style>
         <p:txBody>
           <a:bodyPr lIns="0" rIns="0" tIns="0" bIns="0" anchor="ctr"/>
           <a:p>
-            <a:pPr algn="ctr"/>
+            <a:pPr algn="ctr">
+              <a:lnSpc>
+                <a:spcPct val="100000"/>
+              </a:lnSpc>
+            </a:pPr>
+            <a:r>
+              <a:rPr b="0" lang="en-GB" sz="4400" spc="-1" strike="noStrike">
+                <a:latin typeface="Arial"/>
+              </a:rPr>
+              <a:t>Agenda</a:t>
+            </a:r>
             <a:endParaRPr b="0" lang="en-GB" sz="4400" spc="-1" strike="noStrike">
               <a:latin typeface="Arial"/>
             </a:endParaRPr>
@@ -1882,14 +5337,14 @@
       </p:sp>
       <p:sp>
         <p:nvSpPr>
-          <p:cNvPr id="45" name="TextShape 2"/>
-          <p:cNvSpPr txBox="1"/>
+          <p:cNvPr id="85" name="CustomShape 2"/>
+          <p:cNvSpPr/>
           <p:nvPr/>
         </p:nvSpPr>
         <p:spPr>
           <a:xfrm>
             <a:off x="504000" y="1326600"/>
-            <a:ext cx="9071640" cy="3288240"/>
+            <a:ext cx="9071280" cy="3287880"/>
           </a:xfrm>
           <a:prstGeom prst="rect">
             <a:avLst/>
@@ -1899,40 +5354,118 @@
             <a:noFill/>
           </a:ln>
         </p:spPr>
+        <p:style>
+          <a:lnRef idx="0"/>
+          <a:fillRef idx="0"/>
+          <a:effectRef idx="0"/>
+          <a:fontRef idx="minor"/>
+        </p:style>
         <p:txBody>
           <a:bodyPr lIns="0" rIns="0" tIns="0" bIns="0">
             <a:normAutofit/>
           </a:bodyPr>
           <a:p>
+            <a:pPr marL="432000" indent="-323640">
+              <a:lnSpc>
+                <a:spcPct val="100000"/>
+              </a:lnSpc>
+              <a:spcBef>
+                <a:spcPts val="1417"/>
+              </a:spcBef>
+              <a:buClr>
+                <a:srgbClr val="000000"/>
+              </a:buClr>
+              <a:buSzPct val="45000"/>
+              <a:buFont typeface="Wingdings" charset="2"/>
+              <a:buChar char=""/>
+            </a:pPr>
+            <a:r>
+              <a:rPr b="0" lang="en-GB" sz="3200" spc="-1" strike="noStrike">
+                <a:latin typeface="Arial"/>
+              </a:rPr>
+              <a:t>What is Spark?</a:t>
+            </a:r>
             <a:endParaRPr b="0" lang="en-GB" sz="3200" spc="-1" strike="noStrike">
               <a:latin typeface="Arial"/>
             </a:endParaRPr>
           </a:p>
-        </p:txBody>
-      </p:sp>
-      <p:pic>
-        <p:nvPicPr>
-          <p:cNvPr id="46" name="" descr=""/>
-          <p:cNvPicPr/>
-          <p:nvPr/>
-        </p:nvPicPr>
-        <p:blipFill>
-          <a:blip r:embed="rId1"/>
-          <a:stretch/>
-        </p:blipFill>
-        <p:spPr>
-          <a:xfrm>
-            <a:off x="2016000" y="648000"/>
-            <a:ext cx="5714640" cy="4285800"/>
-          </a:xfrm>
-          <a:prstGeom prst="rect">
-            <a:avLst/>
-          </a:prstGeom>
-          <a:ln>
-            <a:noFill/>
-          </a:ln>
-        </p:spPr>
-      </p:pic>
+          <a:p>
+            <a:pPr marL="432000" indent="-323640">
+              <a:lnSpc>
+                <a:spcPct val="100000"/>
+              </a:lnSpc>
+              <a:spcBef>
+                <a:spcPts val="1417"/>
+              </a:spcBef>
+              <a:buClr>
+                <a:srgbClr val="000000"/>
+              </a:buClr>
+              <a:buSzPct val="45000"/>
+              <a:buFont typeface="Wingdings" charset="2"/>
+              <a:buChar char=""/>
+            </a:pPr>
+            <a:r>
+              <a:rPr b="0" lang="en-GB" sz="3200" spc="-1" strike="noStrike">
+                <a:latin typeface="Arial"/>
+              </a:rPr>
+              <a:t>Why Spark ?</a:t>
+            </a:r>
+            <a:endParaRPr b="0" lang="en-GB" sz="3200" spc="-1" strike="noStrike">
+              <a:latin typeface="Arial"/>
+            </a:endParaRPr>
+          </a:p>
+          <a:p>
+            <a:pPr marL="432000" indent="-323640">
+              <a:lnSpc>
+                <a:spcPct val="100000"/>
+              </a:lnSpc>
+              <a:spcBef>
+                <a:spcPts val="1417"/>
+              </a:spcBef>
+              <a:buClr>
+                <a:srgbClr val="000000"/>
+              </a:buClr>
+              <a:buSzPct val="45000"/>
+              <a:buFont typeface="Wingdings" charset="2"/>
+              <a:buChar char=""/>
+            </a:pPr>
+            <a:r>
+              <a:rPr b="0" lang="en-GB" sz="3200" spc="-1" strike="noStrike">
+                <a:latin typeface="Arial"/>
+              </a:rPr>
+              <a:t>Spark's Features</a:t>
+            </a:r>
+            <a:endParaRPr b="0" lang="en-GB" sz="3200" spc="-1" strike="noStrike">
+              <a:latin typeface="Arial"/>
+            </a:endParaRPr>
+          </a:p>
+          <a:p>
+            <a:pPr marL="432000" indent="-323640">
+              <a:lnSpc>
+                <a:spcPct val="100000"/>
+              </a:lnSpc>
+              <a:spcBef>
+                <a:spcPts val="1417"/>
+              </a:spcBef>
+              <a:buClr>
+                <a:srgbClr val="000000"/>
+              </a:buClr>
+              <a:buSzPct val="45000"/>
+              <a:buFont typeface="Wingdings" charset="2"/>
+              <a:buChar char=""/>
+            </a:pPr>
+            <a:r>
+              <a:rPr b="0" lang="en-GB" sz="3200" spc="-1" strike="noStrike">
+                <a:latin typeface="Arial"/>
+              </a:rPr>
+              <a:t>How does it compare to Grid Computing?</a:t>
+            </a:r>
+            <a:endParaRPr b="0" lang="en-GB" sz="3200" spc="-1" strike="noStrike">
+              <a:latin typeface="Arial"/>
+            </a:endParaRPr>
+          </a:p>
+        </p:txBody>
+      </p:sp>
     </p:spTree>
   </p:cSld>
   <p:timing>
@@ -1984,14 +5517,14 @@
       </p:grpSpPr>
       <p:sp>
         <p:nvSpPr>
-          <p:cNvPr id="47" name="TextShape 1"/>
-          <p:cNvSpPr txBox="1"/>
+          <p:cNvPr id="86" name="CustomShape 1"/>
+          <p:cNvSpPr/>
           <p:nvPr/>
         </p:nvSpPr>
         <p:spPr>
           <a:xfrm>
             <a:off x="504000" y="226080"/>
-            <a:ext cx="9071640" cy="946440"/>
+            <a:ext cx="9071280" cy="946080"/>
           </a:xfrm>
           <a:prstGeom prst="rect">
             <a:avLst/>
@@ -2001,15 +5534,25 @@
             <a:noFill/>
           </a:ln>
         </p:spPr>
+        <p:style>
+          <a:lnRef idx="0"/>
+          <a:fillRef idx="0"/>
+          <a:effectRef idx="0"/>
+          <a:fontRef idx="minor"/>
+        </p:style>
         <p:txBody>
           <a:bodyPr lIns="0" rIns="0" tIns="0" bIns="0" anchor="ctr"/>
           <a:p>
-            <a:pPr algn="ctr"/>
+            <a:pPr algn="ctr">
+              <a:lnSpc>
+                <a:spcPct val="100000"/>
+              </a:lnSpc>
+            </a:pPr>
             <a:r>
               <a:rPr b="0" lang="en-GB" sz="4400" spc="-1" strike="noStrike">
                 <a:latin typeface="Arial"/>
               </a:rPr>
-              <a:t>Then the light</a:t>
+              <a:t>What is Spark?</a:t>
             </a:r>
             <a:endParaRPr b="0" lang="en-GB" sz="4400" spc="-1" strike="noStrike">
               <a:latin typeface="Arial"/>
@@ -2017,39 +5560,9 @@
           </a:p>
         </p:txBody>
       </p:sp>
-      <p:sp>
-        <p:nvSpPr>
-          <p:cNvPr id="48" name="TextShape 2"/>
-          <p:cNvSpPr txBox="1"/>
-          <p:nvPr/>
-        </p:nvSpPr>
-        <p:spPr>
-          <a:xfrm>
-            <a:off x="504000" y="1326600"/>
-            <a:ext cx="9071640" cy="3288240"/>
-          </a:xfrm>
-          <a:prstGeom prst="rect">
-            <a:avLst/>
-          </a:prstGeom>
-          <a:noFill/>
-          <a:ln>
-            <a:noFill/>
-          </a:ln>
-        </p:spPr>
-        <p:txBody>
-          <a:bodyPr lIns="0" rIns="0" tIns="0" bIns="0">
-            <a:normAutofit/>
-          </a:bodyPr>
-          <a:p>
-            <a:endParaRPr b="0" lang="en-GB" sz="3200" spc="-1" strike="noStrike">
-              <a:latin typeface="Arial"/>
-            </a:endParaRPr>
-          </a:p>
-        </p:txBody>
-      </p:sp>
       <p:pic>
         <p:nvPicPr>
-          <p:cNvPr id="49" name="" descr=""/>
+          <p:cNvPr id="87" name="" descr=""/>
           <p:cNvPicPr/>
           <p:nvPr/>
         </p:nvPicPr>
@@ -2059,8 +5572,8 @@
         </p:blipFill>
         <p:spPr>
           <a:xfrm>
-            <a:off x="2664000" y="1480680"/>
-            <a:ext cx="4392000" cy="3594600"/>
+            <a:off x="3387240" y="2639520"/>
+            <a:ext cx="6476400" cy="3552120"/>
           </a:xfrm>
           <a:prstGeom prst="rect">
             <a:avLst/>
@@ -2070,6 +5583,100 @@
           </a:ln>
         </p:spPr>
       </p:pic>
+      <p:sp>
+        <p:nvSpPr>
+          <p:cNvPr id="88" name="CustomShape 2"/>
+          <p:cNvSpPr/>
+          <p:nvPr/>
+        </p:nvSpPr>
+        <p:spPr>
+          <a:xfrm>
+            <a:off x="504360" y="1326600"/>
+            <a:ext cx="9071280" cy="3287880"/>
+          </a:xfrm>
+          <a:prstGeom prst="rect">
+            <a:avLst/>
+          </a:prstGeom>
+          <a:noFill/>
+          <a:ln>
+            <a:noFill/>
+          </a:ln>
+        </p:spPr>
+        <p:style>
+          <a:lnRef idx="0"/>
+          <a:fillRef idx="0"/>
+          <a:effectRef idx="0"/>
+          <a:fontRef idx="minor"/>
+        </p:style>
+        <p:txBody>
+          <a:bodyPr lIns="0" rIns="0" tIns="0" bIns="0">
+            <a:normAutofit/>
+          </a:bodyPr>
+          <a:p>
+            <a:pPr marL="432000" indent="-323640">
+              <a:lnSpc>
+                <a:spcPct val="100000"/>
+              </a:lnSpc>
+              <a:spcBef>
+                <a:spcPts val="1417"/>
+              </a:spcBef>
+              <a:buClr>
+                <a:srgbClr val="000000"/>
+              </a:buClr>
+              <a:buSzPct val="45000"/>
+              <a:buFont typeface="Wingdings" charset="2"/>
+              <a:buChar char=""/>
+            </a:pPr>
+            <a:r>
+              <a:rPr b="0" lang="en-GB" sz="3200" spc="-1" strike="noStrike">
+                <a:latin typeface="Arial"/>
+              </a:rPr>
+              <a:t>General-purpose distributed data processing engine</a:t>
+            </a:r>
+            <a:endParaRPr b="0" lang="en-GB" sz="3200" spc="-1" strike="noStrike">
+              <a:latin typeface="Arial"/>
+            </a:endParaRPr>
+          </a:p>
+          <a:p>
+            <a:pPr marL="432000" indent="-323640">
+              <a:lnSpc>
+                <a:spcPct val="100000"/>
+              </a:lnSpc>
+              <a:spcBef>
+                <a:spcPts val="1417"/>
+              </a:spcBef>
+              <a:buClr>
+                <a:srgbClr val="000000"/>
+              </a:buClr>
+              <a:buSzPct val="45000"/>
+              <a:buFont typeface="Wingdings" charset="2"/>
+              <a:buChar char=""/>
+            </a:pPr>
+            <a:r>
+              <a:rPr b="0" lang="en-GB" sz="3200" spc="-1" strike="noStrike">
+                <a:latin typeface="Arial"/>
+              </a:rPr>
+              <a:t>A few libs...</a:t>
+            </a:r>
+            <a:endParaRPr b="0" lang="en-GB" sz="3200" spc="-1" strike="noStrike">
+              <a:latin typeface="Arial"/>
+            </a:endParaRPr>
+          </a:p>
+          <a:p>
+            <a:pPr>
+              <a:lnSpc>
+                <a:spcPct val="100000"/>
+              </a:lnSpc>
+              <a:spcBef>
+                <a:spcPts val="1417"/>
+              </a:spcBef>
+            </a:pPr>
+            <a:endParaRPr b="0" lang="en-GB" sz="3200" spc="-1" strike="noStrike">
+              <a:latin typeface="Arial"/>
+            </a:endParaRPr>
+          </a:p>
+        </p:txBody>
+      </p:sp>
     </p:spTree>
   </p:cSld>
   <p:timing>
@@ -2121,14 +5728,14 @@
       </p:grpSpPr>
       <p:sp>
         <p:nvSpPr>
-          <p:cNvPr id="50" name="TextShape 1"/>
-          <p:cNvSpPr txBox="1"/>
+          <p:cNvPr id="89" name="CustomShape 1"/>
+          <p:cNvSpPr/>
           <p:nvPr/>
         </p:nvSpPr>
         <p:spPr>
           <a:xfrm>
-            <a:off x="504000" y="74160"/>
-            <a:ext cx="9071640" cy="1250280"/>
+            <a:off x="504000" y="226080"/>
+            <a:ext cx="9071280" cy="946080"/>
           </a:xfrm>
           <a:prstGeom prst="rect">
             <a:avLst/>
@@ -2138,15 +5745,25 @@
             <a:noFill/>
           </a:ln>
         </p:spPr>
+        <p:style>
+          <a:lnRef idx="0"/>
+          <a:fillRef idx="0"/>
+          <a:effectRef idx="0"/>
+          <a:fontRef idx="minor"/>
+        </p:style>
         <p:txBody>
           <a:bodyPr lIns="0" rIns="0" tIns="0" bIns="0" anchor="ctr"/>
           <a:p>
-            <a:pPr algn="ctr"/>
+            <a:pPr algn="ctr">
+              <a:lnSpc>
+                <a:spcPct val="100000"/>
+              </a:lnSpc>
+            </a:pPr>
             <a:r>
               <a:rPr b="0" lang="en-GB" sz="4400" spc="-1" strike="noStrike">
                 <a:latin typeface="Arial"/>
               </a:rPr>
-              <a:t>In the beginning there was MapReduce</a:t>
+              <a:t>Why Spark?</a:t>
             </a:r>
             <a:endParaRPr b="0" lang="en-GB" sz="4400" spc="-1" strike="noStrike">
               <a:latin typeface="Arial"/>
@@ -2156,14 +5773,14 @@
       </p:sp>
       <p:sp>
         <p:nvSpPr>
-          <p:cNvPr id="51" name="TextShape 2"/>
-          <p:cNvSpPr txBox="1"/>
+          <p:cNvPr id="90" name="CustomShape 2"/>
+          <p:cNvSpPr/>
           <p:nvPr/>
         </p:nvSpPr>
         <p:spPr>
           <a:xfrm>
             <a:off x="504000" y="1326600"/>
-            <a:ext cx="9071640" cy="3288240"/>
+            <a:ext cx="9071280" cy="3287880"/>
           </a:xfrm>
           <a:prstGeom prst="rect">
             <a:avLst/>
@@ -2173,20 +5790,16 @@
             <a:noFill/>
           </a:ln>
         </p:spPr>
-        <p:txBody>
-          <a:bodyPr lIns="0" rIns="0" tIns="0" bIns="0">
-            <a:normAutofit/>
-          </a:bodyPr>
-          <a:p>
-            <a:endParaRPr b="0" lang="en-GB" sz="3200" spc="-1" strike="noStrike">
-              <a:latin typeface="Arial"/>
-            </a:endParaRPr>
-          </a:p>
-        </p:txBody>
+        <p:style>
+          <a:lnRef idx="0"/>
+          <a:fillRef idx="0"/>
+          <a:effectRef idx="0"/>
+          <a:fontRef idx="minor"/>
+        </p:style>
       </p:sp>
       <p:pic>
         <p:nvPicPr>
-          <p:cNvPr id="52" name="" descr=""/>
+          <p:cNvPr id="91" name="" descr=""/>
           <p:cNvPicPr/>
           <p:nvPr/>
         </p:nvPicPr>
@@ -2196,8 +5809,8 @@
         </p:blipFill>
         <p:spPr>
           <a:xfrm>
-            <a:off x="1830600" y="590400"/>
-            <a:ext cx="6476760" cy="4533480"/>
+            <a:off x="2232000" y="378360"/>
+            <a:ext cx="5669280" cy="5669280"/>
           </a:xfrm>
           <a:prstGeom prst="rect">
             <a:avLst/>
@@ -2258,14 +5871,14 @@
       </p:grpSpPr>
       <p:sp>
         <p:nvSpPr>
-          <p:cNvPr id="53" name="TextShape 1"/>
-          <p:cNvSpPr txBox="1"/>
+          <p:cNvPr id="92" name="CustomShape 1"/>
+          <p:cNvSpPr/>
           <p:nvPr/>
         </p:nvSpPr>
         <p:spPr>
           <a:xfrm>
             <a:off x="504000" y="226080"/>
-            <a:ext cx="9071640" cy="946440"/>
+            <a:ext cx="9071280" cy="946080"/>
           </a:xfrm>
           <a:prstGeom prst="rect">
             <a:avLst/>
@@ -2275,10 +5888,26 @@
             <a:noFill/>
           </a:ln>
         </p:spPr>
+        <p:style>
+          <a:lnRef idx="0"/>
+          <a:fillRef idx="0"/>
+          <a:effectRef idx="0"/>
+          <a:fontRef idx="minor"/>
+        </p:style>
         <p:txBody>
           <a:bodyPr lIns="0" rIns="0" tIns="0" bIns="0" anchor="ctr"/>
           <a:p>
-            <a:pPr algn="ctr"/>
+            <a:pPr algn="ctr">
+              <a:lnSpc>
+                <a:spcPct val="100000"/>
+              </a:lnSpc>
+            </a:pPr>
+            <a:r>
+              <a:rPr b="0" lang="en-GB" sz="4400" spc="-1" strike="noStrike">
+                <a:latin typeface="Arial"/>
+              </a:rPr>
+              <a:t>Why Spark?</a:t>
+            </a:r>
             <a:endParaRPr b="0" lang="en-GB" sz="4400" spc="-1" strike="noStrike">
               <a:latin typeface="Arial"/>
             </a:endParaRPr>
@@ -2287,14 +5916,14 @@
       </p:sp>
       <p:sp>
         <p:nvSpPr>
-          <p:cNvPr id="54" name="TextShape 2"/>
-          <p:cNvSpPr txBox="1"/>
+          <p:cNvPr id="93" name="CustomShape 2"/>
+          <p:cNvSpPr/>
           <p:nvPr/>
         </p:nvSpPr>
         <p:spPr>
           <a:xfrm>
             <a:off x="504000" y="1326600"/>
-            <a:ext cx="9071640" cy="3288240"/>
+            <a:ext cx="9071280" cy="3287880"/>
           </a:xfrm>
           <a:prstGeom prst="rect">
             <a:avLst/>
@@ -2304,20 +5933,16 @@
             <a:noFill/>
           </a:ln>
         </p:spPr>
-        <p:txBody>
-          <a:bodyPr lIns="0" rIns="0" tIns="0" bIns="0">
-            <a:normAutofit/>
-          </a:bodyPr>
-          <a:p>
-            <a:endParaRPr b="0" lang="en-GB" sz="3200" spc="-1" strike="noStrike">
-              <a:latin typeface="Arial"/>
-            </a:endParaRPr>
-          </a:p>
-        </p:txBody>
+        <p:style>
+          <a:lnRef idx="0"/>
+          <a:fillRef idx="0"/>
+          <a:effectRef idx="0"/>
+          <a:fontRef idx="minor"/>
+        </p:style>
       </p:sp>
       <p:pic>
         <p:nvPicPr>
-          <p:cNvPr id="55" name="" descr=""/>
+          <p:cNvPr id="94" name="" descr=""/>
           <p:cNvPicPr/>
           <p:nvPr/>
         </p:nvPicPr>
@@ -2327,8 +5952,8 @@
         </p:blipFill>
         <p:spPr>
           <a:xfrm>
-            <a:off x="1830600" y="748440"/>
-            <a:ext cx="6476760" cy="4895640"/>
+            <a:off x="5506560" y="2403360"/>
+            <a:ext cx="4574160" cy="3267360"/>
           </a:xfrm>
           <a:prstGeom prst="rect">
             <a:avLst/>
@@ -2338,6 +5963,144 @@
           </a:ln>
         </p:spPr>
       </p:pic>
+      <p:sp>
+        <p:nvSpPr>
+          <p:cNvPr id="95" name="CustomShape 3"/>
+          <p:cNvSpPr/>
+          <p:nvPr/>
+        </p:nvSpPr>
+        <p:spPr>
+          <a:xfrm>
+            <a:off x="504360" y="1326600"/>
+            <a:ext cx="9071280" cy="3287880"/>
+          </a:xfrm>
+          <a:prstGeom prst="rect">
+            <a:avLst/>
+          </a:prstGeom>
+          <a:noFill/>
+          <a:ln>
+            <a:noFill/>
+          </a:ln>
+        </p:spPr>
+        <p:style>
+          <a:lnRef idx="0"/>
+          <a:fillRef idx="0"/>
+          <a:effectRef idx="0"/>
+          <a:fontRef idx="minor"/>
+        </p:style>
+        <p:txBody>
+          <a:bodyPr lIns="0" rIns="0" tIns="0" bIns="0">
+            <a:normAutofit/>
+          </a:bodyPr>
+          <a:p>
+            <a:pPr marL="432000" indent="-323640">
+              <a:lnSpc>
+                <a:spcPct val="100000"/>
+              </a:lnSpc>
+              <a:spcBef>
+                <a:spcPts val="1417"/>
+              </a:spcBef>
+              <a:buClr>
+                <a:srgbClr val="000000"/>
+              </a:buClr>
+              <a:buSzPct val="45000"/>
+              <a:buFont typeface="Wingdings" charset="2"/>
+              <a:buChar char=""/>
+            </a:pPr>
+            <a:r>
+              <a:rPr b="0" lang="en-GB" sz="3200" spc="-1" strike="noStrike">
+                <a:latin typeface="Arial"/>
+              </a:rPr>
+              <a:t>Distribute data across a cluster</a:t>
+            </a:r>
+            <a:endParaRPr b="0" lang="en-GB" sz="3200" spc="-1" strike="noStrike">
+              <a:latin typeface="Arial"/>
+            </a:endParaRPr>
+          </a:p>
+          <a:p>
+            <a:pPr marL="432000" indent="-323640">
+              <a:lnSpc>
+                <a:spcPct val="100000"/>
+              </a:lnSpc>
+              <a:spcBef>
+                <a:spcPts val="1417"/>
+              </a:spcBef>
+              <a:buClr>
+                <a:srgbClr val="000000"/>
+              </a:buClr>
+              <a:buSzPct val="45000"/>
+              <a:buFont typeface="Wingdings" charset="2"/>
+              <a:buChar char=""/>
+            </a:pPr>
+            <a:r>
+              <a:rPr b="0" lang="en-GB" sz="3200" spc="-1" strike="noStrike">
+                <a:latin typeface="Arial"/>
+              </a:rPr>
+              <a:t>Process that data in parallel</a:t>
+            </a:r>
+            <a:endParaRPr b="0" lang="en-GB" sz="3200" spc="-1" strike="noStrike">
+              <a:latin typeface="Arial"/>
+            </a:endParaRPr>
+          </a:p>
+          <a:p>
+            <a:pPr marL="432000" indent="-323640">
+              <a:lnSpc>
+                <a:spcPct val="100000"/>
+              </a:lnSpc>
+              <a:spcBef>
+                <a:spcPts val="1417"/>
+              </a:spcBef>
+              <a:buClr>
+                <a:srgbClr val="000000"/>
+              </a:buClr>
+              <a:buSzPct val="45000"/>
+              <a:buFont typeface="Wingdings" charset="2"/>
+              <a:buChar char=""/>
+            </a:pPr>
+            <a:r>
+              <a:rPr b="0" lang="en-GB" sz="3200" spc="-1" strike="noStrike">
+                <a:latin typeface="Arial"/>
+              </a:rPr>
+              <a:t>Open source</a:t>
+            </a:r>
+            <a:endParaRPr b="0" lang="en-GB" sz="3200" spc="-1" strike="noStrike">
+              <a:latin typeface="Arial"/>
+            </a:endParaRPr>
+          </a:p>
+          <a:p>
+            <a:pPr marL="432000" indent="-323640">
+              <a:lnSpc>
+                <a:spcPct val="100000"/>
+              </a:lnSpc>
+              <a:spcBef>
+                <a:spcPts val="1417"/>
+              </a:spcBef>
+              <a:buClr>
+                <a:srgbClr val="000000"/>
+              </a:buClr>
+              <a:buSzPct val="45000"/>
+              <a:buFont typeface="Wingdings" charset="2"/>
+              <a:buChar char=""/>
+            </a:pPr>
+            <a:endParaRPr b="0" lang="en-GB" sz="3200" spc="-1" strike="noStrike">
+              <a:latin typeface="Arial"/>
+            </a:endParaRPr>
+          </a:p>
+          <a:p>
+            <a:pPr>
+              <a:lnSpc>
+                <a:spcPct val="100000"/>
+              </a:lnSpc>
+              <a:spcBef>
+                <a:spcPts val="1417"/>
+              </a:spcBef>
+            </a:pPr>
+            <a:endParaRPr b="0" lang="en-GB" sz="3200" spc="-1" strike="noStrike">
+              <a:latin typeface="Arial"/>
+            </a:endParaRPr>
+          </a:p>
+        </p:txBody>
+      </p:sp>
     </p:spTree>
   </p:cSld>
   <p:timing>
@@ -2389,14 +6152,14 @@
       </p:grpSpPr>
       <p:sp>
         <p:nvSpPr>
-          <p:cNvPr id="56" name="TextShape 1"/>
-          <p:cNvSpPr txBox="1"/>
+          <p:cNvPr id="96" name="CustomShape 1"/>
+          <p:cNvSpPr/>
           <p:nvPr/>
         </p:nvSpPr>
         <p:spPr>
           <a:xfrm>
             <a:off x="504000" y="226080"/>
-            <a:ext cx="9071640" cy="946440"/>
+            <a:ext cx="9071280" cy="946080"/>
           </a:xfrm>
           <a:prstGeom prst="rect">
             <a:avLst/>
@@ -2406,26 +6169,23 @@
             <a:noFill/>
           </a:ln>
         </p:spPr>
-        <p:txBody>
-          <a:bodyPr lIns="0" rIns="0" tIns="0" bIns="0" anchor="ctr"/>
-          <a:p>
-            <a:pPr algn="ctr"/>
-            <a:endParaRPr b="0" lang="en-GB" sz="4400" spc="-1" strike="noStrike">
-              <a:latin typeface="Arial"/>
-            </a:endParaRPr>
-          </a:p>
-        </p:txBody>
-      </p:sp>
-      <p:sp>
-        <p:nvSpPr>
-          <p:cNvPr id="57" name="TextShape 2"/>
-          <p:cNvSpPr txBox="1"/>
+        <p:style>
+          <a:lnRef idx="0"/>
+          <a:fillRef idx="0"/>
+          <a:effectRef idx="0"/>
+          <a:fontRef idx="minor"/>
+        </p:style>
+      </p:sp>
+      <p:sp>
+        <p:nvSpPr>
+          <p:cNvPr id="97" name="CustomShape 2"/>
+          <p:cNvSpPr/>
           <p:nvPr/>
         </p:nvSpPr>
         <p:spPr>
           <a:xfrm>
             <a:off x="504000" y="1326600"/>
-            <a:ext cx="9071640" cy="3288240"/>
+            <a:ext cx="9071280" cy="3287880"/>
           </a:xfrm>
           <a:prstGeom prst="rect">
             <a:avLst/>
@@ -2435,20 +6195,16 @@
             <a:noFill/>
           </a:ln>
         </p:spPr>
-        <p:txBody>
-          <a:bodyPr lIns="0" rIns="0" tIns="0" bIns="0">
-            <a:normAutofit/>
-          </a:bodyPr>
-          <a:p>
-            <a:endParaRPr b="0" lang="en-GB" sz="3200" spc="-1" strike="noStrike">
-              <a:latin typeface="Arial"/>
-            </a:endParaRPr>
-          </a:p>
-        </p:txBody>
+        <p:style>
+          <a:lnRef idx="0"/>
+          <a:fillRef idx="0"/>
+          <a:effectRef idx="0"/>
+          <a:fontRef idx="minor"/>
+        </p:style>
       </p:sp>
       <p:pic>
         <p:nvPicPr>
-          <p:cNvPr id="58" name="" descr=""/>
+          <p:cNvPr id="98" name="" descr=""/>
           <p:cNvPicPr/>
           <p:nvPr/>
         </p:nvPicPr>
@@ -2458,8 +6214,8 @@
         </p:blipFill>
         <p:spPr>
           <a:xfrm>
-            <a:off x="1830600" y="1372320"/>
-            <a:ext cx="6476760" cy="3647880"/>
+            <a:off x="1872000" y="1172160"/>
+            <a:ext cx="5976000" cy="4482000"/>
           </a:xfrm>
           <a:prstGeom prst="rect">
             <a:avLst/>
@@ -2469,6 +6225,51 @@
           </a:ln>
         </p:spPr>
       </p:pic>
+      <p:sp>
+        <p:nvSpPr>
+          <p:cNvPr id="99" name="CustomShape 3"/>
+          <p:cNvSpPr/>
+          <p:nvPr/>
+        </p:nvSpPr>
+        <p:spPr>
+          <a:xfrm>
+            <a:off x="504000" y="226080"/>
+            <a:ext cx="9071280" cy="946080"/>
+          </a:xfrm>
+          <a:prstGeom prst="rect">
+            <a:avLst/>
+          </a:prstGeom>
+          <a:noFill/>
+          <a:ln>
+            <a:noFill/>
+          </a:ln>
+        </p:spPr>
+        <p:style>
+          <a:lnRef idx="0"/>
+          <a:fillRef idx="0"/>
+          <a:effectRef idx="0"/>
+          <a:fontRef idx="minor"/>
+        </p:style>
+        <p:txBody>
+          <a:bodyPr lIns="0" rIns="0" tIns="0" bIns="0" anchor="ctr"/>
+          <a:p>
+            <a:pPr algn="ctr">
+              <a:lnSpc>
+                <a:spcPct val="100000"/>
+              </a:lnSpc>
+            </a:pPr>
+            <a:r>
+              <a:rPr b="0" lang="en-GB" sz="4400" spc="-1" strike="noStrike">
+                <a:latin typeface="Arial"/>
+              </a:rPr>
+              <a:t>Origin of Spark</a:t>
+            </a:r>
+            <a:endParaRPr b="0" lang="en-GB" sz="4400" spc="-1" strike="noStrike">
+              <a:latin typeface="Arial"/>
+            </a:endParaRPr>
+          </a:p>
+        </p:txBody>
+      </p:sp>
     </p:spTree>
   </p:cSld>
   <p:timing>
@@ -2478,6 +6279,435 @@
           <p:childTnLst>
             <p:seq>
               <p:cTn id="12" dur="indefinite" nodeType="mainSeq"/>
+              <p:prevCondLst>
+                <p:cond delay="0" evt="onPrev">
+                  <p:tgtEl>
+                    <p:sldTgt/>
+                  </p:tgtEl>
+                </p:cond>
+              </p:prevCondLst>
+              <p:nextCondLst>
+                <p:cond delay="0" evt="onNext">
+                  <p:tgtEl>
+                    <p:sldTgt/>
+                  </p:tgtEl>
+                </p:cond>
+              </p:nextCondLst>
+            </p:seq>
+          </p:childTnLst>
+        </p:cTn>
+      </p:par>
+    </p:tnLst>
+  </p:timing>
+</p:sld>
+</file>
+
+<file path=ppt/slides/slide7.xml><?xml version="1.0" encoding="utf-8"?>
+<p:sld xmlns:a="http://schemas.openxmlformats.org/drawingml/2006/main" xmlns:p="http://schemas.openxmlformats.org/presentationml/2006/main" xmlns:r="http://schemas.openxmlformats.org/officeDocument/2006/relationships" xmlns:p14="http://schemas.microsoft.com/office/powerpoint/2010/main" xmlns:p15="http://schemas.microsoft.com/office/powerpoint/2012/main" xmlns:mc="http://schemas.openxmlformats.org/markup-compatibility/2006">
+  <p:cSld>
+    <p:spTree>
+      <p:nvGrpSpPr>
+        <p:cNvPr id="1" name=""/>
+        <p:cNvGrpSpPr/>
+        <p:nvPr/>
+      </p:nvGrpSpPr>
+      <p:grpSpPr>
+        <a:xfrm>
+          <a:off x="0" y="0"/>
+          <a:ext cx="0" cy="0"/>
+          <a:chOff x="0" y="0"/>
+          <a:chExt cx="0" cy="0"/>
+        </a:xfrm>
+      </p:grpSpPr>
+      <p:sp>
+        <p:nvSpPr>
+          <p:cNvPr id="100" name="CustomShape 1"/>
+          <p:cNvSpPr/>
+          <p:nvPr/>
+        </p:nvSpPr>
+        <p:spPr>
+          <a:xfrm>
+            <a:off x="504000" y="226080"/>
+            <a:ext cx="9071280" cy="946080"/>
+          </a:xfrm>
+          <a:prstGeom prst="rect">
+            <a:avLst/>
+          </a:prstGeom>
+          <a:noFill/>
+          <a:ln>
+            <a:noFill/>
+          </a:ln>
+        </p:spPr>
+        <p:style>
+          <a:lnRef idx="0"/>
+          <a:fillRef idx="0"/>
+          <a:effectRef idx="0"/>
+          <a:fontRef idx="minor"/>
+        </p:style>
+        <p:txBody>
+          <a:bodyPr lIns="0" rIns="0" tIns="0" bIns="0" anchor="ctr"/>
+          <a:p>
+            <a:pPr algn="ctr">
+              <a:lnSpc>
+                <a:spcPct val="100000"/>
+              </a:lnSpc>
+            </a:pPr>
+            <a:r>
+              <a:rPr b="0" lang="en-GB" sz="4400" spc="-1" strike="noStrike">
+                <a:latin typeface="Arial"/>
+              </a:rPr>
+              <a:t>Earth was filled with Darkness</a:t>
+            </a:r>
+            <a:endParaRPr b="0" lang="en-GB" sz="4400" spc="-1" strike="noStrike">
+              <a:latin typeface="Arial"/>
+            </a:endParaRPr>
+          </a:p>
+        </p:txBody>
+      </p:sp>
+      <p:sp>
+        <p:nvSpPr>
+          <p:cNvPr id="101" name="CustomShape 2"/>
+          <p:cNvSpPr/>
+          <p:nvPr/>
+        </p:nvSpPr>
+        <p:spPr>
+          <a:xfrm>
+            <a:off x="504000" y="1326600"/>
+            <a:ext cx="9071280" cy="3287880"/>
+          </a:xfrm>
+          <a:prstGeom prst="rect">
+            <a:avLst/>
+          </a:prstGeom>
+          <a:noFill/>
+          <a:ln>
+            <a:noFill/>
+          </a:ln>
+        </p:spPr>
+        <p:style>
+          <a:lnRef idx="0"/>
+          <a:fillRef idx="0"/>
+          <a:effectRef idx="0"/>
+          <a:fontRef idx="minor"/>
+        </p:style>
+      </p:sp>
+      <p:pic>
+        <p:nvPicPr>
+          <p:cNvPr id="102" name="" descr=""/>
+          <p:cNvPicPr/>
+          <p:nvPr/>
+        </p:nvPicPr>
+        <p:blipFill>
+          <a:blip r:embed="rId1"/>
+          <a:stretch/>
+        </p:blipFill>
+        <p:spPr>
+          <a:xfrm>
+            <a:off x="2664000" y="1480680"/>
+            <a:ext cx="4391640" cy="3594240"/>
+          </a:xfrm>
+          <a:prstGeom prst="rect">
+            <a:avLst/>
+          </a:prstGeom>
+          <a:ln>
+            <a:noFill/>
+          </a:ln>
+        </p:spPr>
+      </p:pic>
+    </p:spTree>
+  </p:cSld>
+  <p:timing>
+    <p:tnLst>
+      <p:par>
+        <p:cTn id="13" dur="indefinite" restart="never" nodeType="tmRoot">
+          <p:childTnLst>
+            <p:seq>
+              <p:cTn id="14" dur="indefinite" nodeType="mainSeq"/>
+              <p:prevCondLst>
+                <p:cond delay="0" evt="onPrev">
+                  <p:tgtEl>
+                    <p:sldTgt/>
+                  </p:tgtEl>
+                </p:cond>
+              </p:prevCondLst>
+              <p:nextCondLst>
+                <p:cond delay="0" evt="onNext">
+                  <p:tgtEl>
+                    <p:sldTgt/>
+                  </p:tgtEl>
+                </p:cond>
+              </p:nextCondLst>
+            </p:seq>
+          </p:childTnLst>
+        </p:cTn>
+      </p:par>
+    </p:tnLst>
+  </p:timing>
+</p:sld>
+</file>
+
+<file path=ppt/slides/slide8.xml><?xml version="1.0" encoding="utf-8"?>
+<p:sld xmlns:a="http://schemas.openxmlformats.org/drawingml/2006/main" xmlns:p="http://schemas.openxmlformats.org/presentationml/2006/main" xmlns:r="http://schemas.openxmlformats.org/officeDocument/2006/relationships" xmlns:p14="http://schemas.microsoft.com/office/powerpoint/2010/main" xmlns:p15="http://schemas.microsoft.com/office/powerpoint/2012/main" xmlns:mc="http://schemas.openxmlformats.org/markup-compatibility/2006">
+  <p:cSld>
+    <p:spTree>
+      <p:nvGrpSpPr>
+        <p:cNvPr id="1" name=""/>
+        <p:cNvGrpSpPr/>
+        <p:nvPr/>
+      </p:nvGrpSpPr>
+      <p:grpSpPr>
+        <a:xfrm>
+          <a:off x="0" y="0"/>
+          <a:ext cx="0" cy="0"/>
+          <a:chOff x="0" y="0"/>
+          <a:chExt cx="0" cy="0"/>
+        </a:xfrm>
+      </p:grpSpPr>
+      <p:sp>
+        <p:nvSpPr>
+          <p:cNvPr id="103" name="CustomShape 1"/>
+          <p:cNvSpPr/>
+          <p:nvPr/>
+        </p:nvSpPr>
+        <p:spPr>
+          <a:xfrm>
+            <a:off x="504000" y="226080"/>
+            <a:ext cx="9071280" cy="946080"/>
+          </a:xfrm>
+          <a:prstGeom prst="rect">
+            <a:avLst/>
+          </a:prstGeom>
+          <a:noFill/>
+          <a:ln>
+            <a:noFill/>
+          </a:ln>
+        </p:spPr>
+        <p:style>
+          <a:lnRef idx="0"/>
+          <a:fillRef idx="0"/>
+          <a:effectRef idx="0"/>
+          <a:fontRef idx="minor"/>
+        </p:style>
+        <p:txBody>
+          <a:bodyPr lIns="0" rIns="0" tIns="0" bIns="0" anchor="ctr"/>
+          <a:p>
+            <a:pPr algn="ctr">
+              <a:lnSpc>
+                <a:spcPct val="100000"/>
+              </a:lnSpc>
+            </a:pPr>
+            <a:r>
+              <a:rPr b="0" lang="en-GB" sz="4400" spc="-1" strike="noStrike">
+                <a:latin typeface="Arial"/>
+              </a:rPr>
+              <a:t>Vertical Scaling</a:t>
+            </a:r>
+            <a:endParaRPr b="0" lang="en-GB" sz="4400" spc="-1" strike="noStrike">
+              <a:latin typeface="Arial"/>
+            </a:endParaRPr>
+          </a:p>
+        </p:txBody>
+      </p:sp>
+      <p:sp>
+        <p:nvSpPr>
+          <p:cNvPr id="104" name="CustomShape 2"/>
+          <p:cNvSpPr/>
+          <p:nvPr/>
+        </p:nvSpPr>
+        <p:spPr>
+          <a:xfrm>
+            <a:off x="504000" y="1326600"/>
+            <a:ext cx="9071280" cy="3287880"/>
+          </a:xfrm>
+          <a:prstGeom prst="rect">
+            <a:avLst/>
+          </a:prstGeom>
+          <a:noFill/>
+          <a:ln>
+            <a:noFill/>
+          </a:ln>
+        </p:spPr>
+        <p:style>
+          <a:lnRef idx="0"/>
+          <a:fillRef idx="0"/>
+          <a:effectRef idx="0"/>
+          <a:fontRef idx="minor"/>
+        </p:style>
+      </p:sp>
+      <p:pic>
+        <p:nvPicPr>
+          <p:cNvPr id="105" name="" descr=""/>
+          <p:cNvPicPr/>
+          <p:nvPr/>
+        </p:nvPicPr>
+        <p:blipFill>
+          <a:blip r:embed="rId1"/>
+          <a:stretch/>
+        </p:blipFill>
+        <p:spPr>
+          <a:xfrm>
+            <a:off x="1308240" y="1186200"/>
+            <a:ext cx="7619400" cy="4285440"/>
+          </a:xfrm>
+          <a:prstGeom prst="rect">
+            <a:avLst/>
+          </a:prstGeom>
+          <a:ln>
+            <a:noFill/>
+          </a:ln>
+        </p:spPr>
+      </p:pic>
+    </p:spTree>
+  </p:cSld>
+  <p:timing>
+    <p:tnLst>
+      <p:par>
+        <p:cTn id="15" dur="indefinite" restart="never" nodeType="tmRoot">
+          <p:childTnLst>
+            <p:seq>
+              <p:cTn id="16" dur="indefinite" nodeType="mainSeq"/>
+              <p:prevCondLst>
+                <p:cond delay="0" evt="onPrev">
+                  <p:tgtEl>
+                    <p:sldTgt/>
+                  </p:tgtEl>
+                </p:cond>
+              </p:prevCondLst>
+              <p:nextCondLst>
+                <p:cond delay="0" evt="onNext">
+                  <p:tgtEl>
+                    <p:sldTgt/>
+                  </p:tgtEl>
+                </p:cond>
+              </p:nextCondLst>
+            </p:seq>
+          </p:childTnLst>
+        </p:cTn>
+      </p:par>
+    </p:tnLst>
+  </p:timing>
+</p:sld>
+</file>
+
+<file path=ppt/slides/slide9.xml><?xml version="1.0" encoding="utf-8"?>
+<p:sld xmlns:a="http://schemas.openxmlformats.org/drawingml/2006/main" xmlns:p="http://schemas.openxmlformats.org/presentationml/2006/main" xmlns:r="http://schemas.openxmlformats.org/officeDocument/2006/relationships" xmlns:p14="http://schemas.microsoft.com/office/powerpoint/2010/main" xmlns:p15="http://schemas.microsoft.com/office/powerpoint/2012/main" xmlns:mc="http://schemas.openxmlformats.org/markup-compatibility/2006">
+  <p:cSld>
+    <p:spTree>
+      <p:nvGrpSpPr>
+        <p:cNvPr id="1" name=""/>
+        <p:cNvGrpSpPr/>
+        <p:nvPr/>
+      </p:nvGrpSpPr>
+      <p:grpSpPr>
+        <a:xfrm>
+          <a:off x="0" y="0"/>
+          <a:ext cx="0" cy="0"/>
+          <a:chOff x="0" y="0"/>
+          <a:chExt cx="0" cy="0"/>
+        </a:xfrm>
+      </p:grpSpPr>
+      <p:sp>
+        <p:nvSpPr>
+          <p:cNvPr id="106" name="CustomShape 1"/>
+          <p:cNvSpPr/>
+          <p:nvPr/>
+        </p:nvSpPr>
+        <p:spPr>
+          <a:xfrm>
+            <a:off x="504000" y="226080"/>
+            <a:ext cx="9071280" cy="946080"/>
+          </a:xfrm>
+          <a:prstGeom prst="rect">
+            <a:avLst/>
+          </a:prstGeom>
+          <a:noFill/>
+          <a:ln>
+            <a:noFill/>
+          </a:ln>
+        </p:spPr>
+        <p:style>
+          <a:lnRef idx="0"/>
+          <a:fillRef idx="0"/>
+          <a:effectRef idx="0"/>
+          <a:fontRef idx="minor"/>
+        </p:style>
+        <p:txBody>
+          <a:bodyPr lIns="0" rIns="0" tIns="0" bIns="0" anchor="ctr"/>
+          <a:p>
+            <a:pPr algn="ctr">
+              <a:lnSpc>
+                <a:spcPct val="100000"/>
+              </a:lnSpc>
+            </a:pPr>
+            <a:r>
+              <a:rPr b="0" lang="en-GB" sz="4400" spc="-1" strike="noStrike">
+                <a:latin typeface="Arial"/>
+              </a:rPr>
+              <a:t>Horizontal Scaling</a:t>
+            </a:r>
+            <a:endParaRPr b="0" lang="en-GB" sz="4400" spc="-1" strike="noStrike">
+              <a:latin typeface="Arial"/>
+            </a:endParaRPr>
+          </a:p>
+        </p:txBody>
+      </p:sp>
+      <p:sp>
+        <p:nvSpPr>
+          <p:cNvPr id="107" name="CustomShape 2"/>
+          <p:cNvSpPr/>
+          <p:nvPr/>
+        </p:nvSpPr>
+        <p:spPr>
+          <a:xfrm>
+            <a:off x="504000" y="1326600"/>
+            <a:ext cx="9071280" cy="3287880"/>
+          </a:xfrm>
+          <a:prstGeom prst="rect">
+            <a:avLst/>
+          </a:prstGeom>
+          <a:noFill/>
+          <a:ln>
+            <a:noFill/>
+          </a:ln>
+        </p:spPr>
+        <p:style>
+          <a:lnRef idx="0"/>
+          <a:fillRef idx="0"/>
+          <a:effectRef idx="0"/>
+          <a:fontRef idx="minor"/>
+        </p:style>
+      </p:sp>
+      <p:pic>
+        <p:nvPicPr>
+          <p:cNvPr id="108" name="" descr=""/>
+          <p:cNvPicPr/>
+          <p:nvPr/>
+        </p:nvPicPr>
+        <p:blipFill>
+          <a:blip r:embed="rId1"/>
+          <a:stretch/>
+        </p:blipFill>
+        <p:spPr>
+          <a:xfrm>
+            <a:off x="360" y="1404360"/>
+            <a:ext cx="10079280" cy="3059280"/>
+          </a:xfrm>
+          <a:prstGeom prst="rect">
+            <a:avLst/>
+          </a:prstGeom>
+          <a:ln>
+            <a:noFill/>
+          </a:ln>
+        </p:spPr>
+      </p:pic>
+    </p:spTree>
+  </p:cSld>
+  <p:timing>
+    <p:tnLst>
+      <p:par>
+        <p:cTn id="17" dur="indefinite" restart="never" nodeType="tmRoot">
+          <p:childTnLst>
+            <p:seq>
+              <p:cTn id="18" dur="indefinite" nodeType="mainSeq"/>
               <p:prevCondLst>
                 <p:cond delay="0" evt="onPrev">
                   <p:tgtEl>
@@ -2722,4 +6952,450 @@
     </a:fmtScheme>
   </a:themeElements>
 </a:theme>
+</file>
+
+<file path=ppt/theme/theme2.xml><?xml version="1.0" encoding="utf-8"?>
+<a:theme xmlns:a="http://schemas.openxmlformats.org/drawingml/2006/main" name="Office Theme">
+  <a:themeElements>
+    <a:clrScheme name="Office">
+      <a:dk1>
+        <a:sysClr val="windowText" lastClr="000000"/>
+      </a:dk1>
+      <a:lt1>
+        <a:sysClr val="window" lastClr="FFFFFF"/>
+      </a:lt1>
+      <a:dk2>
+        <a:srgbClr val="1f497d"/>
+      </a:dk2>
+      <a:lt2>
+        <a:srgbClr val="eeece1"/>
+      </a:lt2>
+      <a:accent1>
+        <a:srgbClr val="4f81bd"/>
+      </a:accent1>
+      <a:accent2>
+        <a:srgbClr val="c0504d"/>
+      </a:accent2>
+      <a:accent3>
+        <a:srgbClr val="9bbb59"/>
+      </a:accent3>
+      <a:accent4>
+        <a:srgbClr val="8064a2"/>
+      </a:accent4>
+      <a:accent5>
+        <a:srgbClr val="4bacc6"/>
+      </a:accent5>
+      <a:accent6>
+        <a:srgbClr val="f79646"/>
+      </a:accent6>
+      <a:hlink>
+        <a:srgbClr val="0000ff"/>
+      </a:hlink>
+      <a:folHlink>
+        <a:srgbClr val="800080"/>
+      </a:folHlink>
+    </a:clrScheme>
+    <a:fontScheme name="Office">
+      <a:majorFont>
+        <a:latin typeface="Arial"/>
+        <a:ea typeface="DejaVu Sans"/>
+        <a:cs typeface="DejaVu Sans"/>
+      </a:majorFont>
+      <a:minorFont>
+        <a:latin typeface="Arial"/>
+        <a:ea typeface="DejaVu Sans"/>
+        <a:cs typeface="DejaVu Sans"/>
+      </a:minorFont>
+    </a:fontScheme>
+    <a:fmtScheme name="Office">
+      <a:fillStyleLst>
+        <a:solidFill>
+          <a:schemeClr val="phClr"/>
+        </a:solidFill>
+        <a:gradFill rotWithShape="1">
+          <a:gsLst>
+            <a:gs pos="0">
+              <a:schemeClr val="phClr">
+                <a:tint val="50000"/>
+                <a:satMod val="300000"/>
+              </a:schemeClr>
+            </a:gs>
+            <a:gs pos="35000">
+              <a:schemeClr val="phClr">
+                <a:tint val="37000"/>
+                <a:satMod val="300000"/>
+              </a:schemeClr>
+            </a:gs>
+            <a:gs pos="100000">
+              <a:schemeClr val="phClr">
+                <a:tint val="15000"/>
+                <a:satMod val="350000"/>
+              </a:schemeClr>
+            </a:gs>
+          </a:gsLst>
+          <a:lin ang="16200000" scaled="1"/>
+        </a:gradFill>
+        <a:gradFill rotWithShape="1">
+          <a:gsLst>
+            <a:gs pos="0">
+              <a:schemeClr val="phClr">
+                <a:shade val="51000"/>
+                <a:satMod val="130000"/>
+              </a:schemeClr>
+            </a:gs>
+            <a:gs pos="80000">
+              <a:schemeClr val="phClr">
+                <a:shade val="93000"/>
+                <a:satMod val="130000"/>
+              </a:schemeClr>
+            </a:gs>
+            <a:gs pos="100000">
+              <a:schemeClr val="phClr">
+                <a:shade val="94000"/>
+                <a:satMod val="135000"/>
+              </a:schemeClr>
+            </a:gs>
+          </a:gsLst>
+          <a:lin ang="16200000" scaled="0"/>
+        </a:gradFill>
+      </a:fillStyleLst>
+      <a:lnStyleLst>
+        <a:ln w="9525" cap="flat" cmpd="sng" algn="ctr">
+          <a:solidFill>
+            <a:schemeClr val="phClr">
+              <a:shade val="95000"/>
+              <a:satMod val="105000"/>
+            </a:schemeClr>
+          </a:solidFill>
+          <a:prstDash val="solid"/>
+        </a:ln>
+        <a:ln w="25400" cap="flat" cmpd="sng" algn="ctr">
+          <a:solidFill>
+            <a:schemeClr val="phClr"/>
+          </a:solidFill>
+          <a:prstDash val="solid"/>
+        </a:ln>
+        <a:ln w="38100" cap="flat" cmpd="sng" algn="ctr">
+          <a:solidFill>
+            <a:schemeClr val="phClr"/>
+          </a:solidFill>
+          <a:prstDash val="solid"/>
+        </a:ln>
+      </a:lnStyleLst>
+      <a:effectStyleLst>
+        <a:effectStyle>
+          <a:effectLst>
+            <a:outerShdw blurRad="40000" dist="20000" dir="5400000" rotWithShape="0">
+              <a:srgbClr val="000000">
+                <a:alpha val="38000"/>
+              </a:srgbClr>
+            </a:outerShdw>
+          </a:effectLst>
+        </a:effectStyle>
+        <a:effectStyle>
+          <a:effectLst>
+            <a:outerShdw blurRad="40000" dist="23000" dir="5400000" rotWithShape="0">
+              <a:srgbClr val="000000">
+                <a:alpha val="35000"/>
+              </a:srgbClr>
+            </a:outerShdw>
+          </a:effectLst>
+        </a:effectStyle>
+        <a:effectStyle>
+          <a:effectLst>
+            <a:outerShdw blurRad="40000" dist="23000" dir="5400000" rotWithShape="0">
+              <a:srgbClr val="000000">
+                <a:alpha val="35000"/>
+              </a:srgbClr>
+            </a:outerShdw>
+          </a:effectLst>
+          <a:scene3d>
+            <a:camera prst="orthographicFront">
+              <a:rot lat="0" lon="0" rev="0"/>
+            </a:camera>
+            <a:lightRig rig="threePt" dir="t">
+              <a:rot lat="0" lon="0" rev="1200000"/>
+            </a:lightRig>
+          </a:scene3d>
+          <a:sp3d>
+            <a:bevelT w="63500" h="25400"/>
+          </a:sp3d>
+        </a:effectStyle>
+      </a:effectStyleLst>
+      <a:bgFillStyleLst>
+        <a:solidFill>
+          <a:schemeClr val="phClr"/>
+        </a:solidFill>
+        <a:gradFill rotWithShape="1">
+          <a:gsLst>
+            <a:gs pos="0">
+              <a:schemeClr val="phClr">
+                <a:tint val="40000"/>
+                <a:satMod val="350000"/>
+              </a:schemeClr>
+            </a:gs>
+            <a:gs pos="40000">
+              <a:schemeClr val="phClr">
+                <a:tint val="45000"/>
+                <a:shade val="99000"/>
+                <a:satMod val="350000"/>
+              </a:schemeClr>
+            </a:gs>
+            <a:gs pos="100000">
+              <a:schemeClr val="phClr">
+                <a:shade val="20000"/>
+                <a:satMod val="255000"/>
+              </a:schemeClr>
+            </a:gs>
+          </a:gsLst>
+          <a:path path="circle">
+            <a:fillToRect l="50000" t="-80000" r="50000" b="180000"/>
+          </a:path>
+        </a:gradFill>
+        <a:gradFill rotWithShape="1">
+          <a:gsLst>
+            <a:gs pos="0">
+              <a:schemeClr val="phClr">
+                <a:tint val="80000"/>
+                <a:satMod val="300000"/>
+              </a:schemeClr>
+            </a:gs>
+            <a:gs pos="100000">
+              <a:schemeClr val="phClr">
+                <a:shade val="30000"/>
+                <a:satMod val="200000"/>
+              </a:schemeClr>
+            </a:gs>
+          </a:gsLst>
+          <a:path path="circle">
+            <a:fillToRect l="50000" t="50000" r="50000" b="50000"/>
+          </a:path>
+        </a:gradFill>
+      </a:bgFillStyleLst>
+    </a:fmtScheme>
+  </a:themeElements>
+</a:theme>
+</file>
+
+<file path=ppt/theme/theme3.xml><?xml version="1.0" encoding="utf-8"?>
+<a:theme xmlns:a="http://schemas.openxmlformats.org/drawingml/2006/main" name="Office Theme">
+  <a:themeElements>
+    <a:clrScheme name="Office">
+      <a:dk1>
+        <a:sysClr val="windowText" lastClr="000000"/>
+      </a:dk1>
+      <a:lt1>
+        <a:sysClr val="window" lastClr="FFFFFF"/>
+      </a:lt1>
+      <a:dk2>
+        <a:srgbClr val="1f497d"/>
+      </a:dk2>
+      <a:lt2>
+        <a:srgbClr val="eeece1"/>
+      </a:lt2>
+      <a:accent1>
+        <a:srgbClr val="4f81bd"/>
+      </a:accent1>
+      <a:accent2>
+        <a:srgbClr val="c0504d"/>
+      </a:accent2>
+      <a:accent3>
+        <a:srgbClr val="9bbb59"/>
+      </a:accent3>
+      <a:accent4>
+        <a:srgbClr val="8064a2"/>
+      </a:accent4>
+      <a:accent5>
+        <a:srgbClr val="4bacc6"/>
+      </a:accent5>
+      <a:accent6>
+        <a:srgbClr val="f79646"/>
+      </a:accent6>
+      <a:hlink>
+        <a:srgbClr val="0000ff"/>
+      </a:hlink>
+      <a:folHlink>
+        <a:srgbClr val="800080"/>
+      </a:folHlink>
+    </a:clrScheme>
+    <a:fontScheme name="Office">
+      <a:majorFont>
+        <a:latin typeface="Arial"/>
+        <a:ea typeface="DejaVu Sans"/>
+        <a:cs typeface="DejaVu Sans"/>
+      </a:majorFont>
+      <a:minorFont>
+        <a:latin typeface="Arial"/>
+        <a:ea typeface="DejaVu Sans"/>
+        <a:cs typeface="DejaVu Sans"/>
+      </a:minorFont>
+    </a:fontScheme>
+    <a:fmtScheme name="Office">
+      <a:fillStyleLst>
+        <a:solidFill>
+          <a:schemeClr val="phClr"/>
+        </a:solidFill>
+        <a:gradFill rotWithShape="1">
+          <a:gsLst>
+            <a:gs pos="0">
+              <a:schemeClr val="phClr">
+                <a:tint val="50000"/>
+                <a:satMod val="300000"/>
+              </a:schemeClr>
+            </a:gs>
+            <a:gs pos="35000">
+              <a:schemeClr val="phClr">
+                <a:tint val="37000"/>
+                <a:satMod val="300000"/>
+              </a:schemeClr>
+            </a:gs>
+            <a:gs pos="100000">
+              <a:schemeClr val="phClr">
+                <a:tint val="15000"/>
+                <a:satMod val="350000"/>
+              </a:schemeClr>
+            </a:gs>
+          </a:gsLst>
+          <a:lin ang="16200000" scaled="1"/>
+        </a:gradFill>
+        <a:gradFill rotWithShape="1">
+          <a:gsLst>
+            <a:gs pos="0">
+              <a:schemeClr val="phClr">
+                <a:shade val="51000"/>
+                <a:satMod val="130000"/>
+              </a:schemeClr>
+            </a:gs>
+            <a:gs pos="80000">
+              <a:schemeClr val="phClr">
+                <a:shade val="93000"/>
+                <a:satMod val="130000"/>
+              </a:schemeClr>
+            </a:gs>
+            <a:gs pos="100000">
+              <a:schemeClr val="phClr">
+                <a:shade val="94000"/>
+                <a:satMod val="135000"/>
+              </a:schemeClr>
+            </a:gs>
+          </a:gsLst>
+          <a:lin ang="16200000" scaled="0"/>
+        </a:gradFill>
+      </a:fillStyleLst>
+      <a:lnStyleLst>
+        <a:ln w="9525" cap="flat" cmpd="sng" algn="ctr">
+          <a:solidFill>
+            <a:schemeClr val="phClr">
+              <a:shade val="95000"/>
+              <a:satMod val="105000"/>
+            </a:schemeClr>
+          </a:solidFill>
+          <a:prstDash val="solid"/>
+        </a:ln>
+        <a:ln w="25400" cap="flat" cmpd="sng" algn="ctr">
+          <a:solidFill>
+            <a:schemeClr val="phClr"/>
+          </a:solidFill>
+          <a:prstDash val="solid"/>
+        </a:ln>
+        <a:ln w="38100" cap="flat" cmpd="sng" algn="ctr">
+          <a:solidFill>
+            <a:schemeClr val="phClr"/>
+          </a:solidFill>
+          <a:prstDash val="solid"/>
+        </a:ln>
+      </a:lnStyleLst>
+      <a:effectStyleLst>
+        <a:effectStyle>
+          <a:effectLst>
+            <a:outerShdw blurRad="40000" dist="20000" dir="5400000" rotWithShape="0">
+              <a:srgbClr val="000000">
+                <a:alpha val="38000"/>
+              </a:srgbClr>
+            </a:outerShdw>
+          </a:effectLst>
+        </a:effectStyle>
+        <a:effectStyle>
+          <a:effectLst>
+            <a:outerShdw blurRad="40000" dist="23000" dir="5400000" rotWithShape="0">
+              <a:srgbClr val="000000">
+                <a:alpha val="35000"/>
+              </a:srgbClr>
+            </a:outerShdw>
+          </a:effectLst>
+        </a:effectStyle>
+        <a:effectStyle>
+          <a:effectLst>
+            <a:outerShdw blurRad="40000" dist="23000" dir="5400000" rotWithShape="0">
+              <a:srgbClr val="000000">
+                <a:alpha val="35000"/>
+              </a:srgbClr>
+            </a:outerShdw>
+          </a:effectLst>
+          <a:scene3d>
+            <a:camera prst="orthographicFront">
+              <a:rot lat="0" lon="0" rev="0"/>
+            </a:camera>
+            <a:lightRig rig="threePt" dir="t">
+              <a:rot lat="0" lon="0" rev="1200000"/>
+            </a:lightRig>
+          </a:scene3d>
+          <a:sp3d>
+            <a:bevelT w="63500" h="25400"/>
+          </a:sp3d>
+        </a:effectStyle>
+      </a:effectStyleLst>
+      <a:bgFillStyleLst>
+        <a:solidFill>
+          <a:schemeClr val="phClr"/>
+        </a:solidFill>
+        <a:gradFill rotWithShape="1">
+          <a:gsLst>
+            <a:gs pos="0">
+              <a:schemeClr val="phClr">
+                <a:tint val="40000"/>
+                <a:satMod val="350000"/>
+              </a:schemeClr>
+            </a:gs>
+            <a:gs pos="40000">
+              <a:schemeClr val="phClr">
+                <a:tint val="45000"/>
+                <a:shade val="99000"/>
+                <a:satMod val="350000"/>
+              </a:schemeClr>
+            </a:gs>
+            <a:gs pos="100000">
+              <a:schemeClr val="phClr">
+                <a:shade val="20000"/>
+                <a:satMod val="255000"/>
+              </a:schemeClr>
+            </a:gs>
+          </a:gsLst>
+          <a:path path="circle">
+            <a:fillToRect l="50000" t="-80000" r="50000" b="180000"/>
+          </a:path>
+        </a:gradFill>
+        <a:gradFill rotWithShape="1">
+          <a:gsLst>
+            <a:gs pos="0">
+              <a:schemeClr val="phClr">
+                <a:tint val="80000"/>
+                <a:satMod val="300000"/>
+              </a:schemeClr>
+            </a:gs>
+            <a:gs pos="100000">
+              <a:schemeClr val="phClr">
+                <a:shade val="30000"/>
+                <a:satMod val="200000"/>
+              </a:schemeClr>
+            </a:gs>
+          </a:gsLst>
+          <a:path path="circle">
+            <a:fillToRect l="50000" t="50000" r="50000" b="50000"/>
+          </a:path>
+        </a:gradFill>
+      </a:bgFillStyleLst>
+    </a:fmtScheme>
+  </a:themeElements>
+</a:theme>
 </file>